--- a/documentations/React OIDC.pptx
+++ b/documentations/React OIDC.pptx
@@ -29,19 +29,19 @@
     <p:sldId id="403" r:id="rId17"/>
     <p:sldId id="596" r:id="rId18"/>
     <p:sldId id="445" r:id="rId19"/>
-    <p:sldId id="460" r:id="rId20"/>
-    <p:sldId id="606" r:id="rId21"/>
-    <p:sldId id="597" r:id="rId22"/>
-    <p:sldId id="609" r:id="rId23"/>
-    <p:sldId id="607" r:id="rId24"/>
-    <p:sldId id="608" r:id="rId25"/>
-    <p:sldId id="600" r:id="rId26"/>
-    <p:sldId id="602" r:id="rId27"/>
-    <p:sldId id="603" r:id="rId28"/>
-    <p:sldId id="610" r:id="rId29"/>
-    <p:sldId id="604" r:id="rId30"/>
-    <p:sldId id="439" r:id="rId31"/>
-    <p:sldId id="595" r:id="rId32"/>
+    <p:sldId id="595" r:id="rId20"/>
+    <p:sldId id="460" r:id="rId21"/>
+    <p:sldId id="606" r:id="rId22"/>
+    <p:sldId id="597" r:id="rId23"/>
+    <p:sldId id="609" r:id="rId24"/>
+    <p:sldId id="607" r:id="rId25"/>
+    <p:sldId id="608" r:id="rId26"/>
+    <p:sldId id="600" r:id="rId27"/>
+    <p:sldId id="602" r:id="rId28"/>
+    <p:sldId id="603" r:id="rId29"/>
+    <p:sldId id="610" r:id="rId30"/>
+    <p:sldId id="604" r:id="rId31"/>
+    <p:sldId id="439" r:id="rId32"/>
   </p:sldIdLst>
   <p:sldSz cx="12192000" cy="6858000"/>
   <p:notesSz cx="6888163" cy="10020300"/>
@@ -1109,7 +1109,7 @@
     </p:spTree>
     <p:extLst>
       <p:ext uri="{BB962C8B-B14F-4D97-AF65-F5344CB8AC3E}">
-        <p14:creationId xmlns:p14="http://schemas.microsoft.com/office/powerpoint/2010/main" val="4178339005"/>
+        <p14:creationId xmlns:p14="http://schemas.microsoft.com/office/powerpoint/2010/main" val="1390967358"/>
       </p:ext>
     </p:extLst>
   </p:cSld>
@@ -1193,7 +1193,7 @@
     </p:spTree>
     <p:extLst>
       <p:ext uri="{BB962C8B-B14F-4D97-AF65-F5344CB8AC3E}">
-        <p14:creationId xmlns:p14="http://schemas.microsoft.com/office/powerpoint/2010/main" val="3713900162"/>
+        <p14:creationId xmlns:p14="http://schemas.microsoft.com/office/powerpoint/2010/main" val="4178339005"/>
       </p:ext>
     </p:extLst>
   </p:cSld>
@@ -1277,7 +1277,7 @@
     </p:spTree>
     <p:extLst>
       <p:ext uri="{BB962C8B-B14F-4D97-AF65-F5344CB8AC3E}">
-        <p14:creationId xmlns:p14="http://schemas.microsoft.com/office/powerpoint/2010/main" val="88945884"/>
+        <p14:creationId xmlns:p14="http://schemas.microsoft.com/office/powerpoint/2010/main" val="3713900162"/>
       </p:ext>
     </p:extLst>
   </p:cSld>
@@ -1361,7 +1361,7 @@
     </p:spTree>
     <p:extLst>
       <p:ext uri="{BB962C8B-B14F-4D97-AF65-F5344CB8AC3E}">
-        <p14:creationId xmlns:p14="http://schemas.microsoft.com/office/powerpoint/2010/main" val="392162253"/>
+        <p14:creationId xmlns:p14="http://schemas.microsoft.com/office/powerpoint/2010/main" val="88945884"/>
       </p:ext>
     </p:extLst>
   </p:cSld>
@@ -1445,7 +1445,7 @@
     </p:spTree>
     <p:extLst>
       <p:ext uri="{BB962C8B-B14F-4D97-AF65-F5344CB8AC3E}">
-        <p14:creationId xmlns:p14="http://schemas.microsoft.com/office/powerpoint/2010/main" val="336939297"/>
+        <p14:creationId xmlns:p14="http://schemas.microsoft.com/office/powerpoint/2010/main" val="392162253"/>
       </p:ext>
     </p:extLst>
   </p:cSld>
@@ -1529,7 +1529,7 @@
     </p:spTree>
     <p:extLst>
       <p:ext uri="{BB962C8B-B14F-4D97-AF65-F5344CB8AC3E}">
-        <p14:creationId xmlns:p14="http://schemas.microsoft.com/office/powerpoint/2010/main" val="2224510271"/>
+        <p14:creationId xmlns:p14="http://schemas.microsoft.com/office/powerpoint/2010/main" val="336939297"/>
       </p:ext>
     </p:extLst>
   </p:cSld>
@@ -1613,7 +1613,7 @@
     </p:spTree>
     <p:extLst>
       <p:ext uri="{BB962C8B-B14F-4D97-AF65-F5344CB8AC3E}">
-        <p14:creationId xmlns:p14="http://schemas.microsoft.com/office/powerpoint/2010/main" val="1065661777"/>
+        <p14:creationId xmlns:p14="http://schemas.microsoft.com/office/powerpoint/2010/main" val="2224510271"/>
       </p:ext>
     </p:extLst>
   </p:cSld>
@@ -1697,7 +1697,7 @@
     </p:spTree>
     <p:extLst>
       <p:ext uri="{BB962C8B-B14F-4D97-AF65-F5344CB8AC3E}">
-        <p14:creationId xmlns:p14="http://schemas.microsoft.com/office/powerpoint/2010/main" val="2352191649"/>
+        <p14:creationId xmlns:p14="http://schemas.microsoft.com/office/powerpoint/2010/main" val="1065661777"/>
       </p:ext>
     </p:extLst>
   </p:cSld>
@@ -1781,7 +1781,7 @@
     </p:spTree>
     <p:extLst>
       <p:ext uri="{BB962C8B-B14F-4D97-AF65-F5344CB8AC3E}">
-        <p14:creationId xmlns:p14="http://schemas.microsoft.com/office/powerpoint/2010/main" val="1269210123"/>
+        <p14:creationId xmlns:p14="http://schemas.microsoft.com/office/powerpoint/2010/main" val="2352191649"/>
       </p:ext>
     </p:extLst>
   </p:cSld>
@@ -1865,7 +1865,7 @@
     </p:spTree>
     <p:extLst>
       <p:ext uri="{BB962C8B-B14F-4D97-AF65-F5344CB8AC3E}">
-        <p14:creationId xmlns:p14="http://schemas.microsoft.com/office/powerpoint/2010/main" val="2617813344"/>
+        <p14:creationId xmlns:p14="http://schemas.microsoft.com/office/powerpoint/2010/main" val="1269210123"/>
       </p:ext>
     </p:extLst>
   </p:cSld>
@@ -2822,7 +2822,7 @@
       </p:sp>
       <p:sp>
         <p:nvSpPr>
-          <p:cNvPr id="3" name="Espace réservé des commentaires 2"/>
+          <p:cNvPr id="3" name="Espace réservé des notes 2"/>
           <p:cNvSpPr>
             <a:spLocks noGrp="1"/>
           </p:cNvSpPr>
@@ -2835,675 +2835,7 @@
           <a:bodyPr/>
           <a:lstStyle/>
           <a:p>
-            <a:r>
-              <a:rPr lang="fr-FR" sz="1200" kern="1200">
-                <a:solidFill>
-                  <a:schemeClr val="tx1"/>
-                </a:solidFill>
-                <a:effectLst/>
-                <a:latin typeface="+mn-lt"/>
-                <a:ea typeface="+mn-ea"/>
-                <a:cs typeface="+mn-cs"/>
-              </a:rPr>
-              <a:t>Introduction </a:t>
-            </a:r>
-            <a:r>
-              <a:rPr lang="fr-FR" sz="1200" kern="1200">
-                <a:solidFill>
-                  <a:srgbClr val="FF0000"/>
-                </a:solidFill>
-                <a:effectLst/>
-                <a:latin typeface="+mn-lt"/>
-                <a:ea typeface="+mn-ea"/>
-                <a:cs typeface="+mn-cs"/>
-              </a:rPr>
-              <a:t>(10mn)</a:t>
-            </a:r>
-          </a:p>
-          <a:p>
-            <a:r>
-              <a:rPr lang="fr-FR" sz="1200" kern="1200">
-                <a:solidFill>
-                  <a:schemeClr val="tx1"/>
-                </a:solidFill>
-                <a:effectLst/>
-                <a:latin typeface="+mn-lt"/>
-                <a:ea typeface="+mn-ea"/>
-                <a:cs typeface="+mn-cs"/>
-              </a:rPr>
-              <a:t> - Quel était notre besoin ?</a:t>
-            </a:r>
-          </a:p>
-          <a:p>
-            <a:r>
-              <a:rPr lang="fr-FR" sz="1200" kern="1200">
-                <a:solidFill>
-                  <a:schemeClr val="tx1"/>
-                </a:solidFill>
-                <a:effectLst/>
-                <a:latin typeface="+mn-lt"/>
-                <a:ea typeface="+mn-ea"/>
-                <a:cs typeface="+mn-cs"/>
-              </a:rPr>
-              <a:t> - Comment avons nous répondu à ce besoin ?</a:t>
-            </a:r>
-          </a:p>
-          <a:p>
-            <a:br>
-              <a:rPr lang="fr-FR" sz="1200" kern="1200">
-                <a:solidFill>
-                  <a:schemeClr val="tx1"/>
-                </a:solidFill>
-                <a:effectLst/>
-                <a:latin typeface="+mn-lt"/>
-                <a:ea typeface="+mn-ea"/>
-                <a:cs typeface="+mn-cs"/>
-              </a:rPr>
-            </a:br>
-            <a:endParaRPr lang="fr-FR" sz="1200" kern="1200">
-              <a:solidFill>
-                <a:schemeClr val="tx1"/>
-              </a:solidFill>
-              <a:effectLst/>
-              <a:latin typeface="+mn-lt"/>
-              <a:ea typeface="+mn-ea"/>
-              <a:cs typeface="+mn-cs"/>
-            </a:endParaRPr>
-          </a:p>
-          <a:p>
-            <a:r>
-              <a:rPr lang="fr-FR" sz="1200" kern="1200">
-                <a:solidFill>
-                  <a:schemeClr val="tx1"/>
-                </a:solidFill>
-                <a:effectLst/>
-                <a:latin typeface="+mn-lt"/>
-                <a:ea typeface="+mn-ea"/>
-                <a:cs typeface="+mn-cs"/>
-              </a:rPr>
-              <a:t>Slash Design System (10mn)</a:t>
-            </a:r>
-          </a:p>
-          <a:p>
-            <a:r>
-              <a:rPr lang="fr-FR" sz="1200" kern="1200">
-                <a:solidFill>
-                  <a:schemeClr val="tx1"/>
-                </a:solidFill>
-                <a:effectLst/>
-                <a:latin typeface="+mn-lt"/>
-                <a:ea typeface="+mn-ea"/>
-                <a:cs typeface="+mn-cs"/>
-              </a:rPr>
-              <a:t> - Atomic Design</a:t>
-            </a:r>
-          </a:p>
-          <a:p>
-            <a:r>
-              <a:rPr lang="fr-FR" sz="1200" kern="1200">
-                <a:solidFill>
-                  <a:schemeClr val="tx1"/>
-                </a:solidFill>
-                <a:effectLst/>
-                <a:latin typeface="+mn-lt"/>
-                <a:ea typeface="+mn-ea"/>
-                <a:cs typeface="+mn-cs"/>
-              </a:rPr>
-              <a:t> - BEM, c'est quoi ? et pourquoi l'avoir choisi ?</a:t>
-            </a:r>
-          </a:p>
-          <a:p>
-            <a:r>
-              <a:rPr lang="fr-FR" sz="1200" kern="1200">
-                <a:solidFill>
-                  <a:schemeClr val="tx1"/>
-                </a:solidFill>
-                <a:effectLst/>
-                <a:latin typeface="+mn-lt"/>
-                <a:ea typeface="+mn-ea"/>
-                <a:cs typeface="+mn-cs"/>
-              </a:rPr>
-              <a:t> </a:t>
-            </a:r>
-          </a:p>
-          <a:p>
-            <a:r>
-              <a:rPr lang="fr-FR" sz="1200" kern="1200">
-                <a:solidFill>
-                  <a:schemeClr val="tx1"/>
-                </a:solidFill>
-                <a:effectLst/>
-                <a:latin typeface="+mn-lt"/>
-                <a:ea typeface="+mn-ea"/>
-                <a:cs typeface="+mn-cs"/>
-              </a:rPr>
-              <a:t> </a:t>
-            </a:r>
-          </a:p>
-          <a:p>
-            <a:r>
-              <a:rPr lang="fr-FR" sz="1200" kern="1200" err="1">
-                <a:solidFill>
-                  <a:schemeClr val="tx1"/>
-                </a:solidFill>
-                <a:effectLst/>
-                <a:latin typeface="+mn-lt"/>
-                <a:ea typeface="+mn-ea"/>
-                <a:cs typeface="+mn-cs"/>
-              </a:rPr>
-              <a:t>React</a:t>
-            </a:r>
-            <a:r>
-              <a:rPr lang="fr-FR" sz="1200" kern="1200">
-                <a:solidFill>
-                  <a:schemeClr val="tx1"/>
-                </a:solidFill>
-                <a:effectLst/>
-                <a:latin typeface="+mn-lt"/>
-                <a:ea typeface="+mn-ea"/>
-                <a:cs typeface="+mn-cs"/>
-              </a:rPr>
-              <a:t> &amp; </a:t>
-            </a:r>
-            <a:r>
-              <a:rPr lang="fr-FR" sz="1200" kern="1200" err="1">
-                <a:solidFill>
-                  <a:schemeClr val="tx1"/>
-                </a:solidFill>
-                <a:effectLst/>
-                <a:latin typeface="+mn-lt"/>
-                <a:ea typeface="+mn-ea"/>
-                <a:cs typeface="+mn-cs"/>
-              </a:rPr>
-              <a:t>storybook</a:t>
-            </a:r>
-            <a:r>
-              <a:rPr lang="fr-FR" sz="1200" kern="1200">
-                <a:solidFill>
-                  <a:schemeClr val="tx1"/>
-                </a:solidFill>
-                <a:effectLst/>
-                <a:latin typeface="+mn-lt"/>
-                <a:ea typeface="+mn-ea"/>
-                <a:cs typeface="+mn-cs"/>
-              </a:rPr>
-              <a:t> (10mn)</a:t>
-            </a:r>
-          </a:p>
-          <a:p>
-            <a:r>
-              <a:rPr lang="fr-FR" sz="1200" kern="1200">
-                <a:solidFill>
-                  <a:schemeClr val="tx1"/>
-                </a:solidFill>
-                <a:effectLst/>
-                <a:latin typeface="+mn-lt"/>
-                <a:ea typeface="+mn-ea"/>
-                <a:cs typeface="+mn-cs"/>
-              </a:rPr>
-              <a:t> - </a:t>
-            </a:r>
-            <a:r>
-              <a:rPr lang="fr-FR" sz="1200" kern="1200" err="1">
-                <a:solidFill>
-                  <a:schemeClr val="tx1"/>
-                </a:solidFill>
-                <a:effectLst/>
-                <a:latin typeface="+mn-lt"/>
-                <a:ea typeface="+mn-ea"/>
-                <a:cs typeface="+mn-cs"/>
-              </a:rPr>
-              <a:t>React</a:t>
-            </a:r>
-            <a:r>
-              <a:rPr lang="fr-FR" sz="1200" kern="1200">
-                <a:solidFill>
-                  <a:schemeClr val="tx1"/>
-                </a:solidFill>
-                <a:effectLst/>
-                <a:latin typeface="+mn-lt"/>
-                <a:ea typeface="+mn-ea"/>
-                <a:cs typeface="+mn-cs"/>
-              </a:rPr>
-              <a:t>, c'est quoi ? et pourquoi l'avoir choisi ?</a:t>
-            </a:r>
-          </a:p>
-          <a:p>
-            <a:r>
-              <a:rPr lang="fr-FR" sz="1200" kern="1200">
-                <a:solidFill>
-                  <a:schemeClr val="tx1"/>
-                </a:solidFill>
-                <a:effectLst/>
-                <a:latin typeface="+mn-lt"/>
-                <a:ea typeface="+mn-ea"/>
-                <a:cs typeface="+mn-cs"/>
-              </a:rPr>
-              <a:t> - </a:t>
-            </a:r>
-            <a:r>
-              <a:rPr lang="fr-FR" sz="1200" kern="1200" err="1">
-                <a:solidFill>
-                  <a:schemeClr val="tx1"/>
-                </a:solidFill>
-                <a:effectLst/>
-                <a:latin typeface="+mn-lt"/>
-                <a:ea typeface="+mn-ea"/>
-                <a:cs typeface="+mn-cs"/>
-              </a:rPr>
-              <a:t>Storybook</a:t>
-            </a:r>
-            <a:r>
-              <a:rPr lang="fr-FR" sz="1200" kern="1200">
-                <a:solidFill>
-                  <a:schemeClr val="tx1"/>
-                </a:solidFill>
-                <a:effectLst/>
-                <a:latin typeface="+mn-lt"/>
-                <a:ea typeface="+mn-ea"/>
-                <a:cs typeface="+mn-cs"/>
-              </a:rPr>
-              <a:t> pour la documentation</a:t>
-            </a:r>
-          </a:p>
-          <a:p>
-            <a:br>
-              <a:rPr lang="fr-FR" sz="1200" kern="1200">
-                <a:solidFill>
-                  <a:schemeClr val="tx1"/>
-                </a:solidFill>
-                <a:effectLst/>
-                <a:latin typeface="+mn-lt"/>
-                <a:ea typeface="+mn-ea"/>
-                <a:cs typeface="+mn-cs"/>
-              </a:rPr>
-            </a:br>
-            <a:endParaRPr lang="fr-FR" sz="1200" kern="1200">
-              <a:solidFill>
-                <a:schemeClr val="tx1"/>
-              </a:solidFill>
-              <a:effectLst/>
-              <a:latin typeface="+mn-lt"/>
-              <a:ea typeface="+mn-ea"/>
-              <a:cs typeface="+mn-cs"/>
-            </a:endParaRPr>
-          </a:p>
-          <a:p>
-            <a:r>
-              <a:rPr lang="fr-FR" sz="1200" kern="1200">
-                <a:solidFill>
-                  <a:schemeClr val="tx1"/>
-                </a:solidFill>
-                <a:effectLst/>
-                <a:latin typeface="+mn-lt"/>
-                <a:ea typeface="+mn-ea"/>
-                <a:cs typeface="+mn-cs"/>
-              </a:rPr>
-              <a:t>Installation (10 – 15 mn)</a:t>
-            </a:r>
-          </a:p>
-          <a:p>
-            <a:r>
-              <a:rPr lang="fr-FR" sz="1200" kern="1200">
-                <a:solidFill>
-                  <a:schemeClr val="tx1"/>
-                </a:solidFill>
-                <a:effectLst/>
-                <a:latin typeface="+mn-lt"/>
-                <a:ea typeface="+mn-ea"/>
-                <a:cs typeface="+mn-cs"/>
-              </a:rPr>
-              <a:t> - Installation et démarrage d'une nouvelle application avec CRA </a:t>
-            </a:r>
-          </a:p>
-          <a:p>
-            <a:r>
-              <a:rPr lang="fr-FR" sz="1200" kern="1200">
-                <a:solidFill>
-                  <a:schemeClr val="tx1"/>
-                </a:solidFill>
-                <a:effectLst/>
-                <a:latin typeface="+mn-lt"/>
-                <a:ea typeface="+mn-ea"/>
-                <a:cs typeface="+mn-cs"/>
-              </a:rPr>
-              <a:t> - Installation du </a:t>
-            </a:r>
-            <a:r>
-              <a:rPr lang="fr-FR" sz="1200" kern="1200" err="1">
-                <a:solidFill>
-                  <a:schemeClr val="tx1"/>
-                </a:solidFill>
-                <a:effectLst/>
-                <a:latin typeface="+mn-lt"/>
-                <a:ea typeface="+mn-ea"/>
-                <a:cs typeface="+mn-cs"/>
-              </a:rPr>
-              <a:t>toolkit</a:t>
-            </a:r>
-            <a:endParaRPr lang="fr-FR" sz="1200" kern="1200">
-              <a:solidFill>
-                <a:schemeClr val="tx1"/>
-              </a:solidFill>
-              <a:effectLst/>
-              <a:latin typeface="+mn-lt"/>
-              <a:ea typeface="+mn-ea"/>
-              <a:cs typeface="+mn-cs"/>
-            </a:endParaRPr>
-          </a:p>
-          <a:p>
-            <a:br>
-              <a:rPr lang="fr-FR" sz="1200" kern="1200">
-                <a:solidFill>
-                  <a:schemeClr val="tx1"/>
-                </a:solidFill>
-                <a:effectLst/>
-                <a:latin typeface="+mn-lt"/>
-                <a:ea typeface="+mn-ea"/>
-                <a:cs typeface="+mn-cs"/>
-              </a:rPr>
-            </a:br>
-            <a:endParaRPr lang="fr-FR" sz="1200" kern="1200">
-              <a:solidFill>
-                <a:schemeClr val="tx1"/>
-              </a:solidFill>
-              <a:effectLst/>
-              <a:latin typeface="+mn-lt"/>
-              <a:ea typeface="+mn-ea"/>
-              <a:cs typeface="+mn-cs"/>
-            </a:endParaRPr>
-          </a:p>
-          <a:p>
-            <a:r>
-              <a:rPr lang="fr-FR" sz="1200" kern="1200">
-                <a:solidFill>
-                  <a:schemeClr val="tx1"/>
-                </a:solidFill>
-                <a:effectLst/>
-                <a:latin typeface="+mn-lt"/>
-                <a:ea typeface="+mn-ea"/>
-                <a:cs typeface="+mn-cs"/>
-              </a:rPr>
-              <a:t>Mise en place du </a:t>
-            </a:r>
-            <a:r>
-              <a:rPr lang="fr-FR" sz="1200" kern="1200" err="1">
-                <a:solidFill>
-                  <a:schemeClr val="tx1"/>
-                </a:solidFill>
-                <a:effectLst/>
-                <a:latin typeface="+mn-lt"/>
-                <a:ea typeface="+mn-ea"/>
-                <a:cs typeface="+mn-cs"/>
-              </a:rPr>
-              <a:t>layout</a:t>
-            </a:r>
-            <a:r>
-              <a:rPr lang="fr-FR" sz="1200" kern="1200">
-                <a:solidFill>
-                  <a:schemeClr val="tx1"/>
-                </a:solidFill>
-                <a:effectLst/>
-                <a:latin typeface="+mn-lt"/>
-                <a:ea typeface="+mn-ea"/>
-                <a:cs typeface="+mn-cs"/>
-              </a:rPr>
-              <a:t> (20 – 25 mn)</a:t>
-            </a:r>
-          </a:p>
-          <a:p>
-            <a:r>
-              <a:rPr lang="fr-FR" sz="1200" kern="1200">
-                <a:solidFill>
-                  <a:schemeClr val="tx1"/>
-                </a:solidFill>
-                <a:effectLst/>
-                <a:latin typeface="+mn-lt"/>
-                <a:ea typeface="+mn-ea"/>
-                <a:cs typeface="+mn-cs"/>
-              </a:rPr>
-              <a:t> - Header (HTML)</a:t>
-            </a:r>
-          </a:p>
-          <a:p>
-            <a:r>
-              <a:rPr lang="fr-FR" sz="1200" kern="1200">
-                <a:solidFill>
-                  <a:schemeClr val="tx1"/>
-                </a:solidFill>
-                <a:effectLst/>
-                <a:latin typeface="+mn-lt"/>
-                <a:ea typeface="+mn-ea"/>
-                <a:cs typeface="+mn-cs"/>
-              </a:rPr>
-              <a:t> - </a:t>
-            </a:r>
-            <a:r>
-              <a:rPr lang="fr-FR" sz="1200" kern="1200" err="1">
-                <a:solidFill>
-                  <a:schemeClr val="tx1"/>
-                </a:solidFill>
-                <a:effectLst/>
-                <a:latin typeface="+mn-lt"/>
-                <a:ea typeface="+mn-ea"/>
-                <a:cs typeface="+mn-cs"/>
-              </a:rPr>
-              <a:t>Footer</a:t>
-            </a:r>
-            <a:r>
-              <a:rPr lang="fr-FR" sz="1200" kern="1200">
-                <a:solidFill>
-                  <a:schemeClr val="tx1"/>
-                </a:solidFill>
-                <a:effectLst/>
-                <a:latin typeface="+mn-lt"/>
-                <a:ea typeface="+mn-ea"/>
-                <a:cs typeface="+mn-cs"/>
-              </a:rPr>
-              <a:t> (HTML)</a:t>
-            </a:r>
-          </a:p>
-          <a:p>
-            <a:r>
-              <a:rPr lang="fr-FR" sz="1200" kern="1200">
-                <a:solidFill>
-                  <a:schemeClr val="tx1"/>
-                </a:solidFill>
-                <a:effectLst/>
-                <a:latin typeface="+mn-lt"/>
-                <a:ea typeface="+mn-ea"/>
-                <a:cs typeface="+mn-cs"/>
-              </a:rPr>
-              <a:t> - remplacement par les composants </a:t>
-            </a:r>
-            <a:r>
-              <a:rPr lang="fr-FR" sz="1200" kern="1200" err="1">
-                <a:solidFill>
-                  <a:schemeClr val="tx1"/>
-                </a:solidFill>
-                <a:effectLst/>
-                <a:latin typeface="+mn-lt"/>
-                <a:ea typeface="+mn-ea"/>
-                <a:cs typeface="+mn-cs"/>
-              </a:rPr>
-              <a:t>React</a:t>
-            </a:r>
-            <a:endParaRPr lang="fr-FR" sz="1200" kern="1200">
-              <a:solidFill>
-                <a:schemeClr val="tx1"/>
-              </a:solidFill>
-              <a:effectLst/>
-              <a:latin typeface="+mn-lt"/>
-              <a:ea typeface="+mn-ea"/>
-              <a:cs typeface="+mn-cs"/>
-            </a:endParaRPr>
-          </a:p>
-          <a:p>
-            <a:r>
-              <a:rPr lang="fr-FR" sz="1200" kern="1200">
-                <a:solidFill>
-                  <a:schemeClr val="tx1"/>
-                </a:solidFill>
-                <a:effectLst/>
-                <a:latin typeface="+mn-lt"/>
-                <a:ea typeface="+mn-ea"/>
-                <a:cs typeface="+mn-cs"/>
-              </a:rPr>
-              <a:t> </a:t>
-            </a:r>
-          </a:p>
-          <a:p>
-            <a:r>
-              <a:rPr lang="fr-FR" sz="1200" kern="1200">
-                <a:solidFill>
-                  <a:schemeClr val="tx1"/>
-                </a:solidFill>
-                <a:effectLst/>
-                <a:latin typeface="+mn-lt"/>
-                <a:ea typeface="+mn-ea"/>
-                <a:cs typeface="+mn-cs"/>
-              </a:rPr>
-              <a:t>Création d'un formulaire (20 - 25 mn)</a:t>
-            </a:r>
-          </a:p>
-          <a:p>
-            <a:r>
-              <a:rPr lang="fr-FR" sz="1200" kern="1200">
-                <a:solidFill>
-                  <a:schemeClr val="tx1"/>
-                </a:solidFill>
-                <a:effectLst/>
-                <a:latin typeface="+mn-lt"/>
-                <a:ea typeface="+mn-ea"/>
-                <a:cs typeface="+mn-cs"/>
-              </a:rPr>
-              <a:t> - Ajout des champs de formulaire</a:t>
-            </a:r>
-          </a:p>
-          <a:p>
-            <a:r>
-              <a:rPr lang="fr-FR" sz="1200" kern="1200">
-                <a:solidFill>
-                  <a:schemeClr val="tx1"/>
-                </a:solidFill>
-                <a:effectLst/>
-                <a:latin typeface="+mn-lt"/>
-                <a:ea typeface="+mn-ea"/>
-                <a:cs typeface="+mn-cs"/>
-              </a:rPr>
-              <a:t> - Ajout du bouton de validation</a:t>
-            </a:r>
-          </a:p>
-          <a:p>
-            <a:br>
-              <a:rPr lang="fr-FR" sz="1200" kern="1200">
-                <a:solidFill>
-                  <a:schemeClr val="tx1"/>
-                </a:solidFill>
-                <a:effectLst/>
-                <a:latin typeface="+mn-lt"/>
-                <a:ea typeface="+mn-ea"/>
-                <a:cs typeface="+mn-cs"/>
-              </a:rPr>
-            </a:br>
-            <a:endParaRPr lang="fr-FR" sz="1200" kern="1200">
-              <a:solidFill>
-                <a:schemeClr val="tx1"/>
-              </a:solidFill>
-              <a:effectLst/>
-              <a:latin typeface="+mn-lt"/>
-              <a:ea typeface="+mn-ea"/>
-              <a:cs typeface="+mn-cs"/>
-            </a:endParaRPr>
-          </a:p>
-          <a:p>
-            <a:r>
-              <a:rPr lang="fr-FR" sz="1200" kern="1200">
-                <a:solidFill>
-                  <a:schemeClr val="tx1"/>
-                </a:solidFill>
-                <a:effectLst/>
-                <a:latin typeface="+mn-lt"/>
-                <a:ea typeface="+mn-ea"/>
-                <a:cs typeface="+mn-cs"/>
-              </a:rPr>
-              <a:t>Gérer l'état du formulaire (20 – 25 mn)</a:t>
-            </a:r>
-          </a:p>
-          <a:p>
-            <a:r>
-              <a:rPr lang="fr-FR" sz="1200" kern="1200">
-                <a:solidFill>
-                  <a:schemeClr val="tx1"/>
-                </a:solidFill>
-                <a:effectLst/>
-                <a:latin typeface="+mn-lt"/>
-                <a:ea typeface="+mn-ea"/>
-                <a:cs typeface="+mn-cs"/>
-              </a:rPr>
-              <a:t> - création de l'état du formulaire</a:t>
-            </a:r>
-          </a:p>
-          <a:p>
-            <a:r>
-              <a:rPr lang="fr-FR" sz="1200" kern="1200">
-                <a:solidFill>
-                  <a:schemeClr val="tx1"/>
-                </a:solidFill>
-                <a:effectLst/>
-                <a:latin typeface="+mn-lt"/>
-                <a:ea typeface="+mn-ea"/>
-                <a:cs typeface="+mn-cs"/>
-              </a:rPr>
-              <a:t> - gestion des erreurs</a:t>
-            </a:r>
-          </a:p>
-          <a:p>
-            <a:r>
-              <a:rPr lang="fr-FR" sz="1200" kern="1200">
-                <a:solidFill>
-                  <a:schemeClr val="tx1"/>
-                </a:solidFill>
-                <a:effectLst/>
-                <a:latin typeface="+mn-lt"/>
-                <a:ea typeface="+mn-ea"/>
-                <a:cs typeface="+mn-cs"/>
-              </a:rPr>
-              <a:t> - Valider le formulaire</a:t>
-            </a:r>
-          </a:p>
-          <a:p>
-            <a:r>
-              <a:rPr lang="fr-FR" sz="1200" kern="1200">
-                <a:solidFill>
-                  <a:schemeClr val="tx1"/>
-                </a:solidFill>
-                <a:effectLst/>
-                <a:latin typeface="+mn-lt"/>
-                <a:ea typeface="+mn-ea"/>
-                <a:cs typeface="+mn-cs"/>
-              </a:rPr>
-              <a:t> </a:t>
-            </a:r>
-          </a:p>
-          <a:p>
-            <a:r>
-              <a:rPr lang="fr-FR" sz="1200" kern="1200">
-                <a:solidFill>
-                  <a:schemeClr val="tx1"/>
-                </a:solidFill>
-                <a:effectLst/>
-                <a:latin typeface="+mn-lt"/>
-                <a:ea typeface="+mn-ea"/>
-                <a:cs typeface="+mn-cs"/>
-              </a:rPr>
-              <a:t>Conclusion / feedbacks (10 – 15 mn)</a:t>
-            </a:r>
-          </a:p>
-          <a:p>
-            <a:endParaRPr lang="en-US">
-              <a:latin typeface="Century Gothic" pitchFamily="34" charset="0"/>
-            </a:endParaRPr>
+            <a:endParaRPr lang="fr-FR" dirty="0"/>
           </a:p>
         </p:txBody>
       </p:sp>
@@ -3514,7 +2846,7 @@
             <a:spLocks noGrp="1"/>
           </p:cNvSpPr>
           <p:nvPr>
-            <p:ph type="sldNum" sz="quarter" idx="10"/>
+            <p:ph type="sldNum" sz="quarter" idx="5"/>
           </p:nvPr>
         </p:nvSpPr>
         <p:spPr/>
@@ -3522,182 +2854,18 @@
           <a:bodyPr/>
           <a:lstStyle/>
           <a:p>
-            <a:pPr marL="0" marR="0" lvl="0" indent="0" algn="r" defTabSz="914400" rtl="0" eaLnBrk="1" fontAlgn="auto" latinLnBrk="0" hangingPunct="1">
-              <a:lnSpc>
-                <a:spcPct val="100000"/>
-              </a:lnSpc>
-              <a:spcBef>
-                <a:spcPts val="0"/>
-              </a:spcBef>
-              <a:spcAft>
-                <a:spcPts val="0"/>
-              </a:spcAft>
-              <a:buClrTx/>
-              <a:buSzTx/>
-              <a:buFontTx/>
-              <a:buNone/>
-              <a:tabLst/>
-              <a:defRPr/>
-            </a:pPr>
-            <a:fld id="{930332B2-55D9-421F-A138-9E18F33D61D4}" type="slidenum">
-              <a:rPr kumimoji="0" lang="fr-FR" sz="1200" b="0" i="0" u="none" strike="noStrike" kern="1200" cap="none" spc="0" normalizeH="0" baseline="0" noProof="0" smtClean="0">
-                <a:ln>
-                  <a:noFill/>
-                </a:ln>
-                <a:solidFill>
-                  <a:prstClr val="black"/>
-                </a:solidFill>
-                <a:effectLst/>
-                <a:uLnTx/>
-                <a:uFillTx/>
-                <a:latin typeface="Calibri" panose="020F0502020204030204"/>
-                <a:ea typeface="+mn-ea"/>
-                <a:cs typeface="+mn-cs"/>
-              </a:rPr>
-              <a:pPr marL="0" marR="0" lvl="0" indent="0" algn="r" defTabSz="914400" rtl="0" eaLnBrk="1" fontAlgn="auto" latinLnBrk="0" hangingPunct="1">
-                <a:lnSpc>
-                  <a:spcPct val="100000"/>
-                </a:lnSpc>
-                <a:spcBef>
-                  <a:spcPts val="0"/>
-                </a:spcBef>
-                <a:spcAft>
-                  <a:spcPts val="0"/>
-                </a:spcAft>
-                <a:buClrTx/>
-                <a:buSzTx/>
-                <a:buFontTx/>
-                <a:buNone/>
-                <a:tabLst/>
-                <a:defRPr/>
-              </a:pPr>
-              <a:t>31</a:t>
+            <a:fld id="{41EB770E-9F5C-44F4-BEAD-89B26D889570}" type="slidenum">
+              <a:rPr lang="fr-FR" smtClean="0"/>
+              <a:t>30</a:t>
             </a:fld>
-            <a:endParaRPr kumimoji="0" lang="fr-FR" sz="1200" b="0" i="0" u="none" strike="noStrike" kern="1200" cap="none" spc="0" normalizeH="0" baseline="0" noProof="0">
-              <a:ln>
-                <a:noFill/>
-              </a:ln>
-              <a:solidFill>
-                <a:prstClr val="black"/>
-              </a:solidFill>
-              <a:effectLst/>
-              <a:uLnTx/>
-              <a:uFillTx/>
-              <a:latin typeface="Calibri" panose="020F0502020204030204"/>
-              <a:ea typeface="+mn-ea"/>
-              <a:cs typeface="+mn-cs"/>
-            </a:endParaRPr>
-          </a:p>
-        </p:txBody>
-      </p:sp>
-      <p:sp>
-        <p:nvSpPr>
-          <p:cNvPr id="5" name="Espace réservé de la date 4"/>
-          <p:cNvSpPr>
-            <a:spLocks noGrp="1"/>
-          </p:cNvSpPr>
-          <p:nvPr>
-            <p:ph type="dt" idx="11"/>
-          </p:nvPr>
-        </p:nvSpPr>
-        <p:spPr/>
-        <p:txBody>
-          <a:bodyPr/>
-          <a:lstStyle/>
-          <a:p>
-            <a:pPr marL="0" marR="0" lvl="0" indent="0" algn="r" defTabSz="914400" rtl="0" eaLnBrk="1" fontAlgn="auto" latinLnBrk="0" hangingPunct="1">
-              <a:lnSpc>
-                <a:spcPct val="100000"/>
-              </a:lnSpc>
-              <a:spcBef>
-                <a:spcPts val="0"/>
-              </a:spcBef>
-              <a:spcAft>
-                <a:spcPts val="0"/>
-              </a:spcAft>
-              <a:buClrTx/>
-              <a:buSzTx/>
-              <a:buFontTx/>
-              <a:buNone/>
-              <a:tabLst/>
-              <a:defRPr/>
-            </a:pPr>
-            <a:r>
-              <a:rPr kumimoji="0" lang="fr-FR" sz="1200" b="0" i="0" u="none" strike="noStrike" kern="1200" cap="none" spc="0" normalizeH="0" baseline="0" noProof="0">
-                <a:ln>
-                  <a:noFill/>
-                </a:ln>
-                <a:solidFill>
-                  <a:prstClr val="black"/>
-                </a:solidFill>
-                <a:effectLst/>
-                <a:uLnTx/>
-                <a:uFillTx/>
-                <a:latin typeface="Calibri" panose="020F0502020204030204"/>
-                <a:ea typeface="+mn-ea"/>
-                <a:cs typeface="+mn-cs"/>
-              </a:rPr>
-              <a:t>CONFIDENTIALITY LEVEL</a:t>
-            </a:r>
-          </a:p>
-        </p:txBody>
-      </p:sp>
-      <p:sp>
-        <p:nvSpPr>
-          <p:cNvPr id="6" name="Espace réservé du pied de page 5"/>
-          <p:cNvSpPr>
-            <a:spLocks noGrp="1"/>
-          </p:cNvSpPr>
-          <p:nvPr>
-            <p:ph type="ftr" sz="quarter" idx="12"/>
-          </p:nvPr>
-        </p:nvSpPr>
-        <p:spPr/>
-        <p:txBody>
-          <a:bodyPr/>
-          <a:lstStyle/>
-          <a:p>
-            <a:pPr marL="0" marR="0" lvl="0" indent="0" algn="l" defTabSz="914400" rtl="0" eaLnBrk="1" fontAlgn="auto" latinLnBrk="0" hangingPunct="1">
-              <a:lnSpc>
-                <a:spcPct val="100000"/>
-              </a:lnSpc>
-              <a:spcBef>
-                <a:spcPts val="0"/>
-              </a:spcBef>
-              <a:spcAft>
-                <a:spcPts val="0"/>
-              </a:spcAft>
-              <a:buClrTx/>
-              <a:buSzTx/>
-              <a:buFontTx/>
-              <a:buNone/>
-              <a:tabLst/>
-              <a:defRPr/>
-            </a:pPr>
-            <a:r>
-              <a:rPr kumimoji="0" lang="fr-FR" sz="1200" b="0" i="0" u="none" strike="noStrike" kern="1200" cap="none" spc="0" normalizeH="0" baseline="0" noProof="0">
-                <a:ln>
-                  <a:noFill/>
-                </a:ln>
-                <a:solidFill>
-                  <a:prstClr val="black"/>
-                </a:solidFill>
-                <a:effectLst/>
-                <a:uLnTx/>
-                <a:uFillTx/>
-                <a:latin typeface="Calibri" panose="020F0502020204030204"/>
-                <a:ea typeface="+mn-ea"/>
-                <a:cs typeface="+mn-cs"/>
-              </a:rPr>
-              <a:t>Title of the presentation</a:t>
-            </a:r>
+            <a:endParaRPr lang="fr-FR"/>
           </a:p>
         </p:txBody>
       </p:sp>
     </p:spTree>
     <p:extLst>
       <p:ext uri="{BB962C8B-B14F-4D97-AF65-F5344CB8AC3E}">
-        <p14:creationId xmlns:p14="http://schemas.microsoft.com/office/powerpoint/2010/main" val="2932849640"/>
+        <p14:creationId xmlns:p14="http://schemas.microsoft.com/office/powerpoint/2010/main" val="2617813344"/>
       </p:ext>
     </p:extLst>
   </p:cSld>
@@ -6738,7 +5906,7 @@
       </p:sp>
       <p:sp>
         <p:nvSpPr>
-          <p:cNvPr id="3" name="Espace réservé des notes 2"/>
+          <p:cNvPr id="3" name="Espace réservé des commentaires 2"/>
           <p:cNvSpPr>
             <a:spLocks noGrp="1"/>
           </p:cNvSpPr>
@@ -6751,7 +5919,675 @@
           <a:bodyPr/>
           <a:lstStyle/>
           <a:p>
-            <a:endParaRPr lang="fr-FR" dirty="0"/>
+            <a:r>
+              <a:rPr lang="fr-FR" sz="1200" kern="1200">
+                <a:solidFill>
+                  <a:schemeClr val="tx1"/>
+                </a:solidFill>
+                <a:effectLst/>
+                <a:latin typeface="+mn-lt"/>
+                <a:ea typeface="+mn-ea"/>
+                <a:cs typeface="+mn-cs"/>
+              </a:rPr>
+              <a:t>Introduction </a:t>
+            </a:r>
+            <a:r>
+              <a:rPr lang="fr-FR" sz="1200" kern="1200">
+                <a:solidFill>
+                  <a:srgbClr val="FF0000"/>
+                </a:solidFill>
+                <a:effectLst/>
+                <a:latin typeface="+mn-lt"/>
+                <a:ea typeface="+mn-ea"/>
+                <a:cs typeface="+mn-cs"/>
+              </a:rPr>
+              <a:t>(10mn)</a:t>
+            </a:r>
+          </a:p>
+          <a:p>
+            <a:r>
+              <a:rPr lang="fr-FR" sz="1200" kern="1200">
+                <a:solidFill>
+                  <a:schemeClr val="tx1"/>
+                </a:solidFill>
+                <a:effectLst/>
+                <a:latin typeface="+mn-lt"/>
+                <a:ea typeface="+mn-ea"/>
+                <a:cs typeface="+mn-cs"/>
+              </a:rPr>
+              <a:t> - Quel était notre besoin ?</a:t>
+            </a:r>
+          </a:p>
+          <a:p>
+            <a:r>
+              <a:rPr lang="fr-FR" sz="1200" kern="1200">
+                <a:solidFill>
+                  <a:schemeClr val="tx1"/>
+                </a:solidFill>
+                <a:effectLst/>
+                <a:latin typeface="+mn-lt"/>
+                <a:ea typeface="+mn-ea"/>
+                <a:cs typeface="+mn-cs"/>
+              </a:rPr>
+              <a:t> - Comment avons nous répondu à ce besoin ?</a:t>
+            </a:r>
+          </a:p>
+          <a:p>
+            <a:br>
+              <a:rPr lang="fr-FR" sz="1200" kern="1200">
+                <a:solidFill>
+                  <a:schemeClr val="tx1"/>
+                </a:solidFill>
+                <a:effectLst/>
+                <a:latin typeface="+mn-lt"/>
+                <a:ea typeface="+mn-ea"/>
+                <a:cs typeface="+mn-cs"/>
+              </a:rPr>
+            </a:br>
+            <a:endParaRPr lang="fr-FR" sz="1200" kern="1200">
+              <a:solidFill>
+                <a:schemeClr val="tx1"/>
+              </a:solidFill>
+              <a:effectLst/>
+              <a:latin typeface="+mn-lt"/>
+              <a:ea typeface="+mn-ea"/>
+              <a:cs typeface="+mn-cs"/>
+            </a:endParaRPr>
+          </a:p>
+          <a:p>
+            <a:r>
+              <a:rPr lang="fr-FR" sz="1200" kern="1200">
+                <a:solidFill>
+                  <a:schemeClr val="tx1"/>
+                </a:solidFill>
+                <a:effectLst/>
+                <a:latin typeface="+mn-lt"/>
+                <a:ea typeface="+mn-ea"/>
+                <a:cs typeface="+mn-cs"/>
+              </a:rPr>
+              <a:t>Slash Design System (10mn)</a:t>
+            </a:r>
+          </a:p>
+          <a:p>
+            <a:r>
+              <a:rPr lang="fr-FR" sz="1200" kern="1200">
+                <a:solidFill>
+                  <a:schemeClr val="tx1"/>
+                </a:solidFill>
+                <a:effectLst/>
+                <a:latin typeface="+mn-lt"/>
+                <a:ea typeface="+mn-ea"/>
+                <a:cs typeface="+mn-cs"/>
+              </a:rPr>
+              <a:t> - Atomic Design</a:t>
+            </a:r>
+          </a:p>
+          <a:p>
+            <a:r>
+              <a:rPr lang="fr-FR" sz="1200" kern="1200">
+                <a:solidFill>
+                  <a:schemeClr val="tx1"/>
+                </a:solidFill>
+                <a:effectLst/>
+                <a:latin typeface="+mn-lt"/>
+                <a:ea typeface="+mn-ea"/>
+                <a:cs typeface="+mn-cs"/>
+              </a:rPr>
+              <a:t> - BEM, c'est quoi ? et pourquoi l'avoir choisi ?</a:t>
+            </a:r>
+          </a:p>
+          <a:p>
+            <a:r>
+              <a:rPr lang="fr-FR" sz="1200" kern="1200">
+                <a:solidFill>
+                  <a:schemeClr val="tx1"/>
+                </a:solidFill>
+                <a:effectLst/>
+                <a:latin typeface="+mn-lt"/>
+                <a:ea typeface="+mn-ea"/>
+                <a:cs typeface="+mn-cs"/>
+              </a:rPr>
+              <a:t> </a:t>
+            </a:r>
+          </a:p>
+          <a:p>
+            <a:r>
+              <a:rPr lang="fr-FR" sz="1200" kern="1200">
+                <a:solidFill>
+                  <a:schemeClr val="tx1"/>
+                </a:solidFill>
+                <a:effectLst/>
+                <a:latin typeface="+mn-lt"/>
+                <a:ea typeface="+mn-ea"/>
+                <a:cs typeface="+mn-cs"/>
+              </a:rPr>
+              <a:t> </a:t>
+            </a:r>
+          </a:p>
+          <a:p>
+            <a:r>
+              <a:rPr lang="fr-FR" sz="1200" kern="1200" err="1">
+                <a:solidFill>
+                  <a:schemeClr val="tx1"/>
+                </a:solidFill>
+                <a:effectLst/>
+                <a:latin typeface="+mn-lt"/>
+                <a:ea typeface="+mn-ea"/>
+                <a:cs typeface="+mn-cs"/>
+              </a:rPr>
+              <a:t>React</a:t>
+            </a:r>
+            <a:r>
+              <a:rPr lang="fr-FR" sz="1200" kern="1200">
+                <a:solidFill>
+                  <a:schemeClr val="tx1"/>
+                </a:solidFill>
+                <a:effectLst/>
+                <a:latin typeface="+mn-lt"/>
+                <a:ea typeface="+mn-ea"/>
+                <a:cs typeface="+mn-cs"/>
+              </a:rPr>
+              <a:t> &amp; </a:t>
+            </a:r>
+            <a:r>
+              <a:rPr lang="fr-FR" sz="1200" kern="1200" err="1">
+                <a:solidFill>
+                  <a:schemeClr val="tx1"/>
+                </a:solidFill>
+                <a:effectLst/>
+                <a:latin typeface="+mn-lt"/>
+                <a:ea typeface="+mn-ea"/>
+                <a:cs typeface="+mn-cs"/>
+              </a:rPr>
+              <a:t>storybook</a:t>
+            </a:r>
+            <a:r>
+              <a:rPr lang="fr-FR" sz="1200" kern="1200">
+                <a:solidFill>
+                  <a:schemeClr val="tx1"/>
+                </a:solidFill>
+                <a:effectLst/>
+                <a:latin typeface="+mn-lt"/>
+                <a:ea typeface="+mn-ea"/>
+                <a:cs typeface="+mn-cs"/>
+              </a:rPr>
+              <a:t> (10mn)</a:t>
+            </a:r>
+          </a:p>
+          <a:p>
+            <a:r>
+              <a:rPr lang="fr-FR" sz="1200" kern="1200">
+                <a:solidFill>
+                  <a:schemeClr val="tx1"/>
+                </a:solidFill>
+                <a:effectLst/>
+                <a:latin typeface="+mn-lt"/>
+                <a:ea typeface="+mn-ea"/>
+                <a:cs typeface="+mn-cs"/>
+              </a:rPr>
+              <a:t> - </a:t>
+            </a:r>
+            <a:r>
+              <a:rPr lang="fr-FR" sz="1200" kern="1200" err="1">
+                <a:solidFill>
+                  <a:schemeClr val="tx1"/>
+                </a:solidFill>
+                <a:effectLst/>
+                <a:latin typeface="+mn-lt"/>
+                <a:ea typeface="+mn-ea"/>
+                <a:cs typeface="+mn-cs"/>
+              </a:rPr>
+              <a:t>React</a:t>
+            </a:r>
+            <a:r>
+              <a:rPr lang="fr-FR" sz="1200" kern="1200">
+                <a:solidFill>
+                  <a:schemeClr val="tx1"/>
+                </a:solidFill>
+                <a:effectLst/>
+                <a:latin typeface="+mn-lt"/>
+                <a:ea typeface="+mn-ea"/>
+                <a:cs typeface="+mn-cs"/>
+              </a:rPr>
+              <a:t>, c'est quoi ? et pourquoi l'avoir choisi ?</a:t>
+            </a:r>
+          </a:p>
+          <a:p>
+            <a:r>
+              <a:rPr lang="fr-FR" sz="1200" kern="1200">
+                <a:solidFill>
+                  <a:schemeClr val="tx1"/>
+                </a:solidFill>
+                <a:effectLst/>
+                <a:latin typeface="+mn-lt"/>
+                <a:ea typeface="+mn-ea"/>
+                <a:cs typeface="+mn-cs"/>
+              </a:rPr>
+              <a:t> - </a:t>
+            </a:r>
+            <a:r>
+              <a:rPr lang="fr-FR" sz="1200" kern="1200" err="1">
+                <a:solidFill>
+                  <a:schemeClr val="tx1"/>
+                </a:solidFill>
+                <a:effectLst/>
+                <a:latin typeface="+mn-lt"/>
+                <a:ea typeface="+mn-ea"/>
+                <a:cs typeface="+mn-cs"/>
+              </a:rPr>
+              <a:t>Storybook</a:t>
+            </a:r>
+            <a:r>
+              <a:rPr lang="fr-FR" sz="1200" kern="1200">
+                <a:solidFill>
+                  <a:schemeClr val="tx1"/>
+                </a:solidFill>
+                <a:effectLst/>
+                <a:latin typeface="+mn-lt"/>
+                <a:ea typeface="+mn-ea"/>
+                <a:cs typeface="+mn-cs"/>
+              </a:rPr>
+              <a:t> pour la documentation</a:t>
+            </a:r>
+          </a:p>
+          <a:p>
+            <a:br>
+              <a:rPr lang="fr-FR" sz="1200" kern="1200">
+                <a:solidFill>
+                  <a:schemeClr val="tx1"/>
+                </a:solidFill>
+                <a:effectLst/>
+                <a:latin typeface="+mn-lt"/>
+                <a:ea typeface="+mn-ea"/>
+                <a:cs typeface="+mn-cs"/>
+              </a:rPr>
+            </a:br>
+            <a:endParaRPr lang="fr-FR" sz="1200" kern="1200">
+              <a:solidFill>
+                <a:schemeClr val="tx1"/>
+              </a:solidFill>
+              <a:effectLst/>
+              <a:latin typeface="+mn-lt"/>
+              <a:ea typeface="+mn-ea"/>
+              <a:cs typeface="+mn-cs"/>
+            </a:endParaRPr>
+          </a:p>
+          <a:p>
+            <a:r>
+              <a:rPr lang="fr-FR" sz="1200" kern="1200">
+                <a:solidFill>
+                  <a:schemeClr val="tx1"/>
+                </a:solidFill>
+                <a:effectLst/>
+                <a:latin typeface="+mn-lt"/>
+                <a:ea typeface="+mn-ea"/>
+                <a:cs typeface="+mn-cs"/>
+              </a:rPr>
+              <a:t>Installation (10 – 15 mn)</a:t>
+            </a:r>
+          </a:p>
+          <a:p>
+            <a:r>
+              <a:rPr lang="fr-FR" sz="1200" kern="1200">
+                <a:solidFill>
+                  <a:schemeClr val="tx1"/>
+                </a:solidFill>
+                <a:effectLst/>
+                <a:latin typeface="+mn-lt"/>
+                <a:ea typeface="+mn-ea"/>
+                <a:cs typeface="+mn-cs"/>
+              </a:rPr>
+              <a:t> - Installation et démarrage d'une nouvelle application avec CRA </a:t>
+            </a:r>
+          </a:p>
+          <a:p>
+            <a:r>
+              <a:rPr lang="fr-FR" sz="1200" kern="1200">
+                <a:solidFill>
+                  <a:schemeClr val="tx1"/>
+                </a:solidFill>
+                <a:effectLst/>
+                <a:latin typeface="+mn-lt"/>
+                <a:ea typeface="+mn-ea"/>
+                <a:cs typeface="+mn-cs"/>
+              </a:rPr>
+              <a:t> - Installation du </a:t>
+            </a:r>
+            <a:r>
+              <a:rPr lang="fr-FR" sz="1200" kern="1200" err="1">
+                <a:solidFill>
+                  <a:schemeClr val="tx1"/>
+                </a:solidFill>
+                <a:effectLst/>
+                <a:latin typeface="+mn-lt"/>
+                <a:ea typeface="+mn-ea"/>
+                <a:cs typeface="+mn-cs"/>
+              </a:rPr>
+              <a:t>toolkit</a:t>
+            </a:r>
+            <a:endParaRPr lang="fr-FR" sz="1200" kern="1200">
+              <a:solidFill>
+                <a:schemeClr val="tx1"/>
+              </a:solidFill>
+              <a:effectLst/>
+              <a:latin typeface="+mn-lt"/>
+              <a:ea typeface="+mn-ea"/>
+              <a:cs typeface="+mn-cs"/>
+            </a:endParaRPr>
+          </a:p>
+          <a:p>
+            <a:br>
+              <a:rPr lang="fr-FR" sz="1200" kern="1200">
+                <a:solidFill>
+                  <a:schemeClr val="tx1"/>
+                </a:solidFill>
+                <a:effectLst/>
+                <a:latin typeface="+mn-lt"/>
+                <a:ea typeface="+mn-ea"/>
+                <a:cs typeface="+mn-cs"/>
+              </a:rPr>
+            </a:br>
+            <a:endParaRPr lang="fr-FR" sz="1200" kern="1200">
+              <a:solidFill>
+                <a:schemeClr val="tx1"/>
+              </a:solidFill>
+              <a:effectLst/>
+              <a:latin typeface="+mn-lt"/>
+              <a:ea typeface="+mn-ea"/>
+              <a:cs typeface="+mn-cs"/>
+            </a:endParaRPr>
+          </a:p>
+          <a:p>
+            <a:r>
+              <a:rPr lang="fr-FR" sz="1200" kern="1200">
+                <a:solidFill>
+                  <a:schemeClr val="tx1"/>
+                </a:solidFill>
+                <a:effectLst/>
+                <a:latin typeface="+mn-lt"/>
+                <a:ea typeface="+mn-ea"/>
+                <a:cs typeface="+mn-cs"/>
+              </a:rPr>
+              <a:t>Mise en place du </a:t>
+            </a:r>
+            <a:r>
+              <a:rPr lang="fr-FR" sz="1200" kern="1200" err="1">
+                <a:solidFill>
+                  <a:schemeClr val="tx1"/>
+                </a:solidFill>
+                <a:effectLst/>
+                <a:latin typeface="+mn-lt"/>
+                <a:ea typeface="+mn-ea"/>
+                <a:cs typeface="+mn-cs"/>
+              </a:rPr>
+              <a:t>layout</a:t>
+            </a:r>
+            <a:r>
+              <a:rPr lang="fr-FR" sz="1200" kern="1200">
+                <a:solidFill>
+                  <a:schemeClr val="tx1"/>
+                </a:solidFill>
+                <a:effectLst/>
+                <a:latin typeface="+mn-lt"/>
+                <a:ea typeface="+mn-ea"/>
+                <a:cs typeface="+mn-cs"/>
+              </a:rPr>
+              <a:t> (20 – 25 mn)</a:t>
+            </a:r>
+          </a:p>
+          <a:p>
+            <a:r>
+              <a:rPr lang="fr-FR" sz="1200" kern="1200">
+                <a:solidFill>
+                  <a:schemeClr val="tx1"/>
+                </a:solidFill>
+                <a:effectLst/>
+                <a:latin typeface="+mn-lt"/>
+                <a:ea typeface="+mn-ea"/>
+                <a:cs typeface="+mn-cs"/>
+              </a:rPr>
+              <a:t> - Header (HTML)</a:t>
+            </a:r>
+          </a:p>
+          <a:p>
+            <a:r>
+              <a:rPr lang="fr-FR" sz="1200" kern="1200">
+                <a:solidFill>
+                  <a:schemeClr val="tx1"/>
+                </a:solidFill>
+                <a:effectLst/>
+                <a:latin typeface="+mn-lt"/>
+                <a:ea typeface="+mn-ea"/>
+                <a:cs typeface="+mn-cs"/>
+              </a:rPr>
+              <a:t> - </a:t>
+            </a:r>
+            <a:r>
+              <a:rPr lang="fr-FR" sz="1200" kern="1200" err="1">
+                <a:solidFill>
+                  <a:schemeClr val="tx1"/>
+                </a:solidFill>
+                <a:effectLst/>
+                <a:latin typeface="+mn-lt"/>
+                <a:ea typeface="+mn-ea"/>
+                <a:cs typeface="+mn-cs"/>
+              </a:rPr>
+              <a:t>Footer</a:t>
+            </a:r>
+            <a:r>
+              <a:rPr lang="fr-FR" sz="1200" kern="1200">
+                <a:solidFill>
+                  <a:schemeClr val="tx1"/>
+                </a:solidFill>
+                <a:effectLst/>
+                <a:latin typeface="+mn-lt"/>
+                <a:ea typeface="+mn-ea"/>
+                <a:cs typeface="+mn-cs"/>
+              </a:rPr>
+              <a:t> (HTML)</a:t>
+            </a:r>
+          </a:p>
+          <a:p>
+            <a:r>
+              <a:rPr lang="fr-FR" sz="1200" kern="1200">
+                <a:solidFill>
+                  <a:schemeClr val="tx1"/>
+                </a:solidFill>
+                <a:effectLst/>
+                <a:latin typeface="+mn-lt"/>
+                <a:ea typeface="+mn-ea"/>
+                <a:cs typeface="+mn-cs"/>
+              </a:rPr>
+              <a:t> - remplacement par les composants </a:t>
+            </a:r>
+            <a:r>
+              <a:rPr lang="fr-FR" sz="1200" kern="1200" err="1">
+                <a:solidFill>
+                  <a:schemeClr val="tx1"/>
+                </a:solidFill>
+                <a:effectLst/>
+                <a:latin typeface="+mn-lt"/>
+                <a:ea typeface="+mn-ea"/>
+                <a:cs typeface="+mn-cs"/>
+              </a:rPr>
+              <a:t>React</a:t>
+            </a:r>
+            <a:endParaRPr lang="fr-FR" sz="1200" kern="1200">
+              <a:solidFill>
+                <a:schemeClr val="tx1"/>
+              </a:solidFill>
+              <a:effectLst/>
+              <a:latin typeface="+mn-lt"/>
+              <a:ea typeface="+mn-ea"/>
+              <a:cs typeface="+mn-cs"/>
+            </a:endParaRPr>
+          </a:p>
+          <a:p>
+            <a:r>
+              <a:rPr lang="fr-FR" sz="1200" kern="1200">
+                <a:solidFill>
+                  <a:schemeClr val="tx1"/>
+                </a:solidFill>
+                <a:effectLst/>
+                <a:latin typeface="+mn-lt"/>
+                <a:ea typeface="+mn-ea"/>
+                <a:cs typeface="+mn-cs"/>
+              </a:rPr>
+              <a:t> </a:t>
+            </a:r>
+          </a:p>
+          <a:p>
+            <a:r>
+              <a:rPr lang="fr-FR" sz="1200" kern="1200">
+                <a:solidFill>
+                  <a:schemeClr val="tx1"/>
+                </a:solidFill>
+                <a:effectLst/>
+                <a:latin typeface="+mn-lt"/>
+                <a:ea typeface="+mn-ea"/>
+                <a:cs typeface="+mn-cs"/>
+              </a:rPr>
+              <a:t>Création d'un formulaire (20 - 25 mn)</a:t>
+            </a:r>
+          </a:p>
+          <a:p>
+            <a:r>
+              <a:rPr lang="fr-FR" sz="1200" kern="1200">
+                <a:solidFill>
+                  <a:schemeClr val="tx1"/>
+                </a:solidFill>
+                <a:effectLst/>
+                <a:latin typeface="+mn-lt"/>
+                <a:ea typeface="+mn-ea"/>
+                <a:cs typeface="+mn-cs"/>
+              </a:rPr>
+              <a:t> - Ajout des champs de formulaire</a:t>
+            </a:r>
+          </a:p>
+          <a:p>
+            <a:r>
+              <a:rPr lang="fr-FR" sz="1200" kern="1200">
+                <a:solidFill>
+                  <a:schemeClr val="tx1"/>
+                </a:solidFill>
+                <a:effectLst/>
+                <a:latin typeface="+mn-lt"/>
+                <a:ea typeface="+mn-ea"/>
+                <a:cs typeface="+mn-cs"/>
+              </a:rPr>
+              <a:t> - Ajout du bouton de validation</a:t>
+            </a:r>
+          </a:p>
+          <a:p>
+            <a:br>
+              <a:rPr lang="fr-FR" sz="1200" kern="1200">
+                <a:solidFill>
+                  <a:schemeClr val="tx1"/>
+                </a:solidFill>
+                <a:effectLst/>
+                <a:latin typeface="+mn-lt"/>
+                <a:ea typeface="+mn-ea"/>
+                <a:cs typeface="+mn-cs"/>
+              </a:rPr>
+            </a:br>
+            <a:endParaRPr lang="fr-FR" sz="1200" kern="1200">
+              <a:solidFill>
+                <a:schemeClr val="tx1"/>
+              </a:solidFill>
+              <a:effectLst/>
+              <a:latin typeface="+mn-lt"/>
+              <a:ea typeface="+mn-ea"/>
+              <a:cs typeface="+mn-cs"/>
+            </a:endParaRPr>
+          </a:p>
+          <a:p>
+            <a:r>
+              <a:rPr lang="fr-FR" sz="1200" kern="1200">
+                <a:solidFill>
+                  <a:schemeClr val="tx1"/>
+                </a:solidFill>
+                <a:effectLst/>
+                <a:latin typeface="+mn-lt"/>
+                <a:ea typeface="+mn-ea"/>
+                <a:cs typeface="+mn-cs"/>
+              </a:rPr>
+              <a:t>Gérer l'état du formulaire (20 – 25 mn)</a:t>
+            </a:r>
+          </a:p>
+          <a:p>
+            <a:r>
+              <a:rPr lang="fr-FR" sz="1200" kern="1200">
+                <a:solidFill>
+                  <a:schemeClr val="tx1"/>
+                </a:solidFill>
+                <a:effectLst/>
+                <a:latin typeface="+mn-lt"/>
+                <a:ea typeface="+mn-ea"/>
+                <a:cs typeface="+mn-cs"/>
+              </a:rPr>
+              <a:t> - création de l'état du formulaire</a:t>
+            </a:r>
+          </a:p>
+          <a:p>
+            <a:r>
+              <a:rPr lang="fr-FR" sz="1200" kern="1200">
+                <a:solidFill>
+                  <a:schemeClr val="tx1"/>
+                </a:solidFill>
+                <a:effectLst/>
+                <a:latin typeface="+mn-lt"/>
+                <a:ea typeface="+mn-ea"/>
+                <a:cs typeface="+mn-cs"/>
+              </a:rPr>
+              <a:t> - gestion des erreurs</a:t>
+            </a:r>
+          </a:p>
+          <a:p>
+            <a:r>
+              <a:rPr lang="fr-FR" sz="1200" kern="1200">
+                <a:solidFill>
+                  <a:schemeClr val="tx1"/>
+                </a:solidFill>
+                <a:effectLst/>
+                <a:latin typeface="+mn-lt"/>
+                <a:ea typeface="+mn-ea"/>
+                <a:cs typeface="+mn-cs"/>
+              </a:rPr>
+              <a:t> - Valider le formulaire</a:t>
+            </a:r>
+          </a:p>
+          <a:p>
+            <a:r>
+              <a:rPr lang="fr-FR" sz="1200" kern="1200">
+                <a:solidFill>
+                  <a:schemeClr val="tx1"/>
+                </a:solidFill>
+                <a:effectLst/>
+                <a:latin typeface="+mn-lt"/>
+                <a:ea typeface="+mn-ea"/>
+                <a:cs typeface="+mn-cs"/>
+              </a:rPr>
+              <a:t> </a:t>
+            </a:r>
+          </a:p>
+          <a:p>
+            <a:r>
+              <a:rPr lang="fr-FR" sz="1200" kern="1200">
+                <a:solidFill>
+                  <a:schemeClr val="tx1"/>
+                </a:solidFill>
+                <a:effectLst/>
+                <a:latin typeface="+mn-lt"/>
+                <a:ea typeface="+mn-ea"/>
+                <a:cs typeface="+mn-cs"/>
+              </a:rPr>
+              <a:t>Conclusion / feedbacks (10 – 15 mn)</a:t>
+            </a:r>
+          </a:p>
+          <a:p>
+            <a:endParaRPr lang="en-US">
+              <a:latin typeface="Century Gothic" pitchFamily="34" charset="0"/>
+            </a:endParaRPr>
           </a:p>
         </p:txBody>
       </p:sp>
@@ -6762,7 +6598,7 @@
             <a:spLocks noGrp="1"/>
           </p:cNvSpPr>
           <p:nvPr>
-            <p:ph type="sldNum" sz="quarter" idx="5"/>
+            <p:ph type="sldNum" sz="quarter" idx="10"/>
           </p:nvPr>
         </p:nvSpPr>
         <p:spPr/>
@@ -6770,18 +6606,182 @@
           <a:bodyPr/>
           <a:lstStyle/>
           <a:p>
-            <a:fld id="{41EB770E-9F5C-44F4-BEAD-89B26D889570}" type="slidenum">
-              <a:rPr lang="fr-FR" smtClean="0"/>
+            <a:pPr marL="0" marR="0" lvl="0" indent="0" algn="r" defTabSz="914400" rtl="0" eaLnBrk="1" fontAlgn="auto" latinLnBrk="0" hangingPunct="1">
+              <a:lnSpc>
+                <a:spcPct val="100000"/>
+              </a:lnSpc>
+              <a:spcBef>
+                <a:spcPts val="0"/>
+              </a:spcBef>
+              <a:spcAft>
+                <a:spcPts val="0"/>
+              </a:spcAft>
+              <a:buClrTx/>
+              <a:buSzTx/>
+              <a:buFontTx/>
+              <a:buNone/>
+              <a:tabLst/>
+              <a:defRPr/>
+            </a:pPr>
+            <a:fld id="{930332B2-55D9-421F-A138-9E18F33D61D4}" type="slidenum">
+              <a:rPr kumimoji="0" lang="fr-FR" sz="1200" b="0" i="0" u="none" strike="noStrike" kern="1200" cap="none" spc="0" normalizeH="0" baseline="0" noProof="0" smtClean="0">
+                <a:ln>
+                  <a:noFill/>
+                </a:ln>
+                <a:solidFill>
+                  <a:prstClr val="black"/>
+                </a:solidFill>
+                <a:effectLst/>
+                <a:uLnTx/>
+                <a:uFillTx/>
+                <a:latin typeface="Calibri" panose="020F0502020204030204"/>
+                <a:ea typeface="+mn-ea"/>
+                <a:cs typeface="+mn-cs"/>
+              </a:rPr>
+              <a:pPr marL="0" marR="0" lvl="0" indent="0" algn="r" defTabSz="914400" rtl="0" eaLnBrk="1" fontAlgn="auto" latinLnBrk="0" hangingPunct="1">
+                <a:lnSpc>
+                  <a:spcPct val="100000"/>
+                </a:lnSpc>
+                <a:spcBef>
+                  <a:spcPts val="0"/>
+                </a:spcBef>
+                <a:spcAft>
+                  <a:spcPts val="0"/>
+                </a:spcAft>
+                <a:buClrTx/>
+                <a:buSzTx/>
+                <a:buFontTx/>
+                <a:buNone/>
+                <a:tabLst/>
+                <a:defRPr/>
+              </a:pPr>
               <a:t>19</a:t>
             </a:fld>
-            <a:endParaRPr lang="fr-FR"/>
+            <a:endParaRPr kumimoji="0" lang="fr-FR" sz="1200" b="0" i="0" u="none" strike="noStrike" kern="1200" cap="none" spc="0" normalizeH="0" baseline="0" noProof="0">
+              <a:ln>
+                <a:noFill/>
+              </a:ln>
+              <a:solidFill>
+                <a:prstClr val="black"/>
+              </a:solidFill>
+              <a:effectLst/>
+              <a:uLnTx/>
+              <a:uFillTx/>
+              <a:latin typeface="Calibri" panose="020F0502020204030204"/>
+              <a:ea typeface="+mn-ea"/>
+              <a:cs typeface="+mn-cs"/>
+            </a:endParaRPr>
+          </a:p>
+        </p:txBody>
+      </p:sp>
+      <p:sp>
+        <p:nvSpPr>
+          <p:cNvPr id="5" name="Espace réservé de la date 4"/>
+          <p:cNvSpPr>
+            <a:spLocks noGrp="1"/>
+          </p:cNvSpPr>
+          <p:nvPr>
+            <p:ph type="dt" idx="11"/>
+          </p:nvPr>
+        </p:nvSpPr>
+        <p:spPr/>
+        <p:txBody>
+          <a:bodyPr/>
+          <a:lstStyle/>
+          <a:p>
+            <a:pPr marL="0" marR="0" lvl="0" indent="0" algn="r" defTabSz="914400" rtl="0" eaLnBrk="1" fontAlgn="auto" latinLnBrk="0" hangingPunct="1">
+              <a:lnSpc>
+                <a:spcPct val="100000"/>
+              </a:lnSpc>
+              <a:spcBef>
+                <a:spcPts val="0"/>
+              </a:spcBef>
+              <a:spcAft>
+                <a:spcPts val="0"/>
+              </a:spcAft>
+              <a:buClrTx/>
+              <a:buSzTx/>
+              <a:buFontTx/>
+              <a:buNone/>
+              <a:tabLst/>
+              <a:defRPr/>
+            </a:pPr>
+            <a:r>
+              <a:rPr kumimoji="0" lang="fr-FR" sz="1200" b="0" i="0" u="none" strike="noStrike" kern="1200" cap="none" spc="0" normalizeH="0" baseline="0" noProof="0">
+                <a:ln>
+                  <a:noFill/>
+                </a:ln>
+                <a:solidFill>
+                  <a:prstClr val="black"/>
+                </a:solidFill>
+                <a:effectLst/>
+                <a:uLnTx/>
+                <a:uFillTx/>
+                <a:latin typeface="Calibri" panose="020F0502020204030204"/>
+                <a:ea typeface="+mn-ea"/>
+                <a:cs typeface="+mn-cs"/>
+              </a:rPr>
+              <a:t>CONFIDENTIALITY LEVEL</a:t>
+            </a:r>
+          </a:p>
+        </p:txBody>
+      </p:sp>
+      <p:sp>
+        <p:nvSpPr>
+          <p:cNvPr id="6" name="Espace réservé du pied de page 5"/>
+          <p:cNvSpPr>
+            <a:spLocks noGrp="1"/>
+          </p:cNvSpPr>
+          <p:nvPr>
+            <p:ph type="ftr" sz="quarter" idx="12"/>
+          </p:nvPr>
+        </p:nvSpPr>
+        <p:spPr/>
+        <p:txBody>
+          <a:bodyPr/>
+          <a:lstStyle/>
+          <a:p>
+            <a:pPr marL="0" marR="0" lvl="0" indent="0" algn="l" defTabSz="914400" rtl="0" eaLnBrk="1" fontAlgn="auto" latinLnBrk="0" hangingPunct="1">
+              <a:lnSpc>
+                <a:spcPct val="100000"/>
+              </a:lnSpc>
+              <a:spcBef>
+                <a:spcPts val="0"/>
+              </a:spcBef>
+              <a:spcAft>
+                <a:spcPts val="0"/>
+              </a:spcAft>
+              <a:buClrTx/>
+              <a:buSzTx/>
+              <a:buFontTx/>
+              <a:buNone/>
+              <a:tabLst/>
+              <a:defRPr/>
+            </a:pPr>
+            <a:r>
+              <a:rPr kumimoji="0" lang="fr-FR" sz="1200" b="0" i="0" u="none" strike="noStrike" kern="1200" cap="none" spc="0" normalizeH="0" baseline="0" noProof="0">
+                <a:ln>
+                  <a:noFill/>
+                </a:ln>
+                <a:solidFill>
+                  <a:prstClr val="black"/>
+                </a:solidFill>
+                <a:effectLst/>
+                <a:uLnTx/>
+                <a:uFillTx/>
+                <a:latin typeface="Calibri" panose="020F0502020204030204"/>
+                <a:ea typeface="+mn-ea"/>
+                <a:cs typeface="+mn-cs"/>
+              </a:rPr>
+              <a:t>Title of the presentation</a:t>
+            </a:r>
           </a:p>
         </p:txBody>
       </p:sp>
     </p:spTree>
     <p:extLst>
       <p:ext uri="{BB962C8B-B14F-4D97-AF65-F5344CB8AC3E}">
-        <p14:creationId xmlns:p14="http://schemas.microsoft.com/office/powerpoint/2010/main" val="1390967358"/>
+        <p14:creationId xmlns:p14="http://schemas.microsoft.com/office/powerpoint/2010/main" val="2932849640"/>
       </p:ext>
     </p:extLst>
   </p:cSld>
@@ -14409,7 +14409,7 @@
                   <a:schemeClr val="bg1"/>
                 </a:solidFill>
               </a:rPr>
-              <a:t>Pairing</a:t>
+              <a:t>Sample</a:t>
             </a:r>
             <a:r>
               <a:rPr lang="fr-FR" sz="6000" dirty="0">
@@ -14425,7 +14425,7 @@
                   <a:schemeClr val="bg1"/>
                 </a:solidFill>
               </a:rPr>
-              <a:t>sample</a:t>
+              <a:t>using</a:t>
             </a:r>
             <a:r>
               <a:rPr lang="fr-FR" sz="6000" dirty="0">
@@ -14433,6 +14433,33 @@
                   <a:schemeClr val="bg1"/>
                 </a:solidFill>
               </a:rPr>
+              <a:t> flow</a:t>
+            </a:r>
+          </a:p>
+          <a:p>
+            <a:pPr algn="ctr"/>
+            <a:r>
+              <a:rPr lang="fr-FR" sz="6000" dirty="0">
+                <a:solidFill>
+                  <a:schemeClr val="bg1"/>
+                </a:solidFill>
+              </a:rPr>
+              <a:t>« </a:t>
+            </a:r>
+            <a:r>
+              <a:rPr lang="fr-FR" sz="6000" dirty="0" err="1">
+                <a:solidFill>
+                  <a:schemeClr val="bg1"/>
+                </a:solidFill>
+              </a:rPr>
+              <a:t>Authentication</a:t>
+            </a:r>
+            <a:r>
+              <a:rPr lang="fr-FR" sz="6000" dirty="0">
+                <a:solidFill>
+                  <a:schemeClr val="bg1"/>
+                </a:solidFill>
+              </a:rPr>
               <a:t> </a:t>
             </a:r>
             <a:r>
@@ -14441,7 +14468,7 @@
                   <a:schemeClr val="bg1"/>
                 </a:solidFill>
               </a:rPr>
-              <a:t>using</a:t>
+              <a:t>with</a:t>
             </a:r>
             <a:r>
               <a:rPr lang="fr-FR" sz="6000" dirty="0">
@@ -14449,7 +14476,7 @@
                   <a:schemeClr val="bg1"/>
                 </a:solidFill>
               </a:rPr>
-              <a:t> « </a:t>
+              <a:t> </a:t>
             </a:r>
             <a:r>
               <a:rPr lang="fr-FR" sz="6000" dirty="0" err="1">
@@ -14457,7 +14484,7 @@
                   <a:schemeClr val="bg1"/>
                 </a:solidFill>
               </a:rPr>
-              <a:t>Authentication</a:t>
+              <a:t>Authorization</a:t>
             </a:r>
             <a:r>
               <a:rPr lang="fr-FR" sz="6000" dirty="0">
@@ -14465,6 +14492,22 @@
                   <a:schemeClr val="bg1"/>
                 </a:solidFill>
               </a:rPr>
+              <a:t> Code Grant </a:t>
+            </a:r>
+            <a:r>
+              <a:rPr lang="fr-FR" sz="6000" dirty="0" err="1">
+                <a:solidFill>
+                  <a:schemeClr val="bg1"/>
+                </a:solidFill>
+              </a:rPr>
+              <a:t>with</a:t>
+            </a:r>
+            <a:r>
+              <a:rPr lang="fr-FR" sz="6000" dirty="0">
+                <a:solidFill>
+                  <a:schemeClr val="bg1"/>
+                </a:solidFill>
+              </a:rPr>
               <a:t> </a:t>
             </a:r>
             <a:r>
@@ -14473,7 +14516,7 @@
                   <a:schemeClr val="bg1"/>
                 </a:solidFill>
               </a:rPr>
-              <a:t>with</a:t>
+              <a:t>pcke</a:t>
             </a:r>
             <a:r>
               <a:rPr lang="fr-FR" sz="6000" dirty="0">
@@ -14481,7 +14524,7 @@
                   <a:schemeClr val="bg1"/>
                 </a:solidFill>
               </a:rPr>
-              <a:t> </a:t>
+              <a:t> » </a:t>
             </a:r>
             <a:r>
               <a:rPr lang="fr-FR" sz="6000" dirty="0" err="1">
@@ -14489,7 +14532,7 @@
                   <a:schemeClr val="bg1"/>
                 </a:solidFill>
               </a:rPr>
-              <a:t>Authorization</a:t>
+              <a:t>from</a:t>
             </a:r>
             <a:r>
               <a:rPr lang="fr-FR" sz="6000" dirty="0">
@@ -14497,7 +14540,7 @@
                   <a:schemeClr val="bg1"/>
                 </a:solidFill>
               </a:rPr>
-              <a:t> Code Grant flow </a:t>
+              <a:t> client </a:t>
             </a:r>
             <a:r>
               <a:rPr lang="fr-FR" sz="6000" dirty="0" err="1">
@@ -14505,7 +14548,7 @@
                   <a:schemeClr val="bg1"/>
                 </a:solidFill>
               </a:rPr>
-              <a:t>with</a:t>
+              <a:t>side</a:t>
             </a:r>
             <a:r>
               <a:rPr lang="fr-FR" sz="6000" dirty="0">
@@ -14513,55 +14556,7 @@
                   <a:schemeClr val="bg1"/>
                 </a:solidFill>
               </a:rPr>
-              <a:t> </a:t>
-            </a:r>
-            <a:r>
-              <a:rPr lang="fr-FR" sz="6000" dirty="0" err="1">
-                <a:solidFill>
-                  <a:schemeClr val="bg1"/>
-                </a:solidFill>
-              </a:rPr>
-              <a:t>pcke</a:t>
-            </a:r>
-            <a:r>
-              <a:rPr lang="fr-FR" sz="6000" dirty="0">
-                <a:solidFill>
-                  <a:schemeClr val="bg1"/>
-                </a:solidFill>
-              </a:rPr>
-              <a:t> </a:t>
-            </a:r>
-            <a:r>
-              <a:rPr lang="fr-FR" sz="6000" dirty="0" err="1">
-                <a:solidFill>
-                  <a:schemeClr val="bg1"/>
-                </a:solidFill>
-              </a:rPr>
-              <a:t>from</a:t>
-            </a:r>
-            <a:r>
-              <a:rPr lang="fr-FR" sz="6000" dirty="0">
-                <a:solidFill>
-                  <a:schemeClr val="bg1"/>
-                </a:solidFill>
-              </a:rPr>
-              <a:t> client </a:t>
-            </a:r>
-            <a:r>
-              <a:rPr lang="fr-FR" sz="6000" dirty="0" err="1">
-                <a:solidFill>
-                  <a:schemeClr val="bg1"/>
-                </a:solidFill>
-              </a:rPr>
-              <a:t>side</a:t>
-            </a:r>
-            <a:r>
-              <a:rPr lang="fr-FR" sz="6000" dirty="0">
-                <a:solidFill>
-                  <a:schemeClr val="bg1"/>
-                </a:solidFill>
-              </a:rPr>
-              <a:t> »</a:t>
+              <a:t> </a:t>
             </a:r>
           </a:p>
         </p:txBody>
@@ -16461,6 +16456,1379 @@
       </p:grpSpPr>
       <p:sp>
         <p:nvSpPr>
+          <p:cNvPr id="27" name="Rectangle 26">
+            <a:extLst>
+              <a:ext uri="{FF2B5EF4-FFF2-40B4-BE49-F238E27FC236}">
+                <a16:creationId xmlns:a16="http://schemas.microsoft.com/office/drawing/2014/main" id="{617A7ADA-07CF-451A-BAC6-277594AE91B7}"/>
+              </a:ext>
+            </a:extLst>
+          </p:cNvPr>
+          <p:cNvSpPr/>
+          <p:nvPr/>
+        </p:nvSpPr>
+        <p:spPr>
+          <a:xfrm>
+            <a:off x="0" y="0"/>
+            <a:ext cx="12191998" cy="6857999"/>
+          </a:xfrm>
+          <a:prstGeom prst="rect">
+            <a:avLst/>
+          </a:prstGeom>
+          <a:solidFill>
+            <a:schemeClr val="tx2">
+              <a:lumMod val="75000"/>
+            </a:schemeClr>
+          </a:solidFill>
+          <a:ln>
+            <a:noFill/>
+          </a:ln>
+        </p:spPr>
+        <p:style>
+          <a:lnRef idx="2">
+            <a:schemeClr val="accent1">
+              <a:shade val="50000"/>
+            </a:schemeClr>
+          </a:lnRef>
+          <a:fillRef idx="1">
+            <a:schemeClr val="accent1"/>
+          </a:fillRef>
+          <a:effectRef idx="0">
+            <a:schemeClr val="accent1"/>
+          </a:effectRef>
+          <a:fontRef idx="minor">
+            <a:schemeClr val="lt1"/>
+          </a:fontRef>
+        </p:style>
+        <p:txBody>
+          <a:bodyPr rtlCol="0" anchor="ctr"/>
+          <a:lstStyle/>
+          <a:p>
+            <a:pPr marL="914400" marR="0" lvl="2" indent="0" algn="ctr" defTabSz="914400" rtl="0" eaLnBrk="1" fontAlgn="auto" latinLnBrk="0" hangingPunct="1">
+              <a:lnSpc>
+                <a:spcPct val="100000"/>
+              </a:lnSpc>
+              <a:spcBef>
+                <a:spcPts val="0"/>
+              </a:spcBef>
+              <a:spcAft>
+                <a:spcPts val="0"/>
+              </a:spcAft>
+              <a:buClrTx/>
+              <a:buSzTx/>
+              <a:buFontTx/>
+              <a:buNone/>
+              <a:tabLst/>
+              <a:defRPr/>
+            </a:pPr>
+            <a:endParaRPr kumimoji="0" lang="fr-FR" sz="1400" b="1" i="0" u="none" strike="noStrike" kern="1200" cap="none" spc="0" normalizeH="0" baseline="0" noProof="0">
+              <a:ln>
+                <a:noFill/>
+              </a:ln>
+              <a:solidFill>
+                <a:srgbClr val="525252"/>
+              </a:solidFill>
+              <a:effectLst/>
+              <a:uLnTx/>
+              <a:uFillTx/>
+              <a:latin typeface="+mj-lt"/>
+              <a:ea typeface="Karla" pitchFamily="2" charset="0"/>
+            </a:endParaRPr>
+          </a:p>
+        </p:txBody>
+      </p:sp>
+      <p:sp>
+        <p:nvSpPr>
+          <p:cNvPr id="3" name="Espace réservé de la date 2">
+            <a:extLst>
+              <a:ext uri="{FF2B5EF4-FFF2-40B4-BE49-F238E27FC236}">
+                <a16:creationId xmlns:a16="http://schemas.microsoft.com/office/drawing/2014/main" id="{DE9241D6-AE8E-43B4-BB97-0B368873E0F7}"/>
+              </a:ext>
+            </a:extLst>
+          </p:cNvPr>
+          <p:cNvSpPr>
+            <a:spLocks noGrp="1"/>
+          </p:cNvSpPr>
+          <p:nvPr>
+            <p:ph type="dt" sz="half" idx="10"/>
+          </p:nvPr>
+        </p:nvSpPr>
+        <p:spPr/>
+        <p:txBody>
+          <a:bodyPr/>
+          <a:lstStyle/>
+          <a:p>
+            <a:r>
+              <a:rPr lang="fr-FR">
+                <a:ea typeface="Karla" pitchFamily="2" charset="0"/>
+              </a:rPr>
+              <a:t> </a:t>
+            </a:r>
+          </a:p>
+        </p:txBody>
+      </p:sp>
+      <p:cxnSp>
+        <p:nvCxnSpPr>
+          <p:cNvPr id="11" name="Connecteur droit 10">
+            <a:extLst>
+              <a:ext uri="{FF2B5EF4-FFF2-40B4-BE49-F238E27FC236}">
+                <a16:creationId xmlns:a16="http://schemas.microsoft.com/office/drawing/2014/main" id="{987BF4BF-9CBA-4F21-8F56-5E002575FFB1}"/>
+              </a:ext>
+            </a:extLst>
+          </p:cNvPr>
+          <p:cNvCxnSpPr/>
+          <p:nvPr/>
+        </p:nvCxnSpPr>
+        <p:spPr>
+          <a:xfrm>
+            <a:off x="2004291" y="0"/>
+            <a:ext cx="0" cy="6858000"/>
+          </a:xfrm>
+          <a:prstGeom prst="line">
+            <a:avLst/>
+          </a:prstGeom>
+          <a:ln w="28575">
+            <a:solidFill>
+              <a:schemeClr val="bg1"/>
+            </a:solidFill>
+          </a:ln>
+        </p:spPr>
+        <p:style>
+          <a:lnRef idx="1">
+            <a:schemeClr val="accent1"/>
+          </a:lnRef>
+          <a:fillRef idx="0">
+            <a:schemeClr val="accent1"/>
+          </a:fillRef>
+          <a:effectRef idx="0">
+            <a:schemeClr val="accent1"/>
+          </a:effectRef>
+          <a:fontRef idx="minor">
+            <a:schemeClr val="tx1"/>
+          </a:fontRef>
+        </p:style>
+      </p:cxnSp>
+      <p:sp>
+        <p:nvSpPr>
+          <p:cNvPr id="15" name="Ellipse 14">
+            <a:extLst>
+              <a:ext uri="{FF2B5EF4-FFF2-40B4-BE49-F238E27FC236}">
+                <a16:creationId xmlns:a16="http://schemas.microsoft.com/office/drawing/2014/main" id="{94ECA506-A143-492E-A322-B6CF7D28D0F6}"/>
+              </a:ext>
+            </a:extLst>
+          </p:cNvPr>
+          <p:cNvSpPr/>
+          <p:nvPr/>
+        </p:nvSpPr>
+        <p:spPr>
+          <a:xfrm>
+            <a:off x="1808646" y="4808299"/>
+            <a:ext cx="364337" cy="364337"/>
+          </a:xfrm>
+          <a:prstGeom prst="ellipse">
+            <a:avLst/>
+          </a:prstGeom>
+          <a:solidFill>
+            <a:schemeClr val="tx2">
+              <a:lumMod val="75000"/>
+            </a:schemeClr>
+          </a:solidFill>
+          <a:ln w="28575">
+            <a:solidFill>
+              <a:schemeClr val="bg1"/>
+            </a:solidFill>
+          </a:ln>
+        </p:spPr>
+        <p:style>
+          <a:lnRef idx="2">
+            <a:schemeClr val="accent1">
+              <a:shade val="50000"/>
+            </a:schemeClr>
+          </a:lnRef>
+          <a:fillRef idx="1">
+            <a:schemeClr val="accent1"/>
+          </a:fillRef>
+          <a:effectRef idx="0">
+            <a:schemeClr val="accent1"/>
+          </a:effectRef>
+          <a:fontRef idx="minor">
+            <a:schemeClr val="lt1"/>
+          </a:fontRef>
+        </p:style>
+        <p:txBody>
+          <a:bodyPr rtlCol="0" anchor="ctr"/>
+          <a:lstStyle/>
+          <a:p>
+            <a:pPr algn="ctr"/>
+            <a:endParaRPr lang="fr-FR">
+              <a:latin typeface="+mj-lt"/>
+              <a:ea typeface="Karla" pitchFamily="2" charset="0"/>
+            </a:endParaRPr>
+          </a:p>
+        </p:txBody>
+      </p:sp>
+      <p:sp>
+        <p:nvSpPr>
+          <p:cNvPr id="22" name="ZoneTexte 21">
+            <a:extLst>
+              <a:ext uri="{FF2B5EF4-FFF2-40B4-BE49-F238E27FC236}">
+                <a16:creationId xmlns:a16="http://schemas.microsoft.com/office/drawing/2014/main" id="{3D173455-883E-41D3-8952-08965149EE84}"/>
+              </a:ext>
+            </a:extLst>
+          </p:cNvPr>
+          <p:cNvSpPr txBox="1"/>
+          <p:nvPr/>
+        </p:nvSpPr>
+        <p:spPr bwMode="auto">
+          <a:xfrm>
+            <a:off x="2368628" y="1143277"/>
+            <a:ext cx="10015910" cy="4225131"/>
+          </a:xfrm>
+          <a:prstGeom prst="rect">
+            <a:avLst/>
+          </a:prstGeom>
+          <a:noFill/>
+          <a:ln>
+            <a:noFill/>
+          </a:ln>
+          <a:extLst>
+            <a:ext uri="{909E8E84-426E-40DD-AFC4-6F175D3DCCD1}">
+              <a14:hiddenFill xmlns:a14="http://schemas.microsoft.com/office/drawing/2010/main">
+                <a:solidFill>
+                  <a:srgbClr val="FFFFFF"/>
+                </a:solidFill>
+              </a14:hiddenFill>
+            </a:ext>
+            <a:ext uri="{91240B29-F687-4F45-9708-019B960494DF}">
+              <a14:hiddenLine xmlns:a14="http://schemas.microsoft.com/office/drawing/2010/main" w="9525">
+                <a:solidFill>
+                  <a:srgbClr val="000000"/>
+                </a:solidFill>
+                <a:miter lim="800000"/>
+                <a:headEnd/>
+                <a:tailEnd/>
+              </a14:hiddenLine>
+            </a:ext>
+          </a:extLst>
+        </p:spPr>
+        <p:txBody>
+          <a:bodyPr wrap="square" lIns="0" tIns="0" rIns="0" bIns="0" rtlCol="0" anchor="b">
+            <a:spAutoFit/>
+          </a:bodyPr>
+          <a:lstStyle/>
+          <a:p>
+            <a:pPr marL="514350" indent="-514350" eaLnBrk="1" hangingPunct="1">
+              <a:lnSpc>
+                <a:spcPct val="150000"/>
+              </a:lnSpc>
+              <a:buAutoNum type="arabicPeriod"/>
+            </a:pPr>
+            <a:r>
+              <a:rPr lang="fr-FR" sz="2800" dirty="0">
+                <a:solidFill>
+                  <a:schemeClr val="bg1"/>
+                </a:solidFill>
+              </a:rPr>
+              <a:t>How to set </a:t>
+            </a:r>
+            <a:r>
+              <a:rPr lang="fr-FR" sz="2800" dirty="0" err="1">
+                <a:solidFill>
+                  <a:schemeClr val="bg1"/>
+                </a:solidFill>
+              </a:rPr>
+              <a:t>it</a:t>
+            </a:r>
+            <a:r>
+              <a:rPr lang="fr-FR" sz="2800" dirty="0">
+                <a:solidFill>
+                  <a:schemeClr val="bg1"/>
+                </a:solidFill>
+              </a:rPr>
+              <a:t> up </a:t>
+            </a:r>
+            <a:r>
+              <a:rPr lang="fr-FR" sz="2800" dirty="0" err="1">
+                <a:solidFill>
+                  <a:schemeClr val="bg1"/>
+                </a:solidFill>
+              </a:rPr>
+              <a:t>React</a:t>
+            </a:r>
+            <a:r>
+              <a:rPr lang="fr-FR" sz="2800" dirty="0">
+                <a:solidFill>
+                  <a:schemeClr val="bg1"/>
+                </a:solidFill>
+              </a:rPr>
+              <a:t> OIDC</a:t>
+            </a:r>
+          </a:p>
+          <a:p>
+            <a:pPr marL="514350" indent="-514350" eaLnBrk="1" hangingPunct="1">
+              <a:lnSpc>
+                <a:spcPct val="150000"/>
+              </a:lnSpc>
+              <a:buAutoNum type="arabicPeriod"/>
+            </a:pPr>
+            <a:r>
+              <a:rPr lang="en-US" sz="2800" dirty="0">
+                <a:solidFill>
+                  <a:schemeClr val="bg1"/>
+                </a:solidFill>
+              </a:rPr>
+              <a:t>Understanding the concepts of identification, authorization and authentication</a:t>
+            </a:r>
+          </a:p>
+          <a:p>
+            <a:pPr marL="514350" indent="-514350">
+              <a:lnSpc>
+                <a:spcPct val="150000"/>
+              </a:lnSpc>
+              <a:buFontTx/>
+              <a:buAutoNum type="arabicPeriod"/>
+            </a:pPr>
+            <a:r>
+              <a:rPr lang="fr-FR" sz="2800" dirty="0">
+                <a:solidFill>
+                  <a:schemeClr val="bg1"/>
+                </a:solidFill>
+              </a:rPr>
+              <a:t>Focus on </a:t>
+            </a:r>
+            <a:r>
+              <a:rPr lang="fr-FR" sz="2800" dirty="0" err="1">
+                <a:solidFill>
+                  <a:schemeClr val="bg1"/>
+                </a:solidFill>
+              </a:rPr>
+              <a:t>Oauth</a:t>
+            </a:r>
+            <a:r>
+              <a:rPr lang="fr-FR" sz="2800" dirty="0">
+                <a:solidFill>
+                  <a:schemeClr val="bg1"/>
+                </a:solidFill>
+              </a:rPr>
+              <a:t> 2.0</a:t>
+            </a:r>
+          </a:p>
+          <a:p>
+            <a:pPr marL="514350" indent="-514350">
+              <a:lnSpc>
+                <a:spcPct val="150000"/>
+              </a:lnSpc>
+              <a:buFontTx/>
+              <a:buAutoNum type="arabicPeriod"/>
+            </a:pPr>
+            <a:r>
+              <a:rPr lang="en-US" sz="2800" dirty="0">
+                <a:solidFill>
+                  <a:schemeClr val="bg1"/>
+                </a:solidFill>
+              </a:rPr>
+              <a:t>"Level up" with OpenID Connect</a:t>
+            </a:r>
+            <a:endParaRPr lang="fr-FR" sz="2800" dirty="0">
+              <a:solidFill>
+                <a:schemeClr val="bg1"/>
+              </a:solidFill>
+            </a:endParaRPr>
+          </a:p>
+          <a:p>
+            <a:pPr marL="514350" indent="-514350">
+              <a:lnSpc>
+                <a:spcPct val="150000"/>
+              </a:lnSpc>
+              <a:buFontTx/>
+              <a:buAutoNum type="arabicPeriod"/>
+            </a:pPr>
+            <a:r>
+              <a:rPr lang="fr-FR" sz="4800" b="1" dirty="0">
+                <a:solidFill>
+                  <a:schemeClr val="bg1"/>
+                </a:solidFill>
+                <a:latin typeface="+mj-lt"/>
+              </a:rPr>
+              <a:t>Conclusion</a:t>
+            </a:r>
+          </a:p>
+        </p:txBody>
+      </p:sp>
+      <p:sp>
+        <p:nvSpPr>
+          <p:cNvPr id="13" name="Ellipse 12">
+            <a:extLst>
+              <a:ext uri="{FF2B5EF4-FFF2-40B4-BE49-F238E27FC236}">
+                <a16:creationId xmlns:a16="http://schemas.microsoft.com/office/drawing/2014/main" id="{55FC0511-2E83-42F9-AF8A-52A4E21F6BF3}"/>
+              </a:ext>
+            </a:extLst>
+          </p:cNvPr>
+          <p:cNvSpPr/>
+          <p:nvPr/>
+        </p:nvSpPr>
+        <p:spPr>
+          <a:xfrm>
+            <a:off x="1909194" y="2095973"/>
+            <a:ext cx="192540" cy="192540"/>
+          </a:xfrm>
+          <a:prstGeom prst="ellipse">
+            <a:avLst/>
+          </a:prstGeom>
+          <a:solidFill>
+            <a:schemeClr val="tx2">
+              <a:lumMod val="75000"/>
+            </a:schemeClr>
+          </a:solidFill>
+          <a:ln w="28575">
+            <a:solidFill>
+              <a:schemeClr val="bg1"/>
+            </a:solidFill>
+          </a:ln>
+        </p:spPr>
+        <p:style>
+          <a:lnRef idx="2">
+            <a:schemeClr val="accent1">
+              <a:shade val="50000"/>
+            </a:schemeClr>
+          </a:lnRef>
+          <a:fillRef idx="1">
+            <a:schemeClr val="accent1"/>
+          </a:fillRef>
+          <a:effectRef idx="0">
+            <a:schemeClr val="accent1"/>
+          </a:effectRef>
+          <a:fontRef idx="minor">
+            <a:schemeClr val="lt1"/>
+          </a:fontRef>
+        </p:style>
+        <p:txBody>
+          <a:bodyPr rtlCol="0" anchor="ctr"/>
+          <a:lstStyle/>
+          <a:p>
+            <a:pPr algn="ctr"/>
+            <a:endParaRPr lang="fr-FR">
+              <a:latin typeface="+mj-lt"/>
+              <a:ea typeface="Karla" pitchFamily="2" charset="0"/>
+            </a:endParaRPr>
+          </a:p>
+        </p:txBody>
+      </p:sp>
+      <p:sp>
+        <p:nvSpPr>
+          <p:cNvPr id="10" name="Ellipse 12">
+            <a:extLst>
+              <a:ext uri="{FF2B5EF4-FFF2-40B4-BE49-F238E27FC236}">
+                <a16:creationId xmlns:a16="http://schemas.microsoft.com/office/drawing/2014/main" id="{23B6ED91-1029-4EC3-B092-884DB94D5D4E}"/>
+              </a:ext>
+            </a:extLst>
+          </p:cNvPr>
+          <p:cNvSpPr/>
+          <p:nvPr/>
+        </p:nvSpPr>
+        <p:spPr>
+          <a:xfrm>
+            <a:off x="1908021" y="3348847"/>
+            <a:ext cx="192540" cy="192540"/>
+          </a:xfrm>
+          <a:prstGeom prst="ellipse">
+            <a:avLst/>
+          </a:prstGeom>
+          <a:solidFill>
+            <a:schemeClr val="tx2">
+              <a:lumMod val="75000"/>
+            </a:schemeClr>
+          </a:solidFill>
+          <a:ln w="28575">
+            <a:solidFill>
+              <a:schemeClr val="bg1"/>
+            </a:solidFill>
+          </a:ln>
+        </p:spPr>
+        <p:style>
+          <a:lnRef idx="2">
+            <a:schemeClr val="accent1">
+              <a:shade val="50000"/>
+            </a:schemeClr>
+          </a:lnRef>
+          <a:fillRef idx="1">
+            <a:schemeClr val="accent1"/>
+          </a:fillRef>
+          <a:effectRef idx="0">
+            <a:schemeClr val="accent1"/>
+          </a:effectRef>
+          <a:fontRef idx="minor">
+            <a:schemeClr val="lt1"/>
+          </a:fontRef>
+        </p:style>
+        <p:txBody>
+          <a:bodyPr rtlCol="0" anchor="ctr"/>
+          <a:lstStyle/>
+          <a:p>
+            <a:pPr algn="ctr"/>
+            <a:endParaRPr lang="fr-FR">
+              <a:latin typeface="+mj-lt"/>
+              <a:ea typeface="Karla" pitchFamily="2" charset="0"/>
+            </a:endParaRPr>
+          </a:p>
+        </p:txBody>
+      </p:sp>
+      <p:sp>
+        <p:nvSpPr>
+          <p:cNvPr id="14" name="Ellipse 7">
+            <a:extLst>
+              <a:ext uri="{FF2B5EF4-FFF2-40B4-BE49-F238E27FC236}">
+                <a16:creationId xmlns:a16="http://schemas.microsoft.com/office/drawing/2014/main" id="{10241E5C-56AA-4019-82EF-BEEAD76E8004}"/>
+              </a:ext>
+            </a:extLst>
+          </p:cNvPr>
+          <p:cNvSpPr/>
+          <p:nvPr/>
+        </p:nvSpPr>
+        <p:spPr>
+          <a:xfrm>
+            <a:off x="1909194" y="1477255"/>
+            <a:ext cx="192540" cy="192540"/>
+          </a:xfrm>
+          <a:prstGeom prst="ellipse">
+            <a:avLst/>
+          </a:prstGeom>
+          <a:solidFill>
+            <a:schemeClr val="tx2">
+              <a:lumMod val="75000"/>
+            </a:schemeClr>
+          </a:solidFill>
+          <a:ln w="28575">
+            <a:solidFill>
+              <a:schemeClr val="bg1"/>
+            </a:solidFill>
+          </a:ln>
+        </p:spPr>
+        <p:style>
+          <a:lnRef idx="2">
+            <a:schemeClr val="accent1">
+              <a:shade val="50000"/>
+            </a:schemeClr>
+          </a:lnRef>
+          <a:fillRef idx="1">
+            <a:schemeClr val="accent1"/>
+          </a:fillRef>
+          <a:effectRef idx="0">
+            <a:schemeClr val="accent1"/>
+          </a:effectRef>
+          <a:fontRef idx="minor">
+            <a:schemeClr val="lt1"/>
+          </a:fontRef>
+        </p:style>
+        <p:txBody>
+          <a:bodyPr rtlCol="0" anchor="ctr"/>
+          <a:lstStyle/>
+          <a:p>
+            <a:pPr algn="ctr"/>
+            <a:endParaRPr lang="fr-FR">
+              <a:latin typeface="+mj-lt"/>
+              <a:ea typeface="Karla" pitchFamily="2" charset="0"/>
+            </a:endParaRPr>
+          </a:p>
+        </p:txBody>
+      </p:sp>
+      <p:sp>
+        <p:nvSpPr>
+          <p:cNvPr id="16" name="Ellipse 7">
+            <a:extLst>
+              <a:ext uri="{FF2B5EF4-FFF2-40B4-BE49-F238E27FC236}">
+                <a16:creationId xmlns:a16="http://schemas.microsoft.com/office/drawing/2014/main" id="{5FAE9A66-D671-4BF4-9DDF-541CBDA7ED35}"/>
+              </a:ext>
+            </a:extLst>
+          </p:cNvPr>
+          <p:cNvSpPr/>
+          <p:nvPr/>
+        </p:nvSpPr>
+        <p:spPr>
+          <a:xfrm>
+            <a:off x="1906230" y="4033226"/>
+            <a:ext cx="192540" cy="192540"/>
+          </a:xfrm>
+          <a:prstGeom prst="ellipse">
+            <a:avLst/>
+          </a:prstGeom>
+          <a:solidFill>
+            <a:schemeClr val="tx2">
+              <a:lumMod val="75000"/>
+            </a:schemeClr>
+          </a:solidFill>
+          <a:ln w="28575">
+            <a:solidFill>
+              <a:schemeClr val="bg1"/>
+            </a:solidFill>
+          </a:ln>
+        </p:spPr>
+        <p:style>
+          <a:lnRef idx="2">
+            <a:schemeClr val="accent1">
+              <a:shade val="50000"/>
+            </a:schemeClr>
+          </a:lnRef>
+          <a:fillRef idx="1">
+            <a:schemeClr val="accent1"/>
+          </a:fillRef>
+          <a:effectRef idx="0">
+            <a:schemeClr val="accent1"/>
+          </a:effectRef>
+          <a:fontRef idx="minor">
+            <a:schemeClr val="lt1"/>
+          </a:fontRef>
+        </p:style>
+        <p:txBody>
+          <a:bodyPr rtlCol="0" anchor="ctr"/>
+          <a:lstStyle/>
+          <a:p>
+            <a:pPr algn="ctr"/>
+            <a:endParaRPr lang="fr-FR">
+              <a:latin typeface="+mj-lt"/>
+              <a:ea typeface="Karla" pitchFamily="2" charset="0"/>
+            </a:endParaRPr>
+          </a:p>
+        </p:txBody>
+      </p:sp>
+    </p:spTree>
+    <p:extLst>
+      <p:ext uri="{BB962C8B-B14F-4D97-AF65-F5344CB8AC3E}">
+        <p14:creationId xmlns:p14="http://schemas.microsoft.com/office/powerpoint/2010/main" val="1845152769"/>
+      </p:ext>
+    </p:extLst>
+  </p:cSld>
+  <p:clrMapOvr>
+    <a:masterClrMapping/>
+  </p:clrMapOvr>
+  <mc:AlternateContent xmlns:mc="http://schemas.openxmlformats.org/markup-compatibility/2006" xmlns:p159="http://schemas.microsoft.com/office/powerpoint/2015/09/main">
+    <mc:Choice Requires="p159">
+      <p:transition xmlns:p14="http://schemas.microsoft.com/office/powerpoint/2010/main" spd="slow" p14:dur="2000">
+        <p159:morph option="byObject"/>
+      </p:transition>
+    </mc:Choice>
+    <mc:Fallback xmlns="">
+      <p:transition spd="slow">
+        <p:fade/>
+      </p:transition>
+    </mc:Fallback>
+  </mc:AlternateContent>
+</p:sld>
+</file>
+
+<file path=ppt/slides/slide2.xml><?xml version="1.0" encoding="utf-8"?>
+<p:sld xmlns:a="http://schemas.openxmlformats.org/drawingml/2006/main" xmlns:r="http://schemas.openxmlformats.org/officeDocument/2006/relationships" xmlns:p="http://schemas.openxmlformats.org/presentationml/2006/main">
+  <p:cSld>
+    <p:spTree>
+      <p:nvGrpSpPr>
+        <p:cNvPr id="1" name=""/>
+        <p:cNvGrpSpPr/>
+        <p:nvPr/>
+      </p:nvGrpSpPr>
+      <p:grpSpPr>
+        <a:xfrm>
+          <a:off x="0" y="0"/>
+          <a:ext cx="0" cy="0"/>
+          <a:chOff x="0" y="0"/>
+          <a:chExt cx="0" cy="0"/>
+        </a:xfrm>
+      </p:grpSpPr>
+      <p:sp>
+        <p:nvSpPr>
+          <p:cNvPr id="27" name="Rectangle 26">
+            <a:extLst>
+              <a:ext uri="{FF2B5EF4-FFF2-40B4-BE49-F238E27FC236}">
+                <a16:creationId xmlns:a16="http://schemas.microsoft.com/office/drawing/2014/main" id="{617A7ADA-07CF-451A-BAC6-277594AE91B7}"/>
+              </a:ext>
+            </a:extLst>
+          </p:cNvPr>
+          <p:cNvSpPr/>
+          <p:nvPr/>
+        </p:nvSpPr>
+        <p:spPr>
+          <a:xfrm>
+            <a:off x="0" y="0"/>
+            <a:ext cx="12191998" cy="6857999"/>
+          </a:xfrm>
+          <a:prstGeom prst="rect">
+            <a:avLst/>
+          </a:prstGeom>
+          <a:solidFill>
+            <a:schemeClr val="tx2">
+              <a:lumMod val="75000"/>
+            </a:schemeClr>
+          </a:solidFill>
+          <a:ln>
+            <a:noFill/>
+          </a:ln>
+        </p:spPr>
+        <p:style>
+          <a:lnRef idx="2">
+            <a:schemeClr val="accent1">
+              <a:shade val="50000"/>
+            </a:schemeClr>
+          </a:lnRef>
+          <a:fillRef idx="1">
+            <a:schemeClr val="accent1"/>
+          </a:fillRef>
+          <a:effectRef idx="0">
+            <a:schemeClr val="accent1"/>
+          </a:effectRef>
+          <a:fontRef idx="minor">
+            <a:schemeClr val="lt1"/>
+          </a:fontRef>
+        </p:style>
+        <p:txBody>
+          <a:bodyPr rtlCol="0" anchor="ctr"/>
+          <a:lstStyle/>
+          <a:p>
+            <a:pPr marL="914400" marR="0" lvl="2" indent="0" algn="ctr" defTabSz="914400" rtl="0" eaLnBrk="1" fontAlgn="auto" latinLnBrk="0" hangingPunct="1">
+              <a:lnSpc>
+                <a:spcPct val="100000"/>
+              </a:lnSpc>
+              <a:spcBef>
+                <a:spcPts val="0"/>
+              </a:spcBef>
+              <a:spcAft>
+                <a:spcPts val="0"/>
+              </a:spcAft>
+              <a:buClrTx/>
+              <a:buSzTx/>
+              <a:buFontTx/>
+              <a:buNone/>
+              <a:tabLst/>
+              <a:defRPr/>
+            </a:pPr>
+            <a:endParaRPr kumimoji="0" lang="fr-FR" sz="1400" b="1" i="0" u="none" strike="noStrike" kern="1200" cap="none" spc="0" normalizeH="0" baseline="0" noProof="0">
+              <a:ln>
+                <a:noFill/>
+              </a:ln>
+              <a:solidFill>
+                <a:srgbClr val="525252"/>
+              </a:solidFill>
+              <a:effectLst/>
+              <a:uLnTx/>
+              <a:uFillTx/>
+              <a:latin typeface="+mj-lt"/>
+              <a:ea typeface="Karla" pitchFamily="2" charset="0"/>
+            </a:endParaRPr>
+          </a:p>
+        </p:txBody>
+      </p:sp>
+      <p:sp>
+        <p:nvSpPr>
+          <p:cNvPr id="3" name="Espace réservé de la date 2">
+            <a:extLst>
+              <a:ext uri="{FF2B5EF4-FFF2-40B4-BE49-F238E27FC236}">
+                <a16:creationId xmlns:a16="http://schemas.microsoft.com/office/drawing/2014/main" id="{DE9241D6-AE8E-43B4-BB97-0B368873E0F7}"/>
+              </a:ext>
+            </a:extLst>
+          </p:cNvPr>
+          <p:cNvSpPr>
+            <a:spLocks noGrp="1"/>
+          </p:cNvSpPr>
+          <p:nvPr>
+            <p:ph type="dt" sz="half" idx="10"/>
+          </p:nvPr>
+        </p:nvSpPr>
+        <p:spPr/>
+        <p:txBody>
+          <a:bodyPr/>
+          <a:lstStyle/>
+          <a:p>
+            <a:r>
+              <a:rPr lang="fr-FR">
+                <a:ea typeface="Karla" pitchFamily="2" charset="0"/>
+              </a:rPr>
+              <a:t> </a:t>
+            </a:r>
+          </a:p>
+        </p:txBody>
+      </p:sp>
+      <p:cxnSp>
+        <p:nvCxnSpPr>
+          <p:cNvPr id="11" name="Connecteur droit 10">
+            <a:extLst>
+              <a:ext uri="{FF2B5EF4-FFF2-40B4-BE49-F238E27FC236}">
+                <a16:creationId xmlns:a16="http://schemas.microsoft.com/office/drawing/2014/main" id="{987BF4BF-9CBA-4F21-8F56-5E002575FFB1}"/>
+              </a:ext>
+            </a:extLst>
+          </p:cNvPr>
+          <p:cNvCxnSpPr/>
+          <p:nvPr/>
+        </p:nvCxnSpPr>
+        <p:spPr>
+          <a:xfrm>
+            <a:off x="2004291" y="0"/>
+            <a:ext cx="0" cy="6858000"/>
+          </a:xfrm>
+          <a:prstGeom prst="line">
+            <a:avLst/>
+          </a:prstGeom>
+          <a:ln w="28575">
+            <a:solidFill>
+              <a:schemeClr val="bg1"/>
+            </a:solidFill>
+          </a:ln>
+        </p:spPr>
+        <p:style>
+          <a:lnRef idx="1">
+            <a:schemeClr val="accent1"/>
+          </a:lnRef>
+          <a:fillRef idx="0">
+            <a:schemeClr val="accent1"/>
+          </a:fillRef>
+          <a:effectRef idx="0">
+            <a:schemeClr val="accent1"/>
+          </a:effectRef>
+          <a:fontRef idx="minor">
+            <a:schemeClr val="tx1"/>
+          </a:fontRef>
+        </p:style>
+      </p:cxnSp>
+      <p:sp>
+        <p:nvSpPr>
+          <p:cNvPr id="15" name="Ellipse 14">
+            <a:extLst>
+              <a:ext uri="{FF2B5EF4-FFF2-40B4-BE49-F238E27FC236}">
+                <a16:creationId xmlns:a16="http://schemas.microsoft.com/office/drawing/2014/main" id="{94ECA506-A143-492E-A322-B6CF7D28D0F6}"/>
+              </a:ext>
+            </a:extLst>
+          </p:cNvPr>
+          <p:cNvSpPr/>
+          <p:nvPr/>
+        </p:nvSpPr>
+        <p:spPr>
+          <a:xfrm>
+            <a:off x="1811751" y="1581347"/>
+            <a:ext cx="364337" cy="364337"/>
+          </a:xfrm>
+          <a:prstGeom prst="ellipse">
+            <a:avLst/>
+          </a:prstGeom>
+          <a:solidFill>
+            <a:schemeClr val="tx2">
+              <a:lumMod val="75000"/>
+            </a:schemeClr>
+          </a:solidFill>
+          <a:ln w="28575">
+            <a:solidFill>
+              <a:schemeClr val="bg1"/>
+            </a:solidFill>
+          </a:ln>
+        </p:spPr>
+        <p:style>
+          <a:lnRef idx="2">
+            <a:schemeClr val="accent1">
+              <a:shade val="50000"/>
+            </a:schemeClr>
+          </a:lnRef>
+          <a:fillRef idx="1">
+            <a:schemeClr val="accent1"/>
+          </a:fillRef>
+          <a:effectRef idx="0">
+            <a:schemeClr val="accent1"/>
+          </a:effectRef>
+          <a:fontRef idx="minor">
+            <a:schemeClr val="lt1"/>
+          </a:fontRef>
+        </p:style>
+        <p:txBody>
+          <a:bodyPr rtlCol="0" anchor="ctr"/>
+          <a:lstStyle/>
+          <a:p>
+            <a:pPr algn="ctr"/>
+            <a:endParaRPr lang="fr-FR">
+              <a:latin typeface="+mj-lt"/>
+              <a:ea typeface="Karla" pitchFamily="2" charset="0"/>
+            </a:endParaRPr>
+          </a:p>
+        </p:txBody>
+      </p:sp>
+      <p:sp>
+        <p:nvSpPr>
+          <p:cNvPr id="22" name="ZoneTexte 21">
+            <a:extLst>
+              <a:ext uri="{FF2B5EF4-FFF2-40B4-BE49-F238E27FC236}">
+                <a16:creationId xmlns:a16="http://schemas.microsoft.com/office/drawing/2014/main" id="{3D173455-883E-41D3-8952-08965149EE84}"/>
+              </a:ext>
+            </a:extLst>
+          </p:cNvPr>
+          <p:cNvSpPr txBox="1"/>
+          <p:nvPr/>
+        </p:nvSpPr>
+        <p:spPr bwMode="auto">
+          <a:xfrm>
+            <a:off x="2368628" y="1095572"/>
+            <a:ext cx="10015910" cy="4272836"/>
+          </a:xfrm>
+          <a:prstGeom prst="rect">
+            <a:avLst/>
+          </a:prstGeom>
+          <a:noFill/>
+          <a:ln>
+            <a:noFill/>
+          </a:ln>
+          <a:extLst>
+            <a:ext uri="{909E8E84-426E-40DD-AFC4-6F175D3DCCD1}">
+              <a14:hiddenFill xmlns:a14="http://schemas.microsoft.com/office/drawing/2010/main">
+                <a:solidFill>
+                  <a:srgbClr val="FFFFFF"/>
+                </a:solidFill>
+              </a14:hiddenFill>
+            </a:ext>
+            <a:ext uri="{91240B29-F687-4F45-9708-019B960494DF}">
+              <a14:hiddenLine xmlns:a14="http://schemas.microsoft.com/office/drawing/2010/main" w="9525">
+                <a:solidFill>
+                  <a:srgbClr val="000000"/>
+                </a:solidFill>
+                <a:miter lim="800000"/>
+                <a:headEnd/>
+                <a:tailEnd/>
+              </a14:hiddenLine>
+            </a:ext>
+          </a:extLst>
+        </p:spPr>
+        <p:txBody>
+          <a:bodyPr wrap="square" lIns="0" tIns="0" rIns="0" bIns="0" rtlCol="0" anchor="b">
+            <a:spAutoFit/>
+          </a:bodyPr>
+          <a:lstStyle/>
+          <a:p>
+            <a:pPr marL="514350" indent="-514350" eaLnBrk="1" hangingPunct="1">
+              <a:lnSpc>
+                <a:spcPct val="150000"/>
+              </a:lnSpc>
+              <a:buAutoNum type="arabicPeriod"/>
+            </a:pPr>
+            <a:r>
+              <a:rPr lang="fr-FR" sz="4800" b="1" dirty="0">
+                <a:solidFill>
+                  <a:schemeClr val="bg1"/>
+                </a:solidFill>
+                <a:latin typeface="+mj-lt"/>
+                <a:ea typeface="Karla" pitchFamily="2" charset="0"/>
+              </a:rPr>
+              <a:t>How to set </a:t>
+            </a:r>
+            <a:r>
+              <a:rPr lang="fr-FR" sz="4800" b="1" dirty="0" err="1">
+                <a:solidFill>
+                  <a:schemeClr val="bg1"/>
+                </a:solidFill>
+                <a:latin typeface="+mj-lt"/>
+                <a:ea typeface="Karla" pitchFamily="2" charset="0"/>
+              </a:rPr>
+              <a:t>it</a:t>
+            </a:r>
+            <a:r>
+              <a:rPr lang="fr-FR" sz="4800" b="1" dirty="0">
+                <a:solidFill>
+                  <a:schemeClr val="bg1"/>
+                </a:solidFill>
+                <a:latin typeface="+mj-lt"/>
+                <a:ea typeface="Karla" pitchFamily="2" charset="0"/>
+              </a:rPr>
+              <a:t> up </a:t>
+            </a:r>
+            <a:r>
+              <a:rPr lang="fr-FR" sz="4800" b="1" dirty="0" err="1">
+                <a:solidFill>
+                  <a:schemeClr val="bg1"/>
+                </a:solidFill>
+                <a:latin typeface="+mj-lt"/>
+                <a:ea typeface="Karla" pitchFamily="2" charset="0"/>
+              </a:rPr>
+              <a:t>React</a:t>
+            </a:r>
+            <a:r>
+              <a:rPr lang="fr-FR" sz="4800" b="1" dirty="0">
+                <a:solidFill>
+                  <a:schemeClr val="bg1"/>
+                </a:solidFill>
+                <a:latin typeface="+mj-lt"/>
+                <a:ea typeface="Karla" pitchFamily="2" charset="0"/>
+              </a:rPr>
+              <a:t> OIDC</a:t>
+            </a:r>
+          </a:p>
+          <a:p>
+            <a:pPr marL="514350" indent="-514350" eaLnBrk="1" hangingPunct="1">
+              <a:lnSpc>
+                <a:spcPct val="150000"/>
+              </a:lnSpc>
+              <a:buAutoNum type="arabicPeriod"/>
+            </a:pPr>
+            <a:r>
+              <a:rPr lang="en-US" sz="2800" dirty="0">
+                <a:solidFill>
+                  <a:schemeClr val="bg1"/>
+                </a:solidFill>
+                <a:latin typeface="+mj-lt"/>
+                <a:ea typeface="Karla" pitchFamily="2" charset="0"/>
+              </a:rPr>
+              <a:t>Understanding the concepts of identification, authorization and authentication</a:t>
+            </a:r>
+          </a:p>
+          <a:p>
+            <a:pPr marL="514350" indent="-514350">
+              <a:lnSpc>
+                <a:spcPct val="150000"/>
+              </a:lnSpc>
+              <a:buFontTx/>
+              <a:buAutoNum type="arabicPeriod"/>
+            </a:pPr>
+            <a:r>
+              <a:rPr lang="fr-FR" sz="2800" dirty="0">
+                <a:solidFill>
+                  <a:schemeClr val="bg1"/>
+                </a:solidFill>
+                <a:ea typeface="Karla" pitchFamily="2" charset="0"/>
+              </a:rPr>
+              <a:t>Focus on </a:t>
+            </a:r>
+            <a:r>
+              <a:rPr lang="fr-FR" sz="2800" dirty="0" err="1">
+                <a:solidFill>
+                  <a:schemeClr val="bg1"/>
+                </a:solidFill>
+                <a:ea typeface="Karla" pitchFamily="2" charset="0"/>
+              </a:rPr>
+              <a:t>Oauth</a:t>
+            </a:r>
+            <a:r>
+              <a:rPr lang="fr-FR" sz="2800" dirty="0">
+                <a:solidFill>
+                  <a:schemeClr val="bg1"/>
+                </a:solidFill>
+                <a:ea typeface="Karla" pitchFamily="2" charset="0"/>
+              </a:rPr>
+              <a:t> 2.0</a:t>
+            </a:r>
+          </a:p>
+          <a:p>
+            <a:pPr marL="514350" indent="-514350">
+              <a:lnSpc>
+                <a:spcPct val="150000"/>
+              </a:lnSpc>
+              <a:buFontTx/>
+              <a:buAutoNum type="arabicPeriod"/>
+            </a:pPr>
+            <a:r>
+              <a:rPr lang="en-US" sz="2800" dirty="0">
+                <a:solidFill>
+                  <a:schemeClr val="bg1"/>
+                </a:solidFill>
+                <a:ea typeface="Karla" pitchFamily="2" charset="0"/>
+              </a:rPr>
+              <a:t>"Level up" with OpenID Connect</a:t>
+            </a:r>
+            <a:endParaRPr lang="fr-FR" sz="2800" dirty="0">
+              <a:solidFill>
+                <a:schemeClr val="bg1"/>
+              </a:solidFill>
+              <a:ea typeface="Karla" pitchFamily="2" charset="0"/>
+            </a:endParaRPr>
+          </a:p>
+          <a:p>
+            <a:pPr marL="514350" indent="-514350">
+              <a:lnSpc>
+                <a:spcPct val="150000"/>
+              </a:lnSpc>
+              <a:buFontTx/>
+              <a:buAutoNum type="arabicPeriod"/>
+            </a:pPr>
+            <a:r>
+              <a:rPr lang="fr-FR" sz="2800" dirty="0">
+                <a:solidFill>
+                  <a:schemeClr val="bg1"/>
+                </a:solidFill>
+                <a:ea typeface="Karla" pitchFamily="2" charset="0"/>
+              </a:rPr>
+              <a:t>Conclusion</a:t>
+            </a:r>
+          </a:p>
+        </p:txBody>
+      </p:sp>
+      <p:sp>
+        <p:nvSpPr>
+          <p:cNvPr id="13" name="Ellipse 12">
+            <a:extLst>
+              <a:ext uri="{FF2B5EF4-FFF2-40B4-BE49-F238E27FC236}">
+                <a16:creationId xmlns:a16="http://schemas.microsoft.com/office/drawing/2014/main" id="{55FC0511-2E83-42F9-AF8A-52A4E21F6BF3}"/>
+              </a:ext>
+            </a:extLst>
+          </p:cNvPr>
+          <p:cNvSpPr/>
+          <p:nvPr/>
+        </p:nvSpPr>
+        <p:spPr>
+          <a:xfrm>
+            <a:off x="1905601" y="2510317"/>
+            <a:ext cx="192540" cy="192540"/>
+          </a:xfrm>
+          <a:prstGeom prst="ellipse">
+            <a:avLst/>
+          </a:prstGeom>
+          <a:solidFill>
+            <a:schemeClr val="tx2">
+              <a:lumMod val="75000"/>
+            </a:schemeClr>
+          </a:solidFill>
+          <a:ln w="28575">
+            <a:solidFill>
+              <a:schemeClr val="bg1"/>
+            </a:solidFill>
+          </a:ln>
+        </p:spPr>
+        <p:style>
+          <a:lnRef idx="2">
+            <a:schemeClr val="accent1">
+              <a:shade val="50000"/>
+            </a:schemeClr>
+          </a:lnRef>
+          <a:fillRef idx="1">
+            <a:schemeClr val="accent1"/>
+          </a:fillRef>
+          <a:effectRef idx="0">
+            <a:schemeClr val="accent1"/>
+          </a:effectRef>
+          <a:fontRef idx="minor">
+            <a:schemeClr val="lt1"/>
+          </a:fontRef>
+        </p:style>
+        <p:txBody>
+          <a:bodyPr rtlCol="0" anchor="ctr"/>
+          <a:lstStyle/>
+          <a:p>
+            <a:pPr algn="ctr"/>
+            <a:endParaRPr lang="fr-FR">
+              <a:latin typeface="+mj-lt"/>
+              <a:ea typeface="Karla" pitchFamily="2" charset="0"/>
+            </a:endParaRPr>
+          </a:p>
+        </p:txBody>
+      </p:sp>
+      <p:sp>
+        <p:nvSpPr>
+          <p:cNvPr id="10" name="Ellipse 12">
+            <a:extLst>
+              <a:ext uri="{FF2B5EF4-FFF2-40B4-BE49-F238E27FC236}">
+                <a16:creationId xmlns:a16="http://schemas.microsoft.com/office/drawing/2014/main" id="{23B6ED91-1029-4EC3-B092-884DB94D5D4E}"/>
+              </a:ext>
+            </a:extLst>
+          </p:cNvPr>
+          <p:cNvSpPr/>
+          <p:nvPr/>
+        </p:nvSpPr>
+        <p:spPr>
+          <a:xfrm>
+            <a:off x="1908021" y="3794369"/>
+            <a:ext cx="192540" cy="192540"/>
+          </a:xfrm>
+          <a:prstGeom prst="ellipse">
+            <a:avLst/>
+          </a:prstGeom>
+          <a:solidFill>
+            <a:schemeClr val="tx2">
+              <a:lumMod val="75000"/>
+            </a:schemeClr>
+          </a:solidFill>
+          <a:ln w="28575">
+            <a:solidFill>
+              <a:schemeClr val="bg1"/>
+            </a:solidFill>
+          </a:ln>
+        </p:spPr>
+        <p:style>
+          <a:lnRef idx="2">
+            <a:schemeClr val="accent1">
+              <a:shade val="50000"/>
+            </a:schemeClr>
+          </a:lnRef>
+          <a:fillRef idx="1">
+            <a:schemeClr val="accent1"/>
+          </a:fillRef>
+          <a:effectRef idx="0">
+            <a:schemeClr val="accent1"/>
+          </a:effectRef>
+          <a:fontRef idx="minor">
+            <a:schemeClr val="lt1"/>
+          </a:fontRef>
+        </p:style>
+        <p:txBody>
+          <a:bodyPr rtlCol="0" anchor="ctr"/>
+          <a:lstStyle/>
+          <a:p>
+            <a:pPr algn="ctr"/>
+            <a:endParaRPr lang="fr-FR">
+              <a:latin typeface="+mj-lt"/>
+              <a:ea typeface="Karla" pitchFamily="2" charset="0"/>
+            </a:endParaRPr>
+          </a:p>
+        </p:txBody>
+      </p:sp>
+      <p:sp>
+        <p:nvSpPr>
+          <p:cNvPr id="14" name="Ellipse 7">
+            <a:extLst>
+              <a:ext uri="{FF2B5EF4-FFF2-40B4-BE49-F238E27FC236}">
+                <a16:creationId xmlns:a16="http://schemas.microsoft.com/office/drawing/2014/main" id="{10241E5C-56AA-4019-82EF-BEEAD76E8004}"/>
+              </a:ext>
+            </a:extLst>
+          </p:cNvPr>
+          <p:cNvSpPr/>
+          <p:nvPr/>
+        </p:nvSpPr>
+        <p:spPr>
+          <a:xfrm>
+            <a:off x="1900069" y="4463018"/>
+            <a:ext cx="192540" cy="192540"/>
+          </a:xfrm>
+          <a:prstGeom prst="ellipse">
+            <a:avLst/>
+          </a:prstGeom>
+          <a:solidFill>
+            <a:schemeClr val="tx2">
+              <a:lumMod val="75000"/>
+            </a:schemeClr>
+          </a:solidFill>
+          <a:ln w="28575">
+            <a:solidFill>
+              <a:schemeClr val="bg1"/>
+            </a:solidFill>
+          </a:ln>
+        </p:spPr>
+        <p:style>
+          <a:lnRef idx="2">
+            <a:schemeClr val="accent1">
+              <a:shade val="50000"/>
+            </a:schemeClr>
+          </a:lnRef>
+          <a:fillRef idx="1">
+            <a:schemeClr val="accent1"/>
+          </a:fillRef>
+          <a:effectRef idx="0">
+            <a:schemeClr val="accent1"/>
+          </a:effectRef>
+          <a:fontRef idx="minor">
+            <a:schemeClr val="lt1"/>
+          </a:fontRef>
+        </p:style>
+        <p:txBody>
+          <a:bodyPr rtlCol="0" anchor="ctr"/>
+          <a:lstStyle/>
+          <a:p>
+            <a:pPr algn="ctr"/>
+            <a:endParaRPr lang="fr-FR">
+              <a:latin typeface="+mj-lt"/>
+              <a:ea typeface="Karla" pitchFamily="2" charset="0"/>
+            </a:endParaRPr>
+          </a:p>
+        </p:txBody>
+      </p:sp>
+      <p:sp>
+        <p:nvSpPr>
+          <p:cNvPr id="16" name="Ellipse 7">
+            <a:extLst>
+              <a:ext uri="{FF2B5EF4-FFF2-40B4-BE49-F238E27FC236}">
+                <a16:creationId xmlns:a16="http://schemas.microsoft.com/office/drawing/2014/main" id="{5FAE9A66-D671-4BF4-9DDF-541CBDA7ED35}"/>
+              </a:ext>
+            </a:extLst>
+          </p:cNvPr>
+          <p:cNvSpPr/>
+          <p:nvPr/>
+        </p:nvSpPr>
+        <p:spPr>
+          <a:xfrm>
+            <a:off x="1896335" y="5065997"/>
+            <a:ext cx="192540" cy="192540"/>
+          </a:xfrm>
+          <a:prstGeom prst="ellipse">
+            <a:avLst/>
+          </a:prstGeom>
+          <a:solidFill>
+            <a:schemeClr val="tx2">
+              <a:lumMod val="75000"/>
+            </a:schemeClr>
+          </a:solidFill>
+          <a:ln w="28575">
+            <a:solidFill>
+              <a:schemeClr val="bg1"/>
+            </a:solidFill>
+          </a:ln>
+        </p:spPr>
+        <p:style>
+          <a:lnRef idx="2">
+            <a:schemeClr val="accent1">
+              <a:shade val="50000"/>
+            </a:schemeClr>
+          </a:lnRef>
+          <a:fillRef idx="1">
+            <a:schemeClr val="accent1"/>
+          </a:fillRef>
+          <a:effectRef idx="0">
+            <a:schemeClr val="accent1"/>
+          </a:effectRef>
+          <a:fontRef idx="minor">
+            <a:schemeClr val="lt1"/>
+          </a:fontRef>
+        </p:style>
+        <p:txBody>
+          <a:bodyPr rtlCol="0" anchor="ctr"/>
+          <a:lstStyle/>
+          <a:p>
+            <a:pPr algn="ctr"/>
+            <a:endParaRPr lang="fr-FR">
+              <a:latin typeface="+mj-lt"/>
+              <a:ea typeface="Karla" pitchFamily="2" charset="0"/>
+            </a:endParaRPr>
+          </a:p>
+        </p:txBody>
+      </p:sp>
+    </p:spTree>
+    <p:extLst>
+      <p:ext uri="{BB962C8B-B14F-4D97-AF65-F5344CB8AC3E}">
+        <p14:creationId xmlns:p14="http://schemas.microsoft.com/office/powerpoint/2010/main" val="4253760451"/>
+      </p:ext>
+    </p:extLst>
+  </p:cSld>
+  <p:clrMapOvr>
+    <a:masterClrMapping/>
+  </p:clrMapOvr>
+  <mc:AlternateContent xmlns:mc="http://schemas.openxmlformats.org/markup-compatibility/2006" xmlns:p159="http://schemas.microsoft.com/office/powerpoint/2015/09/main">
+    <mc:Choice Requires="p159">
+      <p:transition xmlns:p14="http://schemas.microsoft.com/office/powerpoint/2010/main" spd="slow" p14:dur="2000">
+        <p159:morph option="byObject"/>
+      </p:transition>
+    </mc:Choice>
+    <mc:Fallback xmlns="">
+      <p:transition spd="slow">
+        <p:fade/>
+      </p:transition>
+    </mc:Fallback>
+  </mc:AlternateContent>
+</p:sld>
+</file>
+
+<file path=ppt/slides/slide20.xml><?xml version="1.0" encoding="utf-8"?>
+<p:sld xmlns:a="http://schemas.openxmlformats.org/drawingml/2006/main" xmlns:r="http://schemas.openxmlformats.org/officeDocument/2006/relationships" xmlns:p="http://schemas.openxmlformats.org/presentationml/2006/main">
+  <p:cSld>
+    <p:spTree>
+      <p:nvGrpSpPr>
+        <p:cNvPr id="1" name=""/>
+        <p:cNvGrpSpPr/>
+        <p:nvPr/>
+      </p:nvGrpSpPr>
+      <p:grpSpPr>
+        <a:xfrm>
+          <a:off x="0" y="0"/>
+          <a:ext cx="0" cy="0"/>
+          <a:chOff x="0" y="0"/>
+          <a:chExt cx="0" cy="0"/>
+        </a:xfrm>
+      </p:grpSpPr>
+      <p:sp>
+        <p:nvSpPr>
           <p:cNvPr id="44" name="Espace réservé du contenu 2"/>
           <p:cNvSpPr txBox="1">
             <a:spLocks/>
@@ -17777,702 +19145,7 @@
 </p:sld>
 </file>
 
-<file path=ppt/slides/slide2.xml><?xml version="1.0" encoding="utf-8"?>
-<p:sld xmlns:a="http://schemas.openxmlformats.org/drawingml/2006/main" xmlns:r="http://schemas.openxmlformats.org/officeDocument/2006/relationships" xmlns:p="http://schemas.openxmlformats.org/presentationml/2006/main">
-  <p:cSld>
-    <p:spTree>
-      <p:nvGrpSpPr>
-        <p:cNvPr id="1" name=""/>
-        <p:cNvGrpSpPr/>
-        <p:nvPr/>
-      </p:nvGrpSpPr>
-      <p:grpSpPr>
-        <a:xfrm>
-          <a:off x="0" y="0"/>
-          <a:ext cx="0" cy="0"/>
-          <a:chOff x="0" y="0"/>
-          <a:chExt cx="0" cy="0"/>
-        </a:xfrm>
-      </p:grpSpPr>
-      <p:sp>
-        <p:nvSpPr>
-          <p:cNvPr id="27" name="Rectangle 26">
-            <a:extLst>
-              <a:ext uri="{FF2B5EF4-FFF2-40B4-BE49-F238E27FC236}">
-                <a16:creationId xmlns:a16="http://schemas.microsoft.com/office/drawing/2014/main" id="{617A7ADA-07CF-451A-BAC6-277594AE91B7}"/>
-              </a:ext>
-            </a:extLst>
-          </p:cNvPr>
-          <p:cNvSpPr/>
-          <p:nvPr/>
-        </p:nvSpPr>
-        <p:spPr>
-          <a:xfrm>
-            <a:off x="0" y="0"/>
-            <a:ext cx="12191998" cy="6857999"/>
-          </a:xfrm>
-          <a:prstGeom prst="rect">
-            <a:avLst/>
-          </a:prstGeom>
-          <a:solidFill>
-            <a:schemeClr val="tx2">
-              <a:lumMod val="75000"/>
-            </a:schemeClr>
-          </a:solidFill>
-          <a:ln>
-            <a:noFill/>
-          </a:ln>
-        </p:spPr>
-        <p:style>
-          <a:lnRef idx="2">
-            <a:schemeClr val="accent1">
-              <a:shade val="50000"/>
-            </a:schemeClr>
-          </a:lnRef>
-          <a:fillRef idx="1">
-            <a:schemeClr val="accent1"/>
-          </a:fillRef>
-          <a:effectRef idx="0">
-            <a:schemeClr val="accent1"/>
-          </a:effectRef>
-          <a:fontRef idx="minor">
-            <a:schemeClr val="lt1"/>
-          </a:fontRef>
-        </p:style>
-        <p:txBody>
-          <a:bodyPr rtlCol="0" anchor="ctr"/>
-          <a:lstStyle/>
-          <a:p>
-            <a:pPr marL="914400" marR="0" lvl="2" indent="0" algn="ctr" defTabSz="914400" rtl="0" eaLnBrk="1" fontAlgn="auto" latinLnBrk="0" hangingPunct="1">
-              <a:lnSpc>
-                <a:spcPct val="100000"/>
-              </a:lnSpc>
-              <a:spcBef>
-                <a:spcPts val="0"/>
-              </a:spcBef>
-              <a:spcAft>
-                <a:spcPts val="0"/>
-              </a:spcAft>
-              <a:buClrTx/>
-              <a:buSzTx/>
-              <a:buFontTx/>
-              <a:buNone/>
-              <a:tabLst/>
-              <a:defRPr/>
-            </a:pPr>
-            <a:endParaRPr kumimoji="0" lang="fr-FR" sz="1400" b="1" i="0" u="none" strike="noStrike" kern="1200" cap="none" spc="0" normalizeH="0" baseline="0" noProof="0">
-              <a:ln>
-                <a:noFill/>
-              </a:ln>
-              <a:solidFill>
-                <a:srgbClr val="525252"/>
-              </a:solidFill>
-              <a:effectLst/>
-              <a:uLnTx/>
-              <a:uFillTx/>
-              <a:latin typeface="+mj-lt"/>
-              <a:ea typeface="Karla" pitchFamily="2" charset="0"/>
-            </a:endParaRPr>
-          </a:p>
-        </p:txBody>
-      </p:sp>
-      <p:sp>
-        <p:nvSpPr>
-          <p:cNvPr id="3" name="Espace réservé de la date 2">
-            <a:extLst>
-              <a:ext uri="{FF2B5EF4-FFF2-40B4-BE49-F238E27FC236}">
-                <a16:creationId xmlns:a16="http://schemas.microsoft.com/office/drawing/2014/main" id="{DE9241D6-AE8E-43B4-BB97-0B368873E0F7}"/>
-              </a:ext>
-            </a:extLst>
-          </p:cNvPr>
-          <p:cNvSpPr>
-            <a:spLocks noGrp="1"/>
-          </p:cNvSpPr>
-          <p:nvPr>
-            <p:ph type="dt" sz="half" idx="10"/>
-          </p:nvPr>
-        </p:nvSpPr>
-        <p:spPr/>
-        <p:txBody>
-          <a:bodyPr/>
-          <a:lstStyle/>
-          <a:p>
-            <a:r>
-              <a:rPr lang="fr-FR">
-                <a:ea typeface="Karla" pitchFamily="2" charset="0"/>
-              </a:rPr>
-              <a:t> </a:t>
-            </a:r>
-          </a:p>
-        </p:txBody>
-      </p:sp>
-      <p:cxnSp>
-        <p:nvCxnSpPr>
-          <p:cNvPr id="11" name="Connecteur droit 10">
-            <a:extLst>
-              <a:ext uri="{FF2B5EF4-FFF2-40B4-BE49-F238E27FC236}">
-                <a16:creationId xmlns:a16="http://schemas.microsoft.com/office/drawing/2014/main" id="{987BF4BF-9CBA-4F21-8F56-5E002575FFB1}"/>
-              </a:ext>
-            </a:extLst>
-          </p:cNvPr>
-          <p:cNvCxnSpPr/>
-          <p:nvPr/>
-        </p:nvCxnSpPr>
-        <p:spPr>
-          <a:xfrm>
-            <a:off x="2004291" y="0"/>
-            <a:ext cx="0" cy="6858000"/>
-          </a:xfrm>
-          <a:prstGeom prst="line">
-            <a:avLst/>
-          </a:prstGeom>
-          <a:ln w="28575">
-            <a:solidFill>
-              <a:schemeClr val="bg1"/>
-            </a:solidFill>
-          </a:ln>
-        </p:spPr>
-        <p:style>
-          <a:lnRef idx="1">
-            <a:schemeClr val="accent1"/>
-          </a:lnRef>
-          <a:fillRef idx="0">
-            <a:schemeClr val="accent1"/>
-          </a:fillRef>
-          <a:effectRef idx="0">
-            <a:schemeClr val="accent1"/>
-          </a:effectRef>
-          <a:fontRef idx="minor">
-            <a:schemeClr val="tx1"/>
-          </a:fontRef>
-        </p:style>
-      </p:cxnSp>
-      <p:sp>
-        <p:nvSpPr>
-          <p:cNvPr id="15" name="Ellipse 14">
-            <a:extLst>
-              <a:ext uri="{FF2B5EF4-FFF2-40B4-BE49-F238E27FC236}">
-                <a16:creationId xmlns:a16="http://schemas.microsoft.com/office/drawing/2014/main" id="{94ECA506-A143-492E-A322-B6CF7D28D0F6}"/>
-              </a:ext>
-            </a:extLst>
-          </p:cNvPr>
-          <p:cNvSpPr/>
-          <p:nvPr/>
-        </p:nvSpPr>
-        <p:spPr>
-          <a:xfrm>
-            <a:off x="1811751" y="1581347"/>
-            <a:ext cx="364337" cy="364337"/>
-          </a:xfrm>
-          <a:prstGeom prst="ellipse">
-            <a:avLst/>
-          </a:prstGeom>
-          <a:solidFill>
-            <a:schemeClr val="tx2">
-              <a:lumMod val="75000"/>
-            </a:schemeClr>
-          </a:solidFill>
-          <a:ln w="28575">
-            <a:solidFill>
-              <a:schemeClr val="bg1"/>
-            </a:solidFill>
-          </a:ln>
-        </p:spPr>
-        <p:style>
-          <a:lnRef idx="2">
-            <a:schemeClr val="accent1">
-              <a:shade val="50000"/>
-            </a:schemeClr>
-          </a:lnRef>
-          <a:fillRef idx="1">
-            <a:schemeClr val="accent1"/>
-          </a:fillRef>
-          <a:effectRef idx="0">
-            <a:schemeClr val="accent1"/>
-          </a:effectRef>
-          <a:fontRef idx="minor">
-            <a:schemeClr val="lt1"/>
-          </a:fontRef>
-        </p:style>
-        <p:txBody>
-          <a:bodyPr rtlCol="0" anchor="ctr"/>
-          <a:lstStyle/>
-          <a:p>
-            <a:pPr algn="ctr"/>
-            <a:endParaRPr lang="fr-FR">
-              <a:latin typeface="+mj-lt"/>
-              <a:ea typeface="Karla" pitchFamily="2" charset="0"/>
-            </a:endParaRPr>
-          </a:p>
-        </p:txBody>
-      </p:sp>
-      <p:sp>
-        <p:nvSpPr>
-          <p:cNvPr id="22" name="ZoneTexte 21">
-            <a:extLst>
-              <a:ext uri="{FF2B5EF4-FFF2-40B4-BE49-F238E27FC236}">
-                <a16:creationId xmlns:a16="http://schemas.microsoft.com/office/drawing/2014/main" id="{3D173455-883E-41D3-8952-08965149EE84}"/>
-              </a:ext>
-            </a:extLst>
-          </p:cNvPr>
-          <p:cNvSpPr txBox="1"/>
-          <p:nvPr/>
-        </p:nvSpPr>
-        <p:spPr bwMode="auto">
-          <a:xfrm>
-            <a:off x="2368628" y="1095572"/>
-            <a:ext cx="10015910" cy="4272836"/>
-          </a:xfrm>
-          <a:prstGeom prst="rect">
-            <a:avLst/>
-          </a:prstGeom>
-          <a:noFill/>
-          <a:ln>
-            <a:noFill/>
-          </a:ln>
-          <a:extLst>
-            <a:ext uri="{909E8E84-426E-40DD-AFC4-6F175D3DCCD1}">
-              <a14:hiddenFill xmlns:a14="http://schemas.microsoft.com/office/drawing/2010/main">
-                <a:solidFill>
-                  <a:srgbClr val="FFFFFF"/>
-                </a:solidFill>
-              </a14:hiddenFill>
-            </a:ext>
-            <a:ext uri="{91240B29-F687-4F45-9708-019B960494DF}">
-              <a14:hiddenLine xmlns:a14="http://schemas.microsoft.com/office/drawing/2010/main" w="9525">
-                <a:solidFill>
-                  <a:srgbClr val="000000"/>
-                </a:solidFill>
-                <a:miter lim="800000"/>
-                <a:headEnd/>
-                <a:tailEnd/>
-              </a14:hiddenLine>
-            </a:ext>
-          </a:extLst>
-        </p:spPr>
-        <p:txBody>
-          <a:bodyPr wrap="square" lIns="0" tIns="0" rIns="0" bIns="0" rtlCol="0" anchor="b">
-            <a:spAutoFit/>
-          </a:bodyPr>
-          <a:lstStyle/>
-          <a:p>
-            <a:pPr marL="514350" indent="-514350" eaLnBrk="1" hangingPunct="1">
-              <a:lnSpc>
-                <a:spcPct val="150000"/>
-              </a:lnSpc>
-              <a:buAutoNum type="arabicPeriod"/>
-            </a:pPr>
-            <a:r>
-              <a:rPr lang="fr-FR" sz="4800" b="1" dirty="0">
-                <a:solidFill>
-                  <a:schemeClr val="bg1"/>
-                </a:solidFill>
-                <a:latin typeface="+mj-lt"/>
-                <a:ea typeface="Karla" pitchFamily="2" charset="0"/>
-              </a:rPr>
-              <a:t>How to set </a:t>
-            </a:r>
-            <a:r>
-              <a:rPr lang="fr-FR" sz="4800" b="1" dirty="0" err="1">
-                <a:solidFill>
-                  <a:schemeClr val="bg1"/>
-                </a:solidFill>
-                <a:latin typeface="+mj-lt"/>
-                <a:ea typeface="Karla" pitchFamily="2" charset="0"/>
-              </a:rPr>
-              <a:t>it</a:t>
-            </a:r>
-            <a:r>
-              <a:rPr lang="fr-FR" sz="4800" b="1" dirty="0">
-                <a:solidFill>
-                  <a:schemeClr val="bg1"/>
-                </a:solidFill>
-                <a:latin typeface="+mj-lt"/>
-                <a:ea typeface="Karla" pitchFamily="2" charset="0"/>
-              </a:rPr>
-              <a:t> up </a:t>
-            </a:r>
-            <a:r>
-              <a:rPr lang="fr-FR" sz="4800" b="1" dirty="0" err="1">
-                <a:solidFill>
-                  <a:schemeClr val="bg1"/>
-                </a:solidFill>
-                <a:latin typeface="+mj-lt"/>
-                <a:ea typeface="Karla" pitchFamily="2" charset="0"/>
-              </a:rPr>
-              <a:t>React</a:t>
-            </a:r>
-            <a:r>
-              <a:rPr lang="fr-FR" sz="4800" b="1" dirty="0">
-                <a:solidFill>
-                  <a:schemeClr val="bg1"/>
-                </a:solidFill>
-                <a:latin typeface="+mj-lt"/>
-                <a:ea typeface="Karla" pitchFamily="2" charset="0"/>
-              </a:rPr>
-              <a:t> OIDC</a:t>
-            </a:r>
-          </a:p>
-          <a:p>
-            <a:pPr marL="514350" indent="-514350" eaLnBrk="1" hangingPunct="1">
-              <a:lnSpc>
-                <a:spcPct val="150000"/>
-              </a:lnSpc>
-              <a:buAutoNum type="arabicPeriod"/>
-            </a:pPr>
-            <a:r>
-              <a:rPr lang="en-US" sz="2800" dirty="0">
-                <a:solidFill>
-                  <a:schemeClr val="bg1"/>
-                </a:solidFill>
-                <a:latin typeface="+mj-lt"/>
-                <a:ea typeface="Karla" pitchFamily="2" charset="0"/>
-              </a:rPr>
-              <a:t>Understanding the concepts of identification, authorization and authentication</a:t>
-            </a:r>
-          </a:p>
-          <a:p>
-            <a:pPr marL="514350" indent="-514350">
-              <a:lnSpc>
-                <a:spcPct val="150000"/>
-              </a:lnSpc>
-              <a:buFontTx/>
-              <a:buAutoNum type="arabicPeriod"/>
-            </a:pPr>
-            <a:r>
-              <a:rPr lang="fr-FR" sz="2800" dirty="0">
-                <a:solidFill>
-                  <a:schemeClr val="bg1"/>
-                </a:solidFill>
-                <a:ea typeface="Karla" pitchFamily="2" charset="0"/>
-              </a:rPr>
-              <a:t>Focus on </a:t>
-            </a:r>
-            <a:r>
-              <a:rPr lang="fr-FR" sz="2800" dirty="0" err="1">
-                <a:solidFill>
-                  <a:schemeClr val="bg1"/>
-                </a:solidFill>
-                <a:ea typeface="Karla" pitchFamily="2" charset="0"/>
-              </a:rPr>
-              <a:t>Oauth</a:t>
-            </a:r>
-            <a:r>
-              <a:rPr lang="fr-FR" sz="2800" dirty="0">
-                <a:solidFill>
-                  <a:schemeClr val="bg1"/>
-                </a:solidFill>
-                <a:ea typeface="Karla" pitchFamily="2" charset="0"/>
-              </a:rPr>
-              <a:t> 2.0</a:t>
-            </a:r>
-          </a:p>
-          <a:p>
-            <a:pPr marL="514350" indent="-514350">
-              <a:lnSpc>
-                <a:spcPct val="150000"/>
-              </a:lnSpc>
-              <a:buFontTx/>
-              <a:buAutoNum type="arabicPeriod"/>
-            </a:pPr>
-            <a:r>
-              <a:rPr lang="en-US" sz="2800" dirty="0">
-                <a:solidFill>
-                  <a:schemeClr val="bg1"/>
-                </a:solidFill>
-                <a:ea typeface="Karla" pitchFamily="2" charset="0"/>
-              </a:rPr>
-              <a:t>"Level up" with OpenID Connect</a:t>
-            </a:r>
-            <a:endParaRPr lang="fr-FR" sz="2800" dirty="0">
-              <a:solidFill>
-                <a:schemeClr val="bg1"/>
-              </a:solidFill>
-              <a:ea typeface="Karla" pitchFamily="2" charset="0"/>
-            </a:endParaRPr>
-          </a:p>
-          <a:p>
-            <a:pPr marL="514350" indent="-514350">
-              <a:lnSpc>
-                <a:spcPct val="150000"/>
-              </a:lnSpc>
-              <a:buFontTx/>
-              <a:buAutoNum type="arabicPeriod"/>
-            </a:pPr>
-            <a:r>
-              <a:rPr lang="fr-FR" sz="2800" dirty="0">
-                <a:solidFill>
-                  <a:schemeClr val="bg1"/>
-                </a:solidFill>
-                <a:ea typeface="Karla" pitchFamily="2" charset="0"/>
-              </a:rPr>
-              <a:t>Conclusion</a:t>
-            </a:r>
-          </a:p>
-        </p:txBody>
-      </p:sp>
-      <p:sp>
-        <p:nvSpPr>
-          <p:cNvPr id="13" name="Ellipse 12">
-            <a:extLst>
-              <a:ext uri="{FF2B5EF4-FFF2-40B4-BE49-F238E27FC236}">
-                <a16:creationId xmlns:a16="http://schemas.microsoft.com/office/drawing/2014/main" id="{55FC0511-2E83-42F9-AF8A-52A4E21F6BF3}"/>
-              </a:ext>
-            </a:extLst>
-          </p:cNvPr>
-          <p:cNvSpPr/>
-          <p:nvPr/>
-        </p:nvSpPr>
-        <p:spPr>
-          <a:xfrm>
-            <a:off x="1905601" y="2510317"/>
-            <a:ext cx="192540" cy="192540"/>
-          </a:xfrm>
-          <a:prstGeom prst="ellipse">
-            <a:avLst/>
-          </a:prstGeom>
-          <a:solidFill>
-            <a:schemeClr val="tx2">
-              <a:lumMod val="75000"/>
-            </a:schemeClr>
-          </a:solidFill>
-          <a:ln w="28575">
-            <a:solidFill>
-              <a:schemeClr val="bg1"/>
-            </a:solidFill>
-          </a:ln>
-        </p:spPr>
-        <p:style>
-          <a:lnRef idx="2">
-            <a:schemeClr val="accent1">
-              <a:shade val="50000"/>
-            </a:schemeClr>
-          </a:lnRef>
-          <a:fillRef idx="1">
-            <a:schemeClr val="accent1"/>
-          </a:fillRef>
-          <a:effectRef idx="0">
-            <a:schemeClr val="accent1"/>
-          </a:effectRef>
-          <a:fontRef idx="minor">
-            <a:schemeClr val="lt1"/>
-          </a:fontRef>
-        </p:style>
-        <p:txBody>
-          <a:bodyPr rtlCol="0" anchor="ctr"/>
-          <a:lstStyle/>
-          <a:p>
-            <a:pPr algn="ctr"/>
-            <a:endParaRPr lang="fr-FR">
-              <a:latin typeface="+mj-lt"/>
-              <a:ea typeface="Karla" pitchFamily="2" charset="0"/>
-            </a:endParaRPr>
-          </a:p>
-        </p:txBody>
-      </p:sp>
-      <p:sp>
-        <p:nvSpPr>
-          <p:cNvPr id="10" name="Ellipse 12">
-            <a:extLst>
-              <a:ext uri="{FF2B5EF4-FFF2-40B4-BE49-F238E27FC236}">
-                <a16:creationId xmlns:a16="http://schemas.microsoft.com/office/drawing/2014/main" id="{23B6ED91-1029-4EC3-B092-884DB94D5D4E}"/>
-              </a:ext>
-            </a:extLst>
-          </p:cNvPr>
-          <p:cNvSpPr/>
-          <p:nvPr/>
-        </p:nvSpPr>
-        <p:spPr>
-          <a:xfrm>
-            <a:off x="1908021" y="3794369"/>
-            <a:ext cx="192540" cy="192540"/>
-          </a:xfrm>
-          <a:prstGeom prst="ellipse">
-            <a:avLst/>
-          </a:prstGeom>
-          <a:solidFill>
-            <a:schemeClr val="tx2">
-              <a:lumMod val="75000"/>
-            </a:schemeClr>
-          </a:solidFill>
-          <a:ln w="28575">
-            <a:solidFill>
-              <a:schemeClr val="bg1"/>
-            </a:solidFill>
-          </a:ln>
-        </p:spPr>
-        <p:style>
-          <a:lnRef idx="2">
-            <a:schemeClr val="accent1">
-              <a:shade val="50000"/>
-            </a:schemeClr>
-          </a:lnRef>
-          <a:fillRef idx="1">
-            <a:schemeClr val="accent1"/>
-          </a:fillRef>
-          <a:effectRef idx="0">
-            <a:schemeClr val="accent1"/>
-          </a:effectRef>
-          <a:fontRef idx="minor">
-            <a:schemeClr val="lt1"/>
-          </a:fontRef>
-        </p:style>
-        <p:txBody>
-          <a:bodyPr rtlCol="0" anchor="ctr"/>
-          <a:lstStyle/>
-          <a:p>
-            <a:pPr algn="ctr"/>
-            <a:endParaRPr lang="fr-FR">
-              <a:latin typeface="+mj-lt"/>
-              <a:ea typeface="Karla" pitchFamily="2" charset="0"/>
-            </a:endParaRPr>
-          </a:p>
-        </p:txBody>
-      </p:sp>
-      <p:sp>
-        <p:nvSpPr>
-          <p:cNvPr id="14" name="Ellipse 7">
-            <a:extLst>
-              <a:ext uri="{FF2B5EF4-FFF2-40B4-BE49-F238E27FC236}">
-                <a16:creationId xmlns:a16="http://schemas.microsoft.com/office/drawing/2014/main" id="{10241E5C-56AA-4019-82EF-BEEAD76E8004}"/>
-              </a:ext>
-            </a:extLst>
-          </p:cNvPr>
-          <p:cNvSpPr/>
-          <p:nvPr/>
-        </p:nvSpPr>
-        <p:spPr>
-          <a:xfrm>
-            <a:off x="1900069" y="4463018"/>
-            <a:ext cx="192540" cy="192540"/>
-          </a:xfrm>
-          <a:prstGeom prst="ellipse">
-            <a:avLst/>
-          </a:prstGeom>
-          <a:solidFill>
-            <a:schemeClr val="tx2">
-              <a:lumMod val="75000"/>
-            </a:schemeClr>
-          </a:solidFill>
-          <a:ln w="28575">
-            <a:solidFill>
-              <a:schemeClr val="bg1"/>
-            </a:solidFill>
-          </a:ln>
-        </p:spPr>
-        <p:style>
-          <a:lnRef idx="2">
-            <a:schemeClr val="accent1">
-              <a:shade val="50000"/>
-            </a:schemeClr>
-          </a:lnRef>
-          <a:fillRef idx="1">
-            <a:schemeClr val="accent1"/>
-          </a:fillRef>
-          <a:effectRef idx="0">
-            <a:schemeClr val="accent1"/>
-          </a:effectRef>
-          <a:fontRef idx="minor">
-            <a:schemeClr val="lt1"/>
-          </a:fontRef>
-        </p:style>
-        <p:txBody>
-          <a:bodyPr rtlCol="0" anchor="ctr"/>
-          <a:lstStyle/>
-          <a:p>
-            <a:pPr algn="ctr"/>
-            <a:endParaRPr lang="fr-FR">
-              <a:latin typeface="+mj-lt"/>
-              <a:ea typeface="Karla" pitchFamily="2" charset="0"/>
-            </a:endParaRPr>
-          </a:p>
-        </p:txBody>
-      </p:sp>
-      <p:sp>
-        <p:nvSpPr>
-          <p:cNvPr id="16" name="Ellipse 7">
-            <a:extLst>
-              <a:ext uri="{FF2B5EF4-FFF2-40B4-BE49-F238E27FC236}">
-                <a16:creationId xmlns:a16="http://schemas.microsoft.com/office/drawing/2014/main" id="{5FAE9A66-D671-4BF4-9DDF-541CBDA7ED35}"/>
-              </a:ext>
-            </a:extLst>
-          </p:cNvPr>
-          <p:cNvSpPr/>
-          <p:nvPr/>
-        </p:nvSpPr>
-        <p:spPr>
-          <a:xfrm>
-            <a:off x="1896335" y="5065997"/>
-            <a:ext cx="192540" cy="192540"/>
-          </a:xfrm>
-          <a:prstGeom prst="ellipse">
-            <a:avLst/>
-          </a:prstGeom>
-          <a:solidFill>
-            <a:schemeClr val="tx2">
-              <a:lumMod val="75000"/>
-            </a:schemeClr>
-          </a:solidFill>
-          <a:ln w="28575">
-            <a:solidFill>
-              <a:schemeClr val="bg1"/>
-            </a:solidFill>
-          </a:ln>
-        </p:spPr>
-        <p:style>
-          <a:lnRef idx="2">
-            <a:schemeClr val="accent1">
-              <a:shade val="50000"/>
-            </a:schemeClr>
-          </a:lnRef>
-          <a:fillRef idx="1">
-            <a:schemeClr val="accent1"/>
-          </a:fillRef>
-          <a:effectRef idx="0">
-            <a:schemeClr val="accent1"/>
-          </a:effectRef>
-          <a:fontRef idx="minor">
-            <a:schemeClr val="lt1"/>
-          </a:fontRef>
-        </p:style>
-        <p:txBody>
-          <a:bodyPr rtlCol="0" anchor="ctr"/>
-          <a:lstStyle/>
-          <a:p>
-            <a:pPr algn="ctr"/>
-            <a:endParaRPr lang="fr-FR">
-              <a:latin typeface="+mj-lt"/>
-              <a:ea typeface="Karla" pitchFamily="2" charset="0"/>
-            </a:endParaRPr>
-          </a:p>
-        </p:txBody>
-      </p:sp>
-    </p:spTree>
-    <p:extLst>
-      <p:ext uri="{BB962C8B-B14F-4D97-AF65-F5344CB8AC3E}">
-        <p14:creationId xmlns:p14="http://schemas.microsoft.com/office/powerpoint/2010/main" val="4253760451"/>
-      </p:ext>
-    </p:extLst>
-  </p:cSld>
-  <p:clrMapOvr>
-    <a:masterClrMapping/>
-  </p:clrMapOvr>
-  <mc:AlternateContent xmlns:mc="http://schemas.openxmlformats.org/markup-compatibility/2006" xmlns:p159="http://schemas.microsoft.com/office/powerpoint/2015/09/main">
-    <mc:Choice Requires="p159">
-      <p:transition xmlns:p14="http://schemas.microsoft.com/office/powerpoint/2010/main" spd="slow" p14:dur="2000">
-        <p159:morph option="byObject"/>
-      </p:transition>
-    </mc:Choice>
-    <mc:Fallback xmlns="">
-      <p:transition spd="slow">
-        <p:fade/>
-      </p:transition>
-    </mc:Fallback>
-  </mc:AlternateContent>
-</p:sld>
-</file>
-
-<file path=ppt/slides/slide20.xml><?xml version="1.0" encoding="utf-8"?>
+<file path=ppt/slides/slide21.xml><?xml version="1.0" encoding="utf-8"?>
 <p:sld xmlns:a="http://schemas.openxmlformats.org/drawingml/2006/main" xmlns:r="http://schemas.openxmlformats.org/officeDocument/2006/relationships" xmlns:p="http://schemas.openxmlformats.org/presentationml/2006/main">
   <p:cSld>
     <p:spTree>
@@ -20074,7 +20747,7 @@
 </p:sld>
 </file>
 
-<file path=ppt/slides/slide21.xml><?xml version="1.0" encoding="utf-8"?>
+<file path=ppt/slides/slide22.xml><?xml version="1.0" encoding="utf-8"?>
 <p:sld xmlns:a="http://schemas.openxmlformats.org/drawingml/2006/main" xmlns:r="http://schemas.openxmlformats.org/officeDocument/2006/relationships" xmlns:p="http://schemas.openxmlformats.org/presentationml/2006/main">
   <p:cSld>
     <p:spTree>
@@ -22000,7 +22673,7 @@
 </p:sld>
 </file>
 
-<file path=ppt/slides/slide22.xml><?xml version="1.0" encoding="utf-8"?>
+<file path=ppt/slides/slide23.xml><?xml version="1.0" encoding="utf-8"?>
 <p:sld xmlns:a="http://schemas.openxmlformats.org/drawingml/2006/main" xmlns:r="http://schemas.openxmlformats.org/officeDocument/2006/relationships" xmlns:p="http://schemas.openxmlformats.org/presentationml/2006/main">
   <p:cSld>
     <p:spTree>
@@ -23692,7 +24365,7 @@
 </p:sld>
 </file>
 
-<file path=ppt/slides/slide23.xml><?xml version="1.0" encoding="utf-8"?>
+<file path=ppt/slides/slide24.xml><?xml version="1.0" encoding="utf-8"?>
 <p:sld xmlns:a="http://schemas.openxmlformats.org/drawingml/2006/main" xmlns:r="http://schemas.openxmlformats.org/officeDocument/2006/relationships" xmlns:p="http://schemas.openxmlformats.org/presentationml/2006/main">
   <p:cSld>
     <p:spTree>
@@ -25354,7 +26027,7 @@
 </p:sld>
 </file>
 
-<file path=ppt/slides/slide24.xml><?xml version="1.0" encoding="utf-8"?>
+<file path=ppt/slides/slide25.xml><?xml version="1.0" encoding="utf-8"?>
 <p:sld xmlns:a="http://schemas.openxmlformats.org/drawingml/2006/main" xmlns:r="http://schemas.openxmlformats.org/officeDocument/2006/relationships" xmlns:p="http://schemas.openxmlformats.org/presentationml/2006/main">
   <p:cSld>
     <p:spTree>
@@ -26972,7 +27645,7 @@
 </p:sld>
 </file>
 
-<file path=ppt/slides/slide25.xml><?xml version="1.0" encoding="utf-8"?>
+<file path=ppt/slides/slide26.xml><?xml version="1.0" encoding="utf-8"?>
 <p:sld xmlns:a="http://schemas.openxmlformats.org/drawingml/2006/main" xmlns:r="http://schemas.openxmlformats.org/officeDocument/2006/relationships" xmlns:p="http://schemas.openxmlformats.org/presentationml/2006/main">
   <p:cSld>
     <p:spTree>
@@ -28711,7 +29384,7 @@
 </p:sld>
 </file>
 
-<file path=ppt/slides/slide26.xml><?xml version="1.0" encoding="utf-8"?>
+<file path=ppt/slides/slide27.xml><?xml version="1.0" encoding="utf-8"?>
 <p:sld xmlns:a="http://schemas.openxmlformats.org/drawingml/2006/main" xmlns:r="http://schemas.openxmlformats.org/officeDocument/2006/relationships" xmlns:p="http://schemas.openxmlformats.org/presentationml/2006/main">
   <p:cSld>
     <p:spTree>
@@ -30492,7 +31165,7 @@
 </p:sld>
 </file>
 
-<file path=ppt/slides/slide27.xml><?xml version="1.0" encoding="utf-8"?>
+<file path=ppt/slides/slide28.xml><?xml version="1.0" encoding="utf-8"?>
 <p:sld xmlns:a="http://schemas.openxmlformats.org/drawingml/2006/main" xmlns:r="http://schemas.openxmlformats.org/officeDocument/2006/relationships" xmlns:p="http://schemas.openxmlformats.org/presentationml/2006/main">
   <p:cSld>
     <p:spTree>
@@ -32094,7 +32767,7 @@
 </p:sld>
 </file>
 
-<file path=ppt/slides/slide28.xml><?xml version="1.0" encoding="utf-8"?>
+<file path=ppt/slides/slide29.xml><?xml version="1.0" encoding="utf-8"?>
 <p:sld xmlns:a="http://schemas.openxmlformats.org/drawingml/2006/main" xmlns:r="http://schemas.openxmlformats.org/officeDocument/2006/relationships" xmlns:p="http://schemas.openxmlformats.org/presentationml/2006/main">
   <p:cSld>
     <p:spTree>
@@ -33479,7 +34152,73 @@
 </p:sld>
 </file>
 
-<file path=ppt/slides/slide29.xml><?xml version="1.0" encoding="utf-8"?>
+<file path=ppt/slides/slide3.xml><?xml version="1.0" encoding="utf-8"?>
+<p:sld xmlns:a="http://schemas.openxmlformats.org/drawingml/2006/main" xmlns:r="http://schemas.openxmlformats.org/officeDocument/2006/relationships" xmlns:p="http://schemas.openxmlformats.org/presentationml/2006/main">
+  <p:cSld>
+    <p:spTree>
+      <p:nvGrpSpPr>
+        <p:cNvPr id="1" name=""/>
+        <p:cNvGrpSpPr/>
+        <p:nvPr/>
+      </p:nvGrpSpPr>
+      <p:grpSpPr>
+        <a:xfrm>
+          <a:off x="0" y="0"/>
+          <a:ext cx="0" cy="0"/>
+          <a:chOff x="0" y="0"/>
+          <a:chExt cx="0" cy="0"/>
+        </a:xfrm>
+      </p:grpSpPr>
+      <p:sp>
+        <p:nvSpPr>
+          <p:cNvPr id="2" name="Titre 1"/>
+          <p:cNvSpPr>
+            <a:spLocks noGrp="1"/>
+          </p:cNvSpPr>
+          <p:nvPr>
+            <p:ph type="title"/>
+          </p:nvPr>
+        </p:nvSpPr>
+        <p:spPr>
+          <a:xfrm>
+            <a:off x="357189" y="2257426"/>
+            <a:ext cx="11430000" cy="2790825"/>
+          </a:xfrm>
+        </p:spPr>
+        <p:txBody>
+          <a:bodyPr>
+            <a:normAutofit fontScale="90000"/>
+          </a:bodyPr>
+          <a:lstStyle/>
+          <a:p>
+            <a:pPr algn="ctr"/>
+            <a:r>
+              <a:rPr lang="en-US" sz="7200" dirty="0">
+                <a:hlinkClick r:id="rId2"/>
+              </a:rPr>
+              <a:t>https://github.com/AxaGuilDEv/react-oidc</a:t>
+            </a:r>
+            <a:br>
+              <a:rPr lang="en-US" sz="7200" dirty="0"/>
+            </a:br>
+            <a:endParaRPr lang="fr-FR" sz="7200" dirty="0"/>
+          </a:p>
+        </p:txBody>
+      </p:sp>
+    </p:spTree>
+    <p:extLst>
+      <p:ext uri="{BB962C8B-B14F-4D97-AF65-F5344CB8AC3E}">
+        <p14:creationId xmlns:p14="http://schemas.microsoft.com/office/powerpoint/2010/main" val="887301416"/>
+      </p:ext>
+    </p:extLst>
+  </p:cSld>
+  <p:clrMapOvr>
+    <a:masterClrMapping/>
+  </p:clrMapOvr>
+</p:sld>
+</file>
+
+<file path=ppt/slides/slide30.xml><?xml version="1.0" encoding="utf-8"?>
 <p:sld xmlns:a="http://schemas.openxmlformats.org/drawingml/2006/main" xmlns:r="http://schemas.openxmlformats.org/officeDocument/2006/relationships" xmlns:p="http://schemas.openxmlformats.org/presentationml/2006/main">
   <p:cSld>
     <p:spTree>
@@ -34802,73 +35541,7 @@
 </p:sld>
 </file>
 
-<file path=ppt/slides/slide3.xml><?xml version="1.0" encoding="utf-8"?>
-<p:sld xmlns:a="http://schemas.openxmlformats.org/drawingml/2006/main" xmlns:r="http://schemas.openxmlformats.org/officeDocument/2006/relationships" xmlns:p="http://schemas.openxmlformats.org/presentationml/2006/main">
-  <p:cSld>
-    <p:spTree>
-      <p:nvGrpSpPr>
-        <p:cNvPr id="1" name=""/>
-        <p:cNvGrpSpPr/>
-        <p:nvPr/>
-      </p:nvGrpSpPr>
-      <p:grpSpPr>
-        <a:xfrm>
-          <a:off x="0" y="0"/>
-          <a:ext cx="0" cy="0"/>
-          <a:chOff x="0" y="0"/>
-          <a:chExt cx="0" cy="0"/>
-        </a:xfrm>
-      </p:grpSpPr>
-      <p:sp>
-        <p:nvSpPr>
-          <p:cNvPr id="2" name="Titre 1"/>
-          <p:cNvSpPr>
-            <a:spLocks noGrp="1"/>
-          </p:cNvSpPr>
-          <p:nvPr>
-            <p:ph type="title"/>
-          </p:nvPr>
-        </p:nvSpPr>
-        <p:spPr>
-          <a:xfrm>
-            <a:off x="357189" y="2257426"/>
-            <a:ext cx="11430000" cy="2790825"/>
-          </a:xfrm>
-        </p:spPr>
-        <p:txBody>
-          <a:bodyPr>
-            <a:normAutofit fontScale="90000"/>
-          </a:bodyPr>
-          <a:lstStyle/>
-          <a:p>
-            <a:pPr algn="ctr"/>
-            <a:r>
-              <a:rPr lang="en-US" sz="7200" dirty="0">
-                <a:hlinkClick r:id="rId2"/>
-              </a:rPr>
-              <a:t>https://github.com/AxaGuilDEv/react-oidc</a:t>
-            </a:r>
-            <a:br>
-              <a:rPr lang="en-US" sz="7200" dirty="0"/>
-            </a:br>
-            <a:endParaRPr lang="fr-FR" sz="7200" dirty="0"/>
-          </a:p>
-        </p:txBody>
-      </p:sp>
-    </p:spTree>
-    <p:extLst>
-      <p:ext uri="{BB962C8B-B14F-4D97-AF65-F5344CB8AC3E}">
-        <p14:creationId xmlns:p14="http://schemas.microsoft.com/office/powerpoint/2010/main" val="887301416"/>
-      </p:ext>
-    </p:extLst>
-  </p:cSld>
-  <p:clrMapOvr>
-    <a:masterClrMapping/>
-  </p:clrMapOvr>
-</p:sld>
-</file>
-
-<file path=ppt/slides/slide30.xml><?xml version="1.0" encoding="utf-8"?>
+<file path=ppt/slides/slide31.xml><?xml version="1.0" encoding="utf-8"?>
 <p:sld xmlns:a="http://schemas.openxmlformats.org/drawingml/2006/main" xmlns:r="http://schemas.openxmlformats.org/officeDocument/2006/relationships" xmlns:p="http://schemas.openxmlformats.org/presentationml/2006/main">
   <p:cSld>
     <p:spTree>
@@ -34958,7 +35631,7 @@
           <a:p>
             <a:fld id="{B79E4878-4BCB-449E-94CF-AE2A0F6BB533}" type="slidenum">
               <a:rPr lang="fr-FR" smtClean="0"/>
-              <a:t>30</a:t>
+              <a:t>31</a:t>
             </a:fld>
             <a:endParaRPr lang="fr-FR" dirty="0"/>
           </a:p>
@@ -36195,684 +36868,6 @@
   <p:clrMapOvr>
     <a:masterClrMapping/>
   </p:clrMapOvr>
-</p:sld>
-</file>
-
-<file path=ppt/slides/slide31.xml><?xml version="1.0" encoding="utf-8"?>
-<p:sld xmlns:a="http://schemas.openxmlformats.org/drawingml/2006/main" xmlns:r="http://schemas.openxmlformats.org/officeDocument/2006/relationships" xmlns:p="http://schemas.openxmlformats.org/presentationml/2006/main">
-  <p:cSld>
-    <p:spTree>
-      <p:nvGrpSpPr>
-        <p:cNvPr id="1" name=""/>
-        <p:cNvGrpSpPr/>
-        <p:nvPr/>
-      </p:nvGrpSpPr>
-      <p:grpSpPr>
-        <a:xfrm>
-          <a:off x="0" y="0"/>
-          <a:ext cx="0" cy="0"/>
-          <a:chOff x="0" y="0"/>
-          <a:chExt cx="0" cy="0"/>
-        </a:xfrm>
-      </p:grpSpPr>
-      <p:sp>
-        <p:nvSpPr>
-          <p:cNvPr id="27" name="Rectangle 26">
-            <a:extLst>
-              <a:ext uri="{FF2B5EF4-FFF2-40B4-BE49-F238E27FC236}">
-                <a16:creationId xmlns:a16="http://schemas.microsoft.com/office/drawing/2014/main" id="{617A7ADA-07CF-451A-BAC6-277594AE91B7}"/>
-              </a:ext>
-            </a:extLst>
-          </p:cNvPr>
-          <p:cNvSpPr/>
-          <p:nvPr/>
-        </p:nvSpPr>
-        <p:spPr>
-          <a:xfrm>
-            <a:off x="0" y="0"/>
-            <a:ext cx="12191998" cy="6857999"/>
-          </a:xfrm>
-          <a:prstGeom prst="rect">
-            <a:avLst/>
-          </a:prstGeom>
-          <a:solidFill>
-            <a:schemeClr val="tx2">
-              <a:lumMod val="75000"/>
-            </a:schemeClr>
-          </a:solidFill>
-          <a:ln>
-            <a:noFill/>
-          </a:ln>
-        </p:spPr>
-        <p:style>
-          <a:lnRef idx="2">
-            <a:schemeClr val="accent1">
-              <a:shade val="50000"/>
-            </a:schemeClr>
-          </a:lnRef>
-          <a:fillRef idx="1">
-            <a:schemeClr val="accent1"/>
-          </a:fillRef>
-          <a:effectRef idx="0">
-            <a:schemeClr val="accent1"/>
-          </a:effectRef>
-          <a:fontRef idx="minor">
-            <a:schemeClr val="lt1"/>
-          </a:fontRef>
-        </p:style>
-        <p:txBody>
-          <a:bodyPr rtlCol="0" anchor="ctr"/>
-          <a:lstStyle/>
-          <a:p>
-            <a:pPr marL="914400" marR="0" lvl="2" indent="0" algn="ctr" defTabSz="914400" rtl="0" eaLnBrk="1" fontAlgn="auto" latinLnBrk="0" hangingPunct="1">
-              <a:lnSpc>
-                <a:spcPct val="100000"/>
-              </a:lnSpc>
-              <a:spcBef>
-                <a:spcPts val="0"/>
-              </a:spcBef>
-              <a:spcAft>
-                <a:spcPts val="0"/>
-              </a:spcAft>
-              <a:buClrTx/>
-              <a:buSzTx/>
-              <a:buFontTx/>
-              <a:buNone/>
-              <a:tabLst/>
-              <a:defRPr/>
-            </a:pPr>
-            <a:endParaRPr kumimoji="0" lang="fr-FR" sz="1400" b="1" i="0" u="none" strike="noStrike" kern="1200" cap="none" spc="0" normalizeH="0" baseline="0" noProof="0">
-              <a:ln>
-                <a:noFill/>
-              </a:ln>
-              <a:solidFill>
-                <a:srgbClr val="525252"/>
-              </a:solidFill>
-              <a:effectLst/>
-              <a:uLnTx/>
-              <a:uFillTx/>
-              <a:latin typeface="+mj-lt"/>
-              <a:ea typeface="Karla" pitchFamily="2" charset="0"/>
-            </a:endParaRPr>
-          </a:p>
-        </p:txBody>
-      </p:sp>
-      <p:sp>
-        <p:nvSpPr>
-          <p:cNvPr id="3" name="Espace réservé de la date 2">
-            <a:extLst>
-              <a:ext uri="{FF2B5EF4-FFF2-40B4-BE49-F238E27FC236}">
-                <a16:creationId xmlns:a16="http://schemas.microsoft.com/office/drawing/2014/main" id="{DE9241D6-AE8E-43B4-BB97-0B368873E0F7}"/>
-              </a:ext>
-            </a:extLst>
-          </p:cNvPr>
-          <p:cNvSpPr>
-            <a:spLocks noGrp="1"/>
-          </p:cNvSpPr>
-          <p:nvPr>
-            <p:ph type="dt" sz="half" idx="10"/>
-          </p:nvPr>
-        </p:nvSpPr>
-        <p:spPr/>
-        <p:txBody>
-          <a:bodyPr/>
-          <a:lstStyle/>
-          <a:p>
-            <a:r>
-              <a:rPr lang="fr-FR">
-                <a:ea typeface="Karla" pitchFamily="2" charset="0"/>
-              </a:rPr>
-              <a:t> </a:t>
-            </a:r>
-          </a:p>
-        </p:txBody>
-      </p:sp>
-      <p:cxnSp>
-        <p:nvCxnSpPr>
-          <p:cNvPr id="11" name="Connecteur droit 10">
-            <a:extLst>
-              <a:ext uri="{FF2B5EF4-FFF2-40B4-BE49-F238E27FC236}">
-                <a16:creationId xmlns:a16="http://schemas.microsoft.com/office/drawing/2014/main" id="{987BF4BF-9CBA-4F21-8F56-5E002575FFB1}"/>
-              </a:ext>
-            </a:extLst>
-          </p:cNvPr>
-          <p:cNvCxnSpPr/>
-          <p:nvPr/>
-        </p:nvCxnSpPr>
-        <p:spPr>
-          <a:xfrm>
-            <a:off x="2004291" y="0"/>
-            <a:ext cx="0" cy="6858000"/>
-          </a:xfrm>
-          <a:prstGeom prst="line">
-            <a:avLst/>
-          </a:prstGeom>
-          <a:ln w="28575">
-            <a:solidFill>
-              <a:schemeClr val="bg1"/>
-            </a:solidFill>
-          </a:ln>
-        </p:spPr>
-        <p:style>
-          <a:lnRef idx="1">
-            <a:schemeClr val="accent1"/>
-          </a:lnRef>
-          <a:fillRef idx="0">
-            <a:schemeClr val="accent1"/>
-          </a:fillRef>
-          <a:effectRef idx="0">
-            <a:schemeClr val="accent1"/>
-          </a:effectRef>
-          <a:fontRef idx="minor">
-            <a:schemeClr val="tx1"/>
-          </a:fontRef>
-        </p:style>
-      </p:cxnSp>
-      <p:sp>
-        <p:nvSpPr>
-          <p:cNvPr id="15" name="Ellipse 14">
-            <a:extLst>
-              <a:ext uri="{FF2B5EF4-FFF2-40B4-BE49-F238E27FC236}">
-                <a16:creationId xmlns:a16="http://schemas.microsoft.com/office/drawing/2014/main" id="{94ECA506-A143-492E-A322-B6CF7D28D0F6}"/>
-              </a:ext>
-            </a:extLst>
-          </p:cNvPr>
-          <p:cNvSpPr/>
-          <p:nvPr/>
-        </p:nvSpPr>
-        <p:spPr>
-          <a:xfrm>
-            <a:off x="1808646" y="4808299"/>
-            <a:ext cx="364337" cy="364337"/>
-          </a:xfrm>
-          <a:prstGeom prst="ellipse">
-            <a:avLst/>
-          </a:prstGeom>
-          <a:solidFill>
-            <a:schemeClr val="tx2">
-              <a:lumMod val="75000"/>
-            </a:schemeClr>
-          </a:solidFill>
-          <a:ln w="28575">
-            <a:solidFill>
-              <a:schemeClr val="bg1"/>
-            </a:solidFill>
-          </a:ln>
-        </p:spPr>
-        <p:style>
-          <a:lnRef idx="2">
-            <a:schemeClr val="accent1">
-              <a:shade val="50000"/>
-            </a:schemeClr>
-          </a:lnRef>
-          <a:fillRef idx="1">
-            <a:schemeClr val="accent1"/>
-          </a:fillRef>
-          <a:effectRef idx="0">
-            <a:schemeClr val="accent1"/>
-          </a:effectRef>
-          <a:fontRef idx="minor">
-            <a:schemeClr val="lt1"/>
-          </a:fontRef>
-        </p:style>
-        <p:txBody>
-          <a:bodyPr rtlCol="0" anchor="ctr"/>
-          <a:lstStyle/>
-          <a:p>
-            <a:pPr algn="ctr"/>
-            <a:endParaRPr lang="fr-FR">
-              <a:latin typeface="+mj-lt"/>
-              <a:ea typeface="Karla" pitchFamily="2" charset="0"/>
-            </a:endParaRPr>
-          </a:p>
-        </p:txBody>
-      </p:sp>
-      <p:sp>
-        <p:nvSpPr>
-          <p:cNvPr id="22" name="ZoneTexte 21">
-            <a:extLst>
-              <a:ext uri="{FF2B5EF4-FFF2-40B4-BE49-F238E27FC236}">
-                <a16:creationId xmlns:a16="http://schemas.microsoft.com/office/drawing/2014/main" id="{3D173455-883E-41D3-8952-08965149EE84}"/>
-              </a:ext>
-            </a:extLst>
-          </p:cNvPr>
-          <p:cNvSpPr txBox="1"/>
-          <p:nvPr/>
-        </p:nvSpPr>
-        <p:spPr bwMode="auto">
-          <a:xfrm>
-            <a:off x="2368628" y="1143277"/>
-            <a:ext cx="10015910" cy="4225131"/>
-          </a:xfrm>
-          <a:prstGeom prst="rect">
-            <a:avLst/>
-          </a:prstGeom>
-          <a:noFill/>
-          <a:ln>
-            <a:noFill/>
-          </a:ln>
-          <a:extLst>
-            <a:ext uri="{909E8E84-426E-40DD-AFC4-6F175D3DCCD1}">
-              <a14:hiddenFill xmlns:a14="http://schemas.microsoft.com/office/drawing/2010/main">
-                <a:solidFill>
-                  <a:srgbClr val="FFFFFF"/>
-                </a:solidFill>
-              </a14:hiddenFill>
-            </a:ext>
-            <a:ext uri="{91240B29-F687-4F45-9708-019B960494DF}">
-              <a14:hiddenLine xmlns:a14="http://schemas.microsoft.com/office/drawing/2010/main" w="9525">
-                <a:solidFill>
-                  <a:srgbClr val="000000"/>
-                </a:solidFill>
-                <a:miter lim="800000"/>
-                <a:headEnd/>
-                <a:tailEnd/>
-              </a14:hiddenLine>
-            </a:ext>
-          </a:extLst>
-        </p:spPr>
-        <p:txBody>
-          <a:bodyPr wrap="square" lIns="0" tIns="0" rIns="0" bIns="0" rtlCol="0" anchor="b">
-            <a:spAutoFit/>
-          </a:bodyPr>
-          <a:lstStyle/>
-          <a:p>
-            <a:pPr marL="514350" indent="-514350" eaLnBrk="1" hangingPunct="1">
-              <a:lnSpc>
-                <a:spcPct val="150000"/>
-              </a:lnSpc>
-              <a:buAutoNum type="arabicPeriod"/>
-            </a:pPr>
-            <a:r>
-              <a:rPr lang="fr-FR" sz="2800" dirty="0">
-                <a:solidFill>
-                  <a:schemeClr val="bg1"/>
-                </a:solidFill>
-              </a:rPr>
-              <a:t>How to set </a:t>
-            </a:r>
-            <a:r>
-              <a:rPr lang="fr-FR" sz="2800" dirty="0" err="1">
-                <a:solidFill>
-                  <a:schemeClr val="bg1"/>
-                </a:solidFill>
-              </a:rPr>
-              <a:t>it</a:t>
-            </a:r>
-            <a:r>
-              <a:rPr lang="fr-FR" sz="2800" dirty="0">
-                <a:solidFill>
-                  <a:schemeClr val="bg1"/>
-                </a:solidFill>
-              </a:rPr>
-              <a:t> up </a:t>
-            </a:r>
-            <a:r>
-              <a:rPr lang="fr-FR" sz="2800" dirty="0" err="1">
-                <a:solidFill>
-                  <a:schemeClr val="bg1"/>
-                </a:solidFill>
-              </a:rPr>
-              <a:t>React</a:t>
-            </a:r>
-            <a:r>
-              <a:rPr lang="fr-FR" sz="2800" dirty="0">
-                <a:solidFill>
-                  <a:schemeClr val="bg1"/>
-                </a:solidFill>
-              </a:rPr>
-              <a:t> OIDC</a:t>
-            </a:r>
-          </a:p>
-          <a:p>
-            <a:pPr marL="514350" indent="-514350" eaLnBrk="1" hangingPunct="1">
-              <a:lnSpc>
-                <a:spcPct val="150000"/>
-              </a:lnSpc>
-              <a:buAutoNum type="arabicPeriod"/>
-            </a:pPr>
-            <a:r>
-              <a:rPr lang="en-US" sz="2800" dirty="0">
-                <a:solidFill>
-                  <a:schemeClr val="bg1"/>
-                </a:solidFill>
-              </a:rPr>
-              <a:t>Understanding the concepts of identification, authorization and authentication</a:t>
-            </a:r>
-          </a:p>
-          <a:p>
-            <a:pPr marL="514350" indent="-514350">
-              <a:lnSpc>
-                <a:spcPct val="150000"/>
-              </a:lnSpc>
-              <a:buFontTx/>
-              <a:buAutoNum type="arabicPeriod"/>
-            </a:pPr>
-            <a:r>
-              <a:rPr lang="fr-FR" sz="2800" dirty="0">
-                <a:solidFill>
-                  <a:schemeClr val="bg1"/>
-                </a:solidFill>
-              </a:rPr>
-              <a:t>Focus on </a:t>
-            </a:r>
-            <a:r>
-              <a:rPr lang="fr-FR" sz="2800" dirty="0" err="1">
-                <a:solidFill>
-                  <a:schemeClr val="bg1"/>
-                </a:solidFill>
-              </a:rPr>
-              <a:t>Oauth</a:t>
-            </a:r>
-            <a:r>
-              <a:rPr lang="fr-FR" sz="2800" dirty="0">
-                <a:solidFill>
-                  <a:schemeClr val="bg1"/>
-                </a:solidFill>
-              </a:rPr>
-              <a:t> 2.0</a:t>
-            </a:r>
-          </a:p>
-          <a:p>
-            <a:pPr marL="514350" indent="-514350">
-              <a:lnSpc>
-                <a:spcPct val="150000"/>
-              </a:lnSpc>
-              <a:buFontTx/>
-              <a:buAutoNum type="arabicPeriod"/>
-            </a:pPr>
-            <a:r>
-              <a:rPr lang="en-US" sz="2800" dirty="0">
-                <a:solidFill>
-                  <a:schemeClr val="bg1"/>
-                </a:solidFill>
-              </a:rPr>
-              <a:t>"Level up" with OpenID Connect</a:t>
-            </a:r>
-            <a:endParaRPr lang="fr-FR" sz="2800" dirty="0">
-              <a:solidFill>
-                <a:schemeClr val="bg1"/>
-              </a:solidFill>
-            </a:endParaRPr>
-          </a:p>
-          <a:p>
-            <a:pPr marL="514350" indent="-514350">
-              <a:lnSpc>
-                <a:spcPct val="150000"/>
-              </a:lnSpc>
-              <a:buFontTx/>
-              <a:buAutoNum type="arabicPeriod"/>
-            </a:pPr>
-            <a:r>
-              <a:rPr lang="fr-FR" sz="4800" b="1" dirty="0">
-                <a:solidFill>
-                  <a:schemeClr val="bg1"/>
-                </a:solidFill>
-                <a:latin typeface="+mj-lt"/>
-              </a:rPr>
-              <a:t>Conclusion</a:t>
-            </a:r>
-          </a:p>
-        </p:txBody>
-      </p:sp>
-      <p:sp>
-        <p:nvSpPr>
-          <p:cNvPr id="13" name="Ellipse 12">
-            <a:extLst>
-              <a:ext uri="{FF2B5EF4-FFF2-40B4-BE49-F238E27FC236}">
-                <a16:creationId xmlns:a16="http://schemas.microsoft.com/office/drawing/2014/main" id="{55FC0511-2E83-42F9-AF8A-52A4E21F6BF3}"/>
-              </a:ext>
-            </a:extLst>
-          </p:cNvPr>
-          <p:cNvSpPr/>
-          <p:nvPr/>
-        </p:nvSpPr>
-        <p:spPr>
-          <a:xfrm>
-            <a:off x="1909194" y="2095973"/>
-            <a:ext cx="192540" cy="192540"/>
-          </a:xfrm>
-          <a:prstGeom prst="ellipse">
-            <a:avLst/>
-          </a:prstGeom>
-          <a:solidFill>
-            <a:schemeClr val="tx2">
-              <a:lumMod val="75000"/>
-            </a:schemeClr>
-          </a:solidFill>
-          <a:ln w="28575">
-            <a:solidFill>
-              <a:schemeClr val="bg1"/>
-            </a:solidFill>
-          </a:ln>
-        </p:spPr>
-        <p:style>
-          <a:lnRef idx="2">
-            <a:schemeClr val="accent1">
-              <a:shade val="50000"/>
-            </a:schemeClr>
-          </a:lnRef>
-          <a:fillRef idx="1">
-            <a:schemeClr val="accent1"/>
-          </a:fillRef>
-          <a:effectRef idx="0">
-            <a:schemeClr val="accent1"/>
-          </a:effectRef>
-          <a:fontRef idx="minor">
-            <a:schemeClr val="lt1"/>
-          </a:fontRef>
-        </p:style>
-        <p:txBody>
-          <a:bodyPr rtlCol="0" anchor="ctr"/>
-          <a:lstStyle/>
-          <a:p>
-            <a:pPr algn="ctr"/>
-            <a:endParaRPr lang="fr-FR">
-              <a:latin typeface="+mj-lt"/>
-              <a:ea typeface="Karla" pitchFamily="2" charset="0"/>
-            </a:endParaRPr>
-          </a:p>
-        </p:txBody>
-      </p:sp>
-      <p:sp>
-        <p:nvSpPr>
-          <p:cNvPr id="10" name="Ellipse 12">
-            <a:extLst>
-              <a:ext uri="{FF2B5EF4-FFF2-40B4-BE49-F238E27FC236}">
-                <a16:creationId xmlns:a16="http://schemas.microsoft.com/office/drawing/2014/main" id="{23B6ED91-1029-4EC3-B092-884DB94D5D4E}"/>
-              </a:ext>
-            </a:extLst>
-          </p:cNvPr>
-          <p:cNvSpPr/>
-          <p:nvPr/>
-        </p:nvSpPr>
-        <p:spPr>
-          <a:xfrm>
-            <a:off x="1908021" y="3348847"/>
-            <a:ext cx="192540" cy="192540"/>
-          </a:xfrm>
-          <a:prstGeom prst="ellipse">
-            <a:avLst/>
-          </a:prstGeom>
-          <a:solidFill>
-            <a:schemeClr val="tx2">
-              <a:lumMod val="75000"/>
-            </a:schemeClr>
-          </a:solidFill>
-          <a:ln w="28575">
-            <a:solidFill>
-              <a:schemeClr val="bg1"/>
-            </a:solidFill>
-          </a:ln>
-        </p:spPr>
-        <p:style>
-          <a:lnRef idx="2">
-            <a:schemeClr val="accent1">
-              <a:shade val="50000"/>
-            </a:schemeClr>
-          </a:lnRef>
-          <a:fillRef idx="1">
-            <a:schemeClr val="accent1"/>
-          </a:fillRef>
-          <a:effectRef idx="0">
-            <a:schemeClr val="accent1"/>
-          </a:effectRef>
-          <a:fontRef idx="minor">
-            <a:schemeClr val="lt1"/>
-          </a:fontRef>
-        </p:style>
-        <p:txBody>
-          <a:bodyPr rtlCol="0" anchor="ctr"/>
-          <a:lstStyle/>
-          <a:p>
-            <a:pPr algn="ctr"/>
-            <a:endParaRPr lang="fr-FR">
-              <a:latin typeface="+mj-lt"/>
-              <a:ea typeface="Karla" pitchFamily="2" charset="0"/>
-            </a:endParaRPr>
-          </a:p>
-        </p:txBody>
-      </p:sp>
-      <p:sp>
-        <p:nvSpPr>
-          <p:cNvPr id="14" name="Ellipse 7">
-            <a:extLst>
-              <a:ext uri="{FF2B5EF4-FFF2-40B4-BE49-F238E27FC236}">
-                <a16:creationId xmlns:a16="http://schemas.microsoft.com/office/drawing/2014/main" id="{10241E5C-56AA-4019-82EF-BEEAD76E8004}"/>
-              </a:ext>
-            </a:extLst>
-          </p:cNvPr>
-          <p:cNvSpPr/>
-          <p:nvPr/>
-        </p:nvSpPr>
-        <p:spPr>
-          <a:xfrm>
-            <a:off x="1909194" y="1477255"/>
-            <a:ext cx="192540" cy="192540"/>
-          </a:xfrm>
-          <a:prstGeom prst="ellipse">
-            <a:avLst/>
-          </a:prstGeom>
-          <a:solidFill>
-            <a:schemeClr val="tx2">
-              <a:lumMod val="75000"/>
-            </a:schemeClr>
-          </a:solidFill>
-          <a:ln w="28575">
-            <a:solidFill>
-              <a:schemeClr val="bg1"/>
-            </a:solidFill>
-          </a:ln>
-        </p:spPr>
-        <p:style>
-          <a:lnRef idx="2">
-            <a:schemeClr val="accent1">
-              <a:shade val="50000"/>
-            </a:schemeClr>
-          </a:lnRef>
-          <a:fillRef idx="1">
-            <a:schemeClr val="accent1"/>
-          </a:fillRef>
-          <a:effectRef idx="0">
-            <a:schemeClr val="accent1"/>
-          </a:effectRef>
-          <a:fontRef idx="minor">
-            <a:schemeClr val="lt1"/>
-          </a:fontRef>
-        </p:style>
-        <p:txBody>
-          <a:bodyPr rtlCol="0" anchor="ctr"/>
-          <a:lstStyle/>
-          <a:p>
-            <a:pPr algn="ctr"/>
-            <a:endParaRPr lang="fr-FR">
-              <a:latin typeface="+mj-lt"/>
-              <a:ea typeface="Karla" pitchFamily="2" charset="0"/>
-            </a:endParaRPr>
-          </a:p>
-        </p:txBody>
-      </p:sp>
-      <p:sp>
-        <p:nvSpPr>
-          <p:cNvPr id="16" name="Ellipse 7">
-            <a:extLst>
-              <a:ext uri="{FF2B5EF4-FFF2-40B4-BE49-F238E27FC236}">
-                <a16:creationId xmlns:a16="http://schemas.microsoft.com/office/drawing/2014/main" id="{5FAE9A66-D671-4BF4-9DDF-541CBDA7ED35}"/>
-              </a:ext>
-            </a:extLst>
-          </p:cNvPr>
-          <p:cNvSpPr/>
-          <p:nvPr/>
-        </p:nvSpPr>
-        <p:spPr>
-          <a:xfrm>
-            <a:off x="1906230" y="4033226"/>
-            <a:ext cx="192540" cy="192540"/>
-          </a:xfrm>
-          <a:prstGeom prst="ellipse">
-            <a:avLst/>
-          </a:prstGeom>
-          <a:solidFill>
-            <a:schemeClr val="tx2">
-              <a:lumMod val="75000"/>
-            </a:schemeClr>
-          </a:solidFill>
-          <a:ln w="28575">
-            <a:solidFill>
-              <a:schemeClr val="bg1"/>
-            </a:solidFill>
-          </a:ln>
-        </p:spPr>
-        <p:style>
-          <a:lnRef idx="2">
-            <a:schemeClr val="accent1">
-              <a:shade val="50000"/>
-            </a:schemeClr>
-          </a:lnRef>
-          <a:fillRef idx="1">
-            <a:schemeClr val="accent1"/>
-          </a:fillRef>
-          <a:effectRef idx="0">
-            <a:schemeClr val="accent1"/>
-          </a:effectRef>
-          <a:fontRef idx="minor">
-            <a:schemeClr val="lt1"/>
-          </a:fontRef>
-        </p:style>
-        <p:txBody>
-          <a:bodyPr rtlCol="0" anchor="ctr"/>
-          <a:lstStyle/>
-          <a:p>
-            <a:pPr algn="ctr"/>
-            <a:endParaRPr lang="fr-FR">
-              <a:latin typeface="+mj-lt"/>
-              <a:ea typeface="Karla" pitchFamily="2" charset="0"/>
-            </a:endParaRPr>
-          </a:p>
-        </p:txBody>
-      </p:sp>
-    </p:spTree>
-    <p:extLst>
-      <p:ext uri="{BB962C8B-B14F-4D97-AF65-F5344CB8AC3E}">
-        <p14:creationId xmlns:p14="http://schemas.microsoft.com/office/powerpoint/2010/main" val="1845152769"/>
-      </p:ext>
-    </p:extLst>
-  </p:cSld>
-  <p:clrMapOvr>
-    <a:masterClrMapping/>
-  </p:clrMapOvr>
-  <mc:AlternateContent xmlns:mc="http://schemas.openxmlformats.org/markup-compatibility/2006" xmlns:p159="http://schemas.microsoft.com/office/powerpoint/2015/09/main">
-    <mc:Choice Requires="p159">
-      <p:transition xmlns:p14="http://schemas.microsoft.com/office/powerpoint/2010/main" spd="slow" p14:dur="2000">
-        <p159:morph option="byObject"/>
-      </p:transition>
-    </mc:Choice>
-    <mc:Fallback xmlns="">
-      <p:transition spd="slow">
-        <p:fade/>
-      </p:transition>
-    </mc:Fallback>
-  </mc:AlternateContent>
 </p:sld>
 </file>
 

--- a/documentations/React OIDC.pptx
+++ b/documentations/React OIDC.pptx
@@ -230,7 +230,7 @@
           <a:p>
             <a:fld id="{92C0ECB4-1DA6-4958-A0CF-A11808127F66}" type="datetimeFigureOut">
               <a:rPr lang="fr-FR" smtClean="0"/>
-              <a:t>15/11/2020</a:t>
+              <a:t>16/11/2020</a:t>
             </a:fld>
             <a:endParaRPr lang="fr-FR"/>
           </a:p>
@@ -395,7 +395,7 @@
           <a:p>
             <a:fld id="{79251E60-887E-4FF0-8411-14E4694F24DF}" type="datetimeFigureOut">
               <a:rPr lang="fr-FR" smtClean="0"/>
-              <a:t>15/11/2020</a:t>
+              <a:t>16/11/2020</a:t>
             </a:fld>
             <a:endParaRPr lang="fr-FR"/>
           </a:p>
@@ -5946,7 +5946,7 @@
           </a:p>
           <a:p>
             <a:r>
-              <a:rPr lang="fr-FR" sz="1200" kern="1200">
+              <a:rPr lang="fr-FR" sz="1200" kern="1200" dirty="0">
                 <a:solidFill>
                   <a:schemeClr val="tx1"/>
                 </a:solidFill>
@@ -5960,7 +5960,7 @@
           </a:p>
           <a:p>
             <a:r>
-              <a:rPr lang="fr-FR" sz="1200" kern="1200">
+              <a:rPr lang="fr-FR" sz="1200" kern="1200" dirty="0">
                 <a:solidFill>
                   <a:schemeClr val="tx1"/>
                 </a:solidFill>
@@ -5974,7 +5974,7 @@
           </a:p>
           <a:p>
             <a:br>
-              <a:rPr lang="fr-FR" sz="1200" kern="1200">
+              <a:rPr lang="fr-FR" sz="1200" kern="1200" dirty="0">
                 <a:solidFill>
                   <a:schemeClr val="tx1"/>
                 </a:solidFill>
@@ -5984,7 +5984,7 @@
                 <a:cs typeface="+mn-cs"/>
               </a:rPr>
             </a:br>
-            <a:endParaRPr lang="fr-FR" sz="1200" kern="1200">
+            <a:endParaRPr lang="fr-FR" sz="1200" kern="1200" dirty="0">
               <a:solidFill>
                 <a:schemeClr val="tx1"/>
               </a:solidFill>
@@ -5996,7 +5996,7 @@
           </a:p>
           <a:p>
             <a:r>
-              <a:rPr lang="fr-FR" sz="1200" kern="1200">
+              <a:rPr lang="fr-FR" sz="1200" kern="1200" dirty="0">
                 <a:solidFill>
                   <a:schemeClr val="tx1"/>
                 </a:solidFill>
@@ -6010,7 +6010,7 @@
           </a:p>
           <a:p>
             <a:r>
-              <a:rPr lang="fr-FR" sz="1200" kern="1200">
+              <a:rPr lang="fr-FR" sz="1200" kern="1200" dirty="0">
                 <a:solidFill>
                   <a:schemeClr val="tx1"/>
                 </a:solidFill>
@@ -6024,7 +6024,7 @@
           </a:p>
           <a:p>
             <a:r>
-              <a:rPr lang="fr-FR" sz="1200" kern="1200">
+              <a:rPr lang="fr-FR" sz="1200" kern="1200" dirty="0">
                 <a:solidFill>
                   <a:schemeClr val="tx1"/>
                 </a:solidFill>
@@ -6038,7 +6038,7 @@
           </a:p>
           <a:p>
             <a:r>
-              <a:rPr lang="fr-FR" sz="1200" kern="1200">
+              <a:rPr lang="fr-FR" sz="1200" kern="1200" dirty="0">
                 <a:solidFill>
                   <a:schemeClr val="tx1"/>
                 </a:solidFill>
@@ -6052,7 +6052,7 @@
           </a:p>
           <a:p>
             <a:r>
-              <a:rPr lang="fr-FR" sz="1200" kern="1200">
+              <a:rPr lang="fr-FR" sz="1200" kern="1200" dirty="0">
                 <a:solidFill>
                   <a:schemeClr val="tx1"/>
                 </a:solidFill>
@@ -6066,7 +6066,7 @@
           </a:p>
           <a:p>
             <a:r>
-              <a:rPr lang="fr-FR" sz="1200" kern="1200" err="1">
+              <a:rPr lang="fr-FR" sz="1200" kern="1200" dirty="0" err="1">
                 <a:solidFill>
                   <a:schemeClr val="tx1"/>
                 </a:solidFill>
@@ -6078,7 +6078,7 @@
               <a:t>React</a:t>
             </a:r>
             <a:r>
-              <a:rPr lang="fr-FR" sz="1200" kern="1200">
+              <a:rPr lang="fr-FR" sz="1200" kern="1200" dirty="0">
                 <a:solidFill>
                   <a:schemeClr val="tx1"/>
                 </a:solidFill>
@@ -6090,7 +6090,7 @@
               <a:t> &amp; </a:t>
             </a:r>
             <a:r>
-              <a:rPr lang="fr-FR" sz="1200" kern="1200" err="1">
+              <a:rPr lang="fr-FR" sz="1200" kern="1200" dirty="0" err="1">
                 <a:solidFill>
                   <a:schemeClr val="tx1"/>
                 </a:solidFill>
@@ -6102,7 +6102,7 @@
               <a:t>storybook</a:t>
             </a:r>
             <a:r>
-              <a:rPr lang="fr-FR" sz="1200" kern="1200">
+              <a:rPr lang="fr-FR" sz="1200" kern="1200" dirty="0">
                 <a:solidFill>
                   <a:schemeClr val="tx1"/>
                 </a:solidFill>
@@ -6116,7 +6116,7 @@
           </a:p>
           <a:p>
             <a:r>
-              <a:rPr lang="fr-FR" sz="1200" kern="1200">
+              <a:rPr lang="fr-FR" sz="1200" kern="1200" dirty="0">
                 <a:solidFill>
                   <a:schemeClr val="tx1"/>
                 </a:solidFill>
@@ -6128,7 +6128,7 @@
               <a:t> - </a:t>
             </a:r>
             <a:r>
-              <a:rPr lang="fr-FR" sz="1200" kern="1200" err="1">
+              <a:rPr lang="fr-FR" sz="1200" kern="1200" dirty="0" err="1">
                 <a:solidFill>
                   <a:schemeClr val="tx1"/>
                 </a:solidFill>
@@ -6140,7 +6140,7 @@
               <a:t>React</a:t>
             </a:r>
             <a:r>
-              <a:rPr lang="fr-FR" sz="1200" kern="1200">
+              <a:rPr lang="fr-FR" sz="1200" kern="1200" dirty="0">
                 <a:solidFill>
                   <a:schemeClr val="tx1"/>
                 </a:solidFill>
@@ -6154,7 +6154,7 @@
           </a:p>
           <a:p>
             <a:r>
-              <a:rPr lang="fr-FR" sz="1200" kern="1200">
+              <a:rPr lang="fr-FR" sz="1200" kern="1200" dirty="0">
                 <a:solidFill>
                   <a:schemeClr val="tx1"/>
                 </a:solidFill>
@@ -6166,7 +6166,7 @@
               <a:t> - </a:t>
             </a:r>
             <a:r>
-              <a:rPr lang="fr-FR" sz="1200" kern="1200" err="1">
+              <a:rPr lang="fr-FR" sz="1200" kern="1200" dirty="0" err="1">
                 <a:solidFill>
                   <a:schemeClr val="tx1"/>
                 </a:solidFill>
@@ -6178,7 +6178,7 @@
               <a:t>Storybook</a:t>
             </a:r>
             <a:r>
-              <a:rPr lang="fr-FR" sz="1200" kern="1200">
+              <a:rPr lang="fr-FR" sz="1200" kern="1200" dirty="0">
                 <a:solidFill>
                   <a:schemeClr val="tx1"/>
                 </a:solidFill>
@@ -6192,7 +6192,7 @@
           </a:p>
           <a:p>
             <a:br>
-              <a:rPr lang="fr-FR" sz="1200" kern="1200">
+              <a:rPr lang="fr-FR" sz="1200" kern="1200" dirty="0">
                 <a:solidFill>
                   <a:schemeClr val="tx1"/>
                 </a:solidFill>
@@ -6202,7 +6202,7 @@
                 <a:cs typeface="+mn-cs"/>
               </a:rPr>
             </a:br>
-            <a:endParaRPr lang="fr-FR" sz="1200" kern="1200">
+            <a:endParaRPr lang="fr-FR" sz="1200" kern="1200" dirty="0">
               <a:solidFill>
                 <a:schemeClr val="tx1"/>
               </a:solidFill>
@@ -6214,7 +6214,7 @@
           </a:p>
           <a:p>
             <a:r>
-              <a:rPr lang="fr-FR" sz="1200" kern="1200">
+              <a:rPr lang="fr-FR" sz="1200" kern="1200" dirty="0">
                 <a:solidFill>
                   <a:schemeClr val="tx1"/>
                 </a:solidFill>
@@ -6228,7 +6228,7 @@
           </a:p>
           <a:p>
             <a:r>
-              <a:rPr lang="fr-FR" sz="1200" kern="1200">
+              <a:rPr lang="fr-FR" sz="1200" kern="1200" dirty="0">
                 <a:solidFill>
                   <a:schemeClr val="tx1"/>
                 </a:solidFill>
@@ -6242,7 +6242,7 @@
           </a:p>
           <a:p>
             <a:r>
-              <a:rPr lang="fr-FR" sz="1200" kern="1200">
+              <a:rPr lang="fr-FR" sz="1200" kern="1200" dirty="0">
                 <a:solidFill>
                   <a:schemeClr val="tx1"/>
                 </a:solidFill>
@@ -6251,10 +6251,12 @@
                 <a:ea typeface="+mn-ea"/>
                 <a:cs typeface="+mn-cs"/>
               </a:rPr>
-              <a:t> - Installation du </a:t>
-            </a:r>
-            <a:r>
-              <a:rPr lang="fr-FR" sz="1200" kern="1200" err="1">
+              <a:t> - Installation du toolkit</a:t>
+            </a:r>
+          </a:p>
+          <a:p>
+            <a:br>
+              <a:rPr lang="fr-FR" sz="1200" kern="1200" dirty="0">
                 <a:solidFill>
                   <a:schemeClr val="tx1"/>
                 </a:solidFill>
@@ -6263,9 +6265,8 @@
                 <a:ea typeface="+mn-ea"/>
                 <a:cs typeface="+mn-cs"/>
               </a:rPr>
-              <a:t>toolkit</a:t>
-            </a:r>
-            <a:endParaRPr lang="fr-FR" sz="1200" kern="1200">
+            </a:br>
+            <a:endParaRPr lang="fr-FR" sz="1200" kern="1200" dirty="0">
               <a:solidFill>
                 <a:schemeClr val="tx1"/>
               </a:solidFill>
@@ -6276,8 +6277,8 @@
             </a:endParaRPr>
           </a:p>
           <a:p>
-            <a:br>
-              <a:rPr lang="fr-FR" sz="1200" kern="1200">
+            <a:r>
+              <a:rPr lang="fr-FR" sz="1200" kern="1200" dirty="0">
                 <a:solidFill>
                   <a:schemeClr val="tx1"/>
                 </a:solidFill>
@@ -6286,8 +6287,111 @@
                 <a:ea typeface="+mn-ea"/>
                 <a:cs typeface="+mn-cs"/>
               </a:rPr>
-            </a:br>
-            <a:endParaRPr lang="fr-FR" sz="1200" kern="1200">
+              <a:t>Mise en place du </a:t>
+            </a:r>
+            <a:r>
+              <a:rPr lang="fr-FR" sz="1200" kern="1200" dirty="0" err="1">
+                <a:solidFill>
+                  <a:schemeClr val="tx1"/>
+                </a:solidFill>
+                <a:effectLst/>
+                <a:latin typeface="+mn-lt"/>
+                <a:ea typeface="+mn-ea"/>
+                <a:cs typeface="+mn-cs"/>
+              </a:rPr>
+              <a:t>layout</a:t>
+            </a:r>
+            <a:r>
+              <a:rPr lang="fr-FR" sz="1200" kern="1200" dirty="0">
+                <a:solidFill>
+                  <a:schemeClr val="tx1"/>
+                </a:solidFill>
+                <a:effectLst/>
+                <a:latin typeface="+mn-lt"/>
+                <a:ea typeface="+mn-ea"/>
+                <a:cs typeface="+mn-cs"/>
+              </a:rPr>
+              <a:t> (20 – 25 mn)</a:t>
+            </a:r>
+          </a:p>
+          <a:p>
+            <a:r>
+              <a:rPr lang="fr-FR" sz="1200" kern="1200" dirty="0">
+                <a:solidFill>
+                  <a:schemeClr val="tx1"/>
+                </a:solidFill>
+                <a:effectLst/>
+                <a:latin typeface="+mn-lt"/>
+                <a:ea typeface="+mn-ea"/>
+                <a:cs typeface="+mn-cs"/>
+              </a:rPr>
+              <a:t> - Header (HTML)</a:t>
+            </a:r>
+          </a:p>
+          <a:p>
+            <a:r>
+              <a:rPr lang="fr-FR" sz="1200" kern="1200" dirty="0">
+                <a:solidFill>
+                  <a:schemeClr val="tx1"/>
+                </a:solidFill>
+                <a:effectLst/>
+                <a:latin typeface="+mn-lt"/>
+                <a:ea typeface="+mn-ea"/>
+                <a:cs typeface="+mn-cs"/>
+              </a:rPr>
+              <a:t> - </a:t>
+            </a:r>
+            <a:r>
+              <a:rPr lang="fr-FR" sz="1200" kern="1200" dirty="0" err="1">
+                <a:solidFill>
+                  <a:schemeClr val="tx1"/>
+                </a:solidFill>
+                <a:effectLst/>
+                <a:latin typeface="+mn-lt"/>
+                <a:ea typeface="+mn-ea"/>
+                <a:cs typeface="+mn-cs"/>
+              </a:rPr>
+              <a:t>Footer</a:t>
+            </a:r>
+            <a:r>
+              <a:rPr lang="fr-FR" sz="1200" kern="1200" dirty="0">
+                <a:solidFill>
+                  <a:schemeClr val="tx1"/>
+                </a:solidFill>
+                <a:effectLst/>
+                <a:latin typeface="+mn-lt"/>
+                <a:ea typeface="+mn-ea"/>
+                <a:cs typeface="+mn-cs"/>
+              </a:rPr>
+              <a:t> (HTML)</a:t>
+            </a:r>
+          </a:p>
+          <a:p>
+            <a:r>
+              <a:rPr lang="fr-FR" sz="1200" kern="1200" dirty="0">
+                <a:solidFill>
+                  <a:schemeClr val="tx1"/>
+                </a:solidFill>
+                <a:effectLst/>
+                <a:latin typeface="+mn-lt"/>
+                <a:ea typeface="+mn-ea"/>
+                <a:cs typeface="+mn-cs"/>
+              </a:rPr>
+              <a:t> - remplacement par les composants </a:t>
+            </a:r>
+            <a:r>
+              <a:rPr lang="fr-FR" sz="1200" kern="1200" dirty="0" err="1">
+                <a:solidFill>
+                  <a:schemeClr val="tx1"/>
+                </a:solidFill>
+                <a:effectLst/>
+                <a:latin typeface="+mn-lt"/>
+                <a:ea typeface="+mn-ea"/>
+                <a:cs typeface="+mn-cs"/>
+              </a:rPr>
+              <a:t>React</a:t>
+            </a:r>
+            <a:endParaRPr lang="fr-FR" sz="1200" kern="1200" dirty="0">
               <a:solidFill>
                 <a:schemeClr val="tx1"/>
               </a:solidFill>
@@ -6299,7 +6403,7 @@
           </a:p>
           <a:p>
             <a:r>
-              <a:rPr lang="fr-FR" sz="1200" kern="1200">
+              <a:rPr lang="fr-FR" sz="1200" kern="1200" dirty="0">
                 <a:solidFill>
                   <a:schemeClr val="tx1"/>
                 </a:solidFill>
@@ -6308,10 +6412,12 @@
                 <a:ea typeface="+mn-ea"/>
                 <a:cs typeface="+mn-cs"/>
               </a:rPr>
-              <a:t>Mise en place du </a:t>
-            </a:r>
-            <a:r>
-              <a:rPr lang="fr-FR" sz="1200" kern="1200" err="1">
+              <a:t> </a:t>
+            </a:r>
+          </a:p>
+          <a:p>
+            <a:r>
+              <a:rPr lang="fr-FR" sz="1200" kern="1200" dirty="0">
                 <a:solidFill>
                   <a:schemeClr val="tx1"/>
                 </a:solidFill>
@@ -6320,10 +6426,12 @@
                 <a:ea typeface="+mn-ea"/>
                 <a:cs typeface="+mn-cs"/>
               </a:rPr>
-              <a:t>layout</a:t>
-            </a:r>
-            <a:r>
-              <a:rPr lang="fr-FR" sz="1200" kern="1200">
+              <a:t>Création d'un formulaire (20 - 25 mn)</a:t>
+            </a:r>
+          </a:p>
+          <a:p>
+            <a:r>
+              <a:rPr lang="fr-FR" sz="1200" kern="1200" dirty="0">
                 <a:solidFill>
                   <a:schemeClr val="tx1"/>
                 </a:solidFill>
@@ -6332,12 +6440,12 @@
                 <a:ea typeface="+mn-ea"/>
                 <a:cs typeface="+mn-cs"/>
               </a:rPr>
-              <a:t> (20 – 25 mn)</a:t>
-            </a:r>
-          </a:p>
-          <a:p>
-            <a:r>
-              <a:rPr lang="fr-FR" sz="1200" kern="1200">
+              <a:t> - Ajout des champs de formulaire</a:t>
+            </a:r>
+          </a:p>
+          <a:p>
+            <a:r>
+              <a:rPr lang="fr-FR" sz="1200" kern="1200" dirty="0">
                 <a:solidFill>
                   <a:schemeClr val="tx1"/>
                 </a:solidFill>
@@ -6346,12 +6454,12 @@
                 <a:ea typeface="+mn-ea"/>
                 <a:cs typeface="+mn-cs"/>
               </a:rPr>
-              <a:t> - Header (HTML)</a:t>
-            </a:r>
-          </a:p>
-          <a:p>
-            <a:r>
-              <a:rPr lang="fr-FR" sz="1200" kern="1200">
+              <a:t> - Ajout du bouton de validation</a:t>
+            </a:r>
+          </a:p>
+          <a:p>
+            <a:br>
+              <a:rPr lang="fr-FR" sz="1200" kern="1200" dirty="0">
                 <a:solidFill>
                   <a:schemeClr val="tx1"/>
                 </a:solidFill>
@@ -6360,59 +6468,8 @@
                 <a:ea typeface="+mn-ea"/>
                 <a:cs typeface="+mn-cs"/>
               </a:rPr>
-              <a:t> - </a:t>
-            </a:r>
-            <a:r>
-              <a:rPr lang="fr-FR" sz="1200" kern="1200" err="1">
-                <a:solidFill>
-                  <a:schemeClr val="tx1"/>
-                </a:solidFill>
-                <a:effectLst/>
-                <a:latin typeface="+mn-lt"/>
-                <a:ea typeface="+mn-ea"/>
-                <a:cs typeface="+mn-cs"/>
-              </a:rPr>
-              <a:t>Footer</a:t>
-            </a:r>
-            <a:r>
-              <a:rPr lang="fr-FR" sz="1200" kern="1200">
-                <a:solidFill>
-                  <a:schemeClr val="tx1"/>
-                </a:solidFill>
-                <a:effectLst/>
-                <a:latin typeface="+mn-lt"/>
-                <a:ea typeface="+mn-ea"/>
-                <a:cs typeface="+mn-cs"/>
-              </a:rPr>
-              <a:t> (HTML)</a:t>
-            </a:r>
-          </a:p>
-          <a:p>
-            <a:r>
-              <a:rPr lang="fr-FR" sz="1200" kern="1200">
-                <a:solidFill>
-                  <a:schemeClr val="tx1"/>
-                </a:solidFill>
-                <a:effectLst/>
-                <a:latin typeface="+mn-lt"/>
-                <a:ea typeface="+mn-ea"/>
-                <a:cs typeface="+mn-cs"/>
-              </a:rPr>
-              <a:t> - remplacement par les composants </a:t>
-            </a:r>
-            <a:r>
-              <a:rPr lang="fr-FR" sz="1200" kern="1200" err="1">
-                <a:solidFill>
-                  <a:schemeClr val="tx1"/>
-                </a:solidFill>
-                <a:effectLst/>
-                <a:latin typeface="+mn-lt"/>
-                <a:ea typeface="+mn-ea"/>
-                <a:cs typeface="+mn-cs"/>
-              </a:rPr>
-              <a:t>React</a:t>
-            </a:r>
-            <a:endParaRPr lang="fr-FR" sz="1200" kern="1200">
+            </a:br>
+            <a:endParaRPr lang="fr-FR" sz="1200" kern="1200" dirty="0">
               <a:solidFill>
                 <a:schemeClr val="tx1"/>
               </a:solidFill>
@@ -6424,7 +6481,7 @@
           </a:p>
           <a:p>
             <a:r>
-              <a:rPr lang="fr-FR" sz="1200" kern="1200">
+              <a:rPr lang="fr-FR" sz="1200" kern="1200" dirty="0">
                 <a:solidFill>
                   <a:schemeClr val="tx1"/>
                 </a:solidFill>
@@ -6433,12 +6490,68 @@
                 <a:ea typeface="+mn-ea"/>
                 <a:cs typeface="+mn-cs"/>
               </a:rPr>
+              <a:t>Gérer l'état du formulaire (20 – 25 mn)</a:t>
+            </a:r>
+          </a:p>
+          <a:p>
+            <a:r>
+              <a:rPr lang="fr-FR" sz="1200" kern="1200" dirty="0">
+                <a:solidFill>
+                  <a:schemeClr val="tx1"/>
+                </a:solidFill>
+                <a:effectLst/>
+                <a:latin typeface="+mn-lt"/>
+                <a:ea typeface="+mn-ea"/>
+                <a:cs typeface="+mn-cs"/>
+              </a:rPr>
+              <a:t> - création de l'état du formulaire</a:t>
+            </a:r>
+          </a:p>
+          <a:p>
+            <a:r>
+              <a:rPr lang="fr-FR" sz="1200" kern="1200" dirty="0">
+                <a:solidFill>
+                  <a:schemeClr val="tx1"/>
+                </a:solidFill>
+                <a:effectLst/>
+                <a:latin typeface="+mn-lt"/>
+                <a:ea typeface="+mn-ea"/>
+                <a:cs typeface="+mn-cs"/>
+              </a:rPr>
+              <a:t> - gestion des erreurs</a:t>
+            </a:r>
+          </a:p>
+          <a:p>
+            <a:r>
+              <a:rPr lang="fr-FR" sz="1200" kern="1200" dirty="0">
+                <a:solidFill>
+                  <a:schemeClr val="tx1"/>
+                </a:solidFill>
+                <a:effectLst/>
+                <a:latin typeface="+mn-lt"/>
+                <a:ea typeface="+mn-ea"/>
+                <a:cs typeface="+mn-cs"/>
+              </a:rPr>
+              <a:t> - Valider le formulaire</a:t>
+            </a:r>
+          </a:p>
+          <a:p>
+            <a:r>
+              <a:rPr lang="fr-FR" sz="1200" kern="1200" dirty="0">
+                <a:solidFill>
+                  <a:schemeClr val="tx1"/>
+                </a:solidFill>
+                <a:effectLst/>
+                <a:latin typeface="+mn-lt"/>
+                <a:ea typeface="+mn-ea"/>
+                <a:cs typeface="+mn-cs"/>
+              </a:rPr>
               <a:t> </a:t>
             </a:r>
           </a:p>
           <a:p>
             <a:r>
-              <a:rPr lang="fr-FR" sz="1200" kern="1200">
+              <a:rPr lang="fr-FR" sz="1200" kern="1200" dirty="0">
                 <a:solidFill>
                   <a:schemeClr val="tx1"/>
                 </a:solidFill>
@@ -6447,145 +6560,11 @@
                 <a:ea typeface="+mn-ea"/>
                 <a:cs typeface="+mn-cs"/>
               </a:rPr>
-              <a:t>Création d'un formulaire (20 - 25 mn)</a:t>
-            </a:r>
-          </a:p>
-          <a:p>
-            <a:r>
-              <a:rPr lang="fr-FR" sz="1200" kern="1200">
-                <a:solidFill>
-                  <a:schemeClr val="tx1"/>
-                </a:solidFill>
-                <a:effectLst/>
-                <a:latin typeface="+mn-lt"/>
-                <a:ea typeface="+mn-ea"/>
-                <a:cs typeface="+mn-cs"/>
-              </a:rPr>
-              <a:t> - Ajout des champs de formulaire</a:t>
-            </a:r>
-          </a:p>
-          <a:p>
-            <a:r>
-              <a:rPr lang="fr-FR" sz="1200" kern="1200">
-                <a:solidFill>
-                  <a:schemeClr val="tx1"/>
-                </a:solidFill>
-                <a:effectLst/>
-                <a:latin typeface="+mn-lt"/>
-                <a:ea typeface="+mn-ea"/>
-                <a:cs typeface="+mn-cs"/>
-              </a:rPr>
-              <a:t> - Ajout du bouton de validation</a:t>
-            </a:r>
-          </a:p>
-          <a:p>
-            <a:br>
-              <a:rPr lang="fr-FR" sz="1200" kern="1200">
-                <a:solidFill>
-                  <a:schemeClr val="tx1"/>
-                </a:solidFill>
-                <a:effectLst/>
-                <a:latin typeface="+mn-lt"/>
-                <a:ea typeface="+mn-ea"/>
-                <a:cs typeface="+mn-cs"/>
-              </a:rPr>
-            </a:br>
-            <a:endParaRPr lang="fr-FR" sz="1200" kern="1200">
-              <a:solidFill>
-                <a:schemeClr val="tx1"/>
-              </a:solidFill>
-              <a:effectLst/>
-              <a:latin typeface="+mn-lt"/>
-              <a:ea typeface="+mn-ea"/>
-              <a:cs typeface="+mn-cs"/>
-            </a:endParaRPr>
-          </a:p>
-          <a:p>
-            <a:r>
-              <a:rPr lang="fr-FR" sz="1200" kern="1200">
-                <a:solidFill>
-                  <a:schemeClr val="tx1"/>
-                </a:solidFill>
-                <a:effectLst/>
-                <a:latin typeface="+mn-lt"/>
-                <a:ea typeface="+mn-ea"/>
-                <a:cs typeface="+mn-cs"/>
-              </a:rPr>
-              <a:t>Gérer l'état du formulaire (20 – 25 mn)</a:t>
-            </a:r>
-          </a:p>
-          <a:p>
-            <a:r>
-              <a:rPr lang="fr-FR" sz="1200" kern="1200">
-                <a:solidFill>
-                  <a:schemeClr val="tx1"/>
-                </a:solidFill>
-                <a:effectLst/>
-                <a:latin typeface="+mn-lt"/>
-                <a:ea typeface="+mn-ea"/>
-                <a:cs typeface="+mn-cs"/>
-              </a:rPr>
-              <a:t> - création de l'état du formulaire</a:t>
-            </a:r>
-          </a:p>
-          <a:p>
-            <a:r>
-              <a:rPr lang="fr-FR" sz="1200" kern="1200">
-                <a:solidFill>
-                  <a:schemeClr val="tx1"/>
-                </a:solidFill>
-                <a:effectLst/>
-                <a:latin typeface="+mn-lt"/>
-                <a:ea typeface="+mn-ea"/>
-                <a:cs typeface="+mn-cs"/>
-              </a:rPr>
-              <a:t> - gestion des erreurs</a:t>
-            </a:r>
-          </a:p>
-          <a:p>
-            <a:r>
-              <a:rPr lang="fr-FR" sz="1200" kern="1200">
-                <a:solidFill>
-                  <a:schemeClr val="tx1"/>
-                </a:solidFill>
-                <a:effectLst/>
-                <a:latin typeface="+mn-lt"/>
-                <a:ea typeface="+mn-ea"/>
-                <a:cs typeface="+mn-cs"/>
-              </a:rPr>
-              <a:t> - Valider le formulaire</a:t>
-            </a:r>
-          </a:p>
-          <a:p>
-            <a:r>
-              <a:rPr lang="fr-FR" sz="1200" kern="1200">
-                <a:solidFill>
-                  <a:schemeClr val="tx1"/>
-                </a:solidFill>
-                <a:effectLst/>
-                <a:latin typeface="+mn-lt"/>
-                <a:ea typeface="+mn-ea"/>
-                <a:cs typeface="+mn-cs"/>
-              </a:rPr>
-              <a:t> </a:t>
-            </a:r>
-          </a:p>
-          <a:p>
-            <a:r>
-              <a:rPr lang="fr-FR" sz="1200" kern="1200">
-                <a:solidFill>
-                  <a:schemeClr val="tx1"/>
-                </a:solidFill>
-                <a:effectLst/>
-                <a:latin typeface="+mn-lt"/>
-                <a:ea typeface="+mn-ea"/>
-                <a:cs typeface="+mn-cs"/>
-              </a:rPr>
               <a:t>Conclusion / feedbacks (10 – 15 mn)</a:t>
             </a:r>
           </a:p>
           <a:p>
-            <a:endParaRPr lang="en-US">
+            <a:endParaRPr lang="en-US" dirty="0">
               <a:latin typeface="Century Gothic" pitchFamily="34" charset="0"/>
             </a:endParaRPr>
           </a:p>
@@ -6920,7 +6899,7 @@
           <a:p>
             <a:fld id="{3CD8DA6A-E332-4F44-A7D2-8F4CF34CC12E}" type="datetime1">
               <a:rPr lang="fr-FR" smtClean="0"/>
-              <a:t>15/11/2020</a:t>
+              <a:t>16/11/2020</a:t>
             </a:fld>
             <a:endParaRPr lang="fr-FR"/>
           </a:p>
@@ -7088,7 +7067,7 @@
           <a:p>
             <a:fld id="{65496462-926F-4E67-AAAE-B88F0984169C}" type="datetime1">
               <a:rPr lang="fr-FR" smtClean="0"/>
-              <a:t>15/11/2020</a:t>
+              <a:t>16/11/2020</a:t>
             </a:fld>
             <a:endParaRPr lang="fr-FR"/>
           </a:p>
@@ -7243,7 +7222,7 @@
           <a:p>
             <a:fld id="{4506E9E2-0E89-4306-8ECC-CBA3342BD3BE}" type="datetime1">
               <a:rPr lang="fr-FR" smtClean="0"/>
-              <a:t>15/11/2020</a:t>
+              <a:t>16/11/2020</a:t>
             </a:fld>
             <a:endParaRPr lang="fr-FR"/>
           </a:p>
@@ -7612,7 +7591,7 @@
           <a:p>
             <a:fld id="{4525823E-EEC5-4AE7-8806-5ED413759703}" type="datetime1">
               <a:rPr lang="fr-FR" noProof="0" smtClean="0"/>
-              <a:t>15/11/2020</a:t>
+              <a:t>16/11/2020</a:t>
             </a:fld>
             <a:endParaRPr lang="fr-FR" noProof="0"/>
           </a:p>
@@ -7963,7 +7942,7 @@
           <a:p>
             <a:fld id="{5D3C99ED-186C-460B-B8FA-3099305AE68E}" type="datetime1">
               <a:rPr lang="fr-FR" smtClean="0"/>
-              <a:t>15/11/2020</a:t>
+              <a:t>16/11/2020</a:t>
             </a:fld>
             <a:endParaRPr lang="fr-FR"/>
           </a:p>
@@ -8169,7 +8148,7 @@
           <a:p>
             <a:fld id="{516E6981-5710-4BB6-84F1-DBCF841A5299}" type="datetime1">
               <a:rPr lang="fr-FR" smtClean="0"/>
-              <a:t>15/11/2020</a:t>
+              <a:t>16/11/2020</a:t>
             </a:fld>
             <a:endParaRPr lang="fr-FR"/>
           </a:p>
@@ -8510,7 +8489,7 @@
           <a:p>
             <a:fld id="{F16842B7-5BE0-42D3-A68E-4B9C958A16BA}" type="datetime1">
               <a:rPr lang="fr-FR" smtClean="0"/>
-              <a:t>15/11/2020</a:t>
+              <a:t>16/11/2020</a:t>
             </a:fld>
             <a:endParaRPr lang="fr-FR"/>
           </a:p>
@@ -8604,7 +8583,7 @@
           <a:p>
             <a:fld id="{4F651A2D-4434-45A5-975D-22BC481F14E4}" type="datetime1">
               <a:rPr lang="fr-FR" smtClean="0"/>
-              <a:t>15/11/2020</a:t>
+              <a:t>16/11/2020</a:t>
             </a:fld>
             <a:endParaRPr lang="fr-FR"/>
           </a:p>
@@ -8676,7 +8655,7 @@
           <a:p>
             <a:fld id="{388C0F5D-A627-4FC2-B3B9-0D7E690BC359}" type="datetime1">
               <a:rPr lang="fr-FR" smtClean="0"/>
-              <a:t>15/11/2020</a:t>
+              <a:t>16/11/2020</a:t>
             </a:fld>
             <a:endParaRPr lang="fr-FR"/>
           </a:p>
@@ -8928,7 +8907,7 @@
           <a:p>
             <a:fld id="{CCC28D6C-0D7C-4702-B4D9-18463E1D1007}" type="datetime1">
               <a:rPr lang="fr-FR" smtClean="0"/>
-              <a:t>15/11/2020</a:t>
+              <a:t>16/11/2020</a:t>
             </a:fld>
             <a:endParaRPr lang="fr-FR"/>
           </a:p>
@@ -9180,7 +9159,7 @@
           <a:p>
             <a:fld id="{E8BBF2F9-5F60-437C-BC45-B249DFB82E00}" type="datetime1">
               <a:rPr lang="fr-FR" smtClean="0"/>
-              <a:t>15/11/2020</a:t>
+              <a:t>16/11/2020</a:t>
             </a:fld>
             <a:endParaRPr lang="fr-FR"/>
           </a:p>
@@ -9368,7 +9347,7 @@
           <a:p>
             <a:fld id="{CCAF7043-D15A-4604-BA10-86076BDB4698}" type="datetime1">
               <a:rPr lang="fr-FR" smtClean="0"/>
-              <a:t>15/11/2020</a:t>
+              <a:t>16/11/2020</a:t>
             </a:fld>
             <a:endParaRPr lang="fr-FR"/>
           </a:p>
@@ -12094,8 +12073,8 @@
         </p:nvSpPr>
         <p:spPr>
           <a:xfrm>
-            <a:off x="8192959" y="2832864"/>
-            <a:ext cx="1997249" cy="723495"/>
+            <a:off x="8127123" y="2666013"/>
+            <a:ext cx="4064877" cy="828802"/>
           </a:xfrm>
           <a:prstGeom prst="rect">
             <a:avLst/>
@@ -12103,7 +12082,7 @@
         </p:spPr>
         <p:txBody>
           <a:bodyPr vert="horz" lIns="91440" tIns="45720" rIns="91440" bIns="45720" rtlCol="0">
-            <a:normAutofit lnSpcReduction="10000"/>
+            <a:normAutofit/>
           </a:bodyPr>
           <a:lstStyle>
             <a:lvl1pPr marL="228600" indent="-228600" algn="l" defTabSz="914400" rtl="0" eaLnBrk="1" latinLnBrk="0" hangingPunct="1">
@@ -12276,20 +12255,42 @@
             </a:pPr>
             <a:r>
               <a:rPr lang="fr-FR" sz="2400" b="1" dirty="0" err="1"/>
-              <a:t>Authorization</a:t>
+              <a:t>OpenID</a:t>
             </a:r>
             <a:r>
               <a:rPr lang="fr-FR" sz="2400" b="1" dirty="0"/>
-              <a:t> </a:t>
+              <a:t> Server </a:t>
             </a:r>
             <a:br>
               <a:rPr lang="fr-FR" sz="2400" b="1" dirty="0"/>
             </a:br>
             <a:r>
-              <a:rPr lang="fr-FR" sz="2400" b="1" dirty="0"/>
-              <a:t>Server</a:t>
-            </a:r>
-            <a:endParaRPr lang="fr-FR" sz="2400" dirty="0"/>
+              <a:rPr lang="fr-FR" sz="2400" b="1" dirty="0" err="1">
+                <a:solidFill>
+                  <a:schemeClr val="bg1">
+                    <a:lumMod val="65000"/>
+                  </a:schemeClr>
+                </a:solidFill>
+              </a:rPr>
+              <a:t>Authorization</a:t>
+            </a:r>
+            <a:r>
+              <a:rPr lang="fr-FR" sz="2400" b="1" dirty="0">
+                <a:solidFill>
+                  <a:schemeClr val="bg1">
+                    <a:lumMod val="65000"/>
+                  </a:schemeClr>
+                </a:solidFill>
+              </a:rPr>
+              <a:t> + Identification</a:t>
+            </a:r>
+            <a:endParaRPr lang="fr-FR" sz="2400" dirty="0">
+              <a:solidFill>
+                <a:schemeClr val="bg1">
+                  <a:lumMod val="65000"/>
+                </a:schemeClr>
+              </a:solidFill>
+            </a:endParaRPr>
           </a:p>
         </p:txBody>
       </p:sp>
@@ -13042,7 +13043,7 @@
         </p:nvSpPr>
         <p:spPr>
           <a:xfrm>
-            <a:off x="8126406" y="3431823"/>
+            <a:off x="8946953" y="3374500"/>
             <a:ext cx="2425216" cy="400110"/>
           </a:xfrm>
           <a:prstGeom prst="rect">
@@ -13181,7 +13182,7 @@
         </p:nvSpPr>
         <p:spPr>
           <a:xfrm>
-            <a:off x="3631901" y="1719067"/>
+            <a:off x="2930697" y="1894511"/>
             <a:ext cx="1729577" cy="1015663"/>
           </a:xfrm>
           <a:prstGeom prst="rect">
@@ -13261,7 +13262,7 @@
         </p:nvSpPr>
         <p:spPr>
           <a:xfrm>
-            <a:off x="2987590" y="2825279"/>
+            <a:off x="2993391" y="3140131"/>
             <a:ext cx="1006238" cy="400110"/>
           </a:xfrm>
           <a:prstGeom prst="rect">
@@ -14246,8 +14247,8 @@
         </p:nvSpPr>
         <p:spPr>
           <a:xfrm>
-            <a:off x="86627" y="0"/>
-            <a:ext cx="12031579" cy="1019225"/>
+            <a:off x="838200" y="0"/>
+            <a:ext cx="11280006" cy="1019225"/>
           </a:xfrm>
         </p:spPr>
         <p:txBody>
@@ -14256,12 +14257,234 @@
           </a:bodyPr>
           <a:lstStyle/>
           <a:p>
-            <a:pPr algn="ctr"/>
             <a:r>
               <a:rPr lang="en-US" dirty="0"/>
-              <a:t>OpenID connect lets you make federation</a:t>
+              <a:t>OpenID connect</a:t>
             </a:r>
             <a:endParaRPr lang="fr-FR" dirty="0"/>
+          </a:p>
+        </p:txBody>
+      </p:sp>
+      <p:sp>
+        <p:nvSpPr>
+          <p:cNvPr id="30" name="Espace réservé du contenu 2">
+            <a:extLst>
+              <a:ext uri="{FF2B5EF4-FFF2-40B4-BE49-F238E27FC236}">
+                <a16:creationId xmlns:a16="http://schemas.microsoft.com/office/drawing/2014/main" id="{E304D2F4-1076-4918-A02D-3C4B35976D3E}"/>
+              </a:ext>
+            </a:extLst>
+          </p:cNvPr>
+          <p:cNvSpPr txBox="1">
+            <a:spLocks/>
+          </p:cNvSpPr>
+          <p:nvPr/>
+        </p:nvSpPr>
+        <p:spPr>
+          <a:xfrm>
+            <a:off x="6261582" y="509393"/>
+            <a:ext cx="4534108" cy="919396"/>
+          </a:xfrm>
+          <a:prstGeom prst="rect">
+            <a:avLst/>
+          </a:prstGeom>
+        </p:spPr>
+        <p:txBody>
+          <a:bodyPr vert="horz" lIns="91440" tIns="45720" rIns="91440" bIns="45720" rtlCol="0">
+            <a:normAutofit/>
+          </a:bodyPr>
+          <a:lstStyle>
+            <a:lvl1pPr marL="228600" indent="-228600" algn="l" defTabSz="914400" rtl="0" eaLnBrk="1" latinLnBrk="0" hangingPunct="1">
+              <a:lnSpc>
+                <a:spcPct val="90000"/>
+              </a:lnSpc>
+              <a:spcBef>
+                <a:spcPts val="1000"/>
+              </a:spcBef>
+              <a:buFont typeface="Arial" panose="020B0604020202020204" pitchFamily="34" charset="0"/>
+              <a:buChar char="•"/>
+              <a:defRPr sz="2800" kern="1200">
+                <a:solidFill>
+                  <a:schemeClr val="tx1"/>
+                </a:solidFill>
+                <a:latin typeface="+mn-lt"/>
+                <a:ea typeface="+mn-ea"/>
+                <a:cs typeface="+mn-cs"/>
+              </a:defRPr>
+            </a:lvl1pPr>
+            <a:lvl2pPr marL="685800" indent="-228600" algn="l" defTabSz="914400" rtl="0" eaLnBrk="1" latinLnBrk="0" hangingPunct="1">
+              <a:lnSpc>
+                <a:spcPct val="90000"/>
+              </a:lnSpc>
+              <a:spcBef>
+                <a:spcPts val="500"/>
+              </a:spcBef>
+              <a:buFont typeface="Arial" panose="020B0604020202020204" pitchFamily="34" charset="0"/>
+              <a:buChar char="•"/>
+              <a:defRPr sz="2400" kern="1200">
+                <a:solidFill>
+                  <a:schemeClr val="tx1"/>
+                </a:solidFill>
+                <a:latin typeface="+mn-lt"/>
+                <a:ea typeface="+mn-ea"/>
+                <a:cs typeface="+mn-cs"/>
+              </a:defRPr>
+            </a:lvl2pPr>
+            <a:lvl3pPr marL="1143000" indent="-228600" algn="l" defTabSz="914400" rtl="0" eaLnBrk="1" latinLnBrk="0" hangingPunct="1">
+              <a:lnSpc>
+                <a:spcPct val="90000"/>
+              </a:lnSpc>
+              <a:spcBef>
+                <a:spcPts val="500"/>
+              </a:spcBef>
+              <a:buFont typeface="Arial" panose="020B0604020202020204" pitchFamily="34" charset="0"/>
+              <a:buChar char="•"/>
+              <a:defRPr sz="2000" kern="1200">
+                <a:solidFill>
+                  <a:schemeClr val="tx1"/>
+                </a:solidFill>
+                <a:latin typeface="+mn-lt"/>
+                <a:ea typeface="+mn-ea"/>
+                <a:cs typeface="+mn-cs"/>
+              </a:defRPr>
+            </a:lvl3pPr>
+            <a:lvl4pPr marL="1600200" indent="-228600" algn="l" defTabSz="914400" rtl="0" eaLnBrk="1" latinLnBrk="0" hangingPunct="1">
+              <a:lnSpc>
+                <a:spcPct val="90000"/>
+              </a:lnSpc>
+              <a:spcBef>
+                <a:spcPts val="500"/>
+              </a:spcBef>
+              <a:buFont typeface="Arial" panose="020B0604020202020204" pitchFamily="34" charset="0"/>
+              <a:buChar char="•"/>
+              <a:defRPr sz="1800" kern="1200">
+                <a:solidFill>
+                  <a:schemeClr val="tx1"/>
+                </a:solidFill>
+                <a:latin typeface="+mn-lt"/>
+                <a:ea typeface="+mn-ea"/>
+                <a:cs typeface="+mn-cs"/>
+              </a:defRPr>
+            </a:lvl4pPr>
+            <a:lvl5pPr marL="2057400" indent="-228600" algn="l" defTabSz="914400" rtl="0" eaLnBrk="1" latinLnBrk="0" hangingPunct="1">
+              <a:lnSpc>
+                <a:spcPct val="90000"/>
+              </a:lnSpc>
+              <a:spcBef>
+                <a:spcPts val="500"/>
+              </a:spcBef>
+              <a:buFont typeface="Arial" panose="020B0604020202020204" pitchFamily="34" charset="0"/>
+              <a:buChar char="•"/>
+              <a:defRPr sz="1800" kern="1200">
+                <a:solidFill>
+                  <a:schemeClr val="tx1"/>
+                </a:solidFill>
+                <a:latin typeface="+mn-lt"/>
+                <a:ea typeface="+mn-ea"/>
+                <a:cs typeface="+mn-cs"/>
+              </a:defRPr>
+            </a:lvl5pPr>
+            <a:lvl6pPr marL="2514600" indent="-228600" algn="l" defTabSz="914400" rtl="0" eaLnBrk="1" latinLnBrk="0" hangingPunct="1">
+              <a:lnSpc>
+                <a:spcPct val="90000"/>
+              </a:lnSpc>
+              <a:spcBef>
+                <a:spcPts val="500"/>
+              </a:spcBef>
+              <a:buFont typeface="Arial" panose="020B0604020202020204" pitchFamily="34" charset="0"/>
+              <a:buChar char="•"/>
+              <a:defRPr sz="1800" kern="1200">
+                <a:solidFill>
+                  <a:schemeClr val="tx1"/>
+                </a:solidFill>
+                <a:latin typeface="+mn-lt"/>
+                <a:ea typeface="+mn-ea"/>
+                <a:cs typeface="+mn-cs"/>
+              </a:defRPr>
+            </a:lvl6pPr>
+            <a:lvl7pPr marL="2971800" indent="-228600" algn="l" defTabSz="914400" rtl="0" eaLnBrk="1" latinLnBrk="0" hangingPunct="1">
+              <a:lnSpc>
+                <a:spcPct val="90000"/>
+              </a:lnSpc>
+              <a:spcBef>
+                <a:spcPts val="500"/>
+              </a:spcBef>
+              <a:buFont typeface="Arial" panose="020B0604020202020204" pitchFamily="34" charset="0"/>
+              <a:buChar char="•"/>
+              <a:defRPr sz="1800" kern="1200">
+                <a:solidFill>
+                  <a:schemeClr val="tx1"/>
+                </a:solidFill>
+                <a:latin typeface="+mn-lt"/>
+                <a:ea typeface="+mn-ea"/>
+                <a:cs typeface="+mn-cs"/>
+              </a:defRPr>
+            </a:lvl7pPr>
+            <a:lvl8pPr marL="3429000" indent="-228600" algn="l" defTabSz="914400" rtl="0" eaLnBrk="1" latinLnBrk="0" hangingPunct="1">
+              <a:lnSpc>
+                <a:spcPct val="90000"/>
+              </a:lnSpc>
+              <a:spcBef>
+                <a:spcPts val="500"/>
+              </a:spcBef>
+              <a:buFont typeface="Arial" panose="020B0604020202020204" pitchFamily="34" charset="0"/>
+              <a:buChar char="•"/>
+              <a:defRPr sz="1800" kern="1200">
+                <a:solidFill>
+                  <a:schemeClr val="tx1"/>
+                </a:solidFill>
+                <a:latin typeface="+mn-lt"/>
+                <a:ea typeface="+mn-ea"/>
+                <a:cs typeface="+mn-cs"/>
+              </a:defRPr>
+            </a:lvl8pPr>
+            <a:lvl9pPr marL="3886200" indent="-228600" algn="l" defTabSz="914400" rtl="0" eaLnBrk="1" latinLnBrk="0" hangingPunct="1">
+              <a:lnSpc>
+                <a:spcPct val="90000"/>
+              </a:lnSpc>
+              <a:spcBef>
+                <a:spcPts val="500"/>
+              </a:spcBef>
+              <a:buFont typeface="Arial" panose="020B0604020202020204" pitchFamily="34" charset="0"/>
+              <a:buChar char="•"/>
+              <a:defRPr sz="1800" kern="1200">
+                <a:solidFill>
+                  <a:schemeClr val="tx1"/>
+                </a:solidFill>
+                <a:latin typeface="+mn-lt"/>
+                <a:ea typeface="+mn-ea"/>
+                <a:cs typeface="+mn-cs"/>
+              </a:defRPr>
+            </a:lvl9pPr>
+          </a:lstStyle>
+          <a:p>
+            <a:pPr marL="0" indent="0" algn="ctr">
+              <a:buFont typeface="Arial" panose="020B0604020202020204" pitchFamily="34" charset="0"/>
+              <a:buNone/>
+            </a:pPr>
+            <a:r>
+              <a:rPr lang="fr-FR" sz="2400" b="1" dirty="0"/>
+              <a:t>Login Server </a:t>
+            </a:r>
+            <a:br>
+              <a:rPr lang="fr-FR" sz="2400" b="1" dirty="0"/>
+            </a:br>
+            <a:r>
+              <a:rPr lang="fr-FR" sz="2400" b="1" dirty="0">
+                <a:solidFill>
+                  <a:schemeClr val="bg1">
+                    <a:lumMod val="65000"/>
+                  </a:schemeClr>
+                </a:solidFill>
+              </a:rPr>
+              <a:t>Identification + Authentification</a:t>
+            </a:r>
+            <a:endParaRPr lang="fr-FR" sz="2400" dirty="0">
+              <a:solidFill>
+                <a:schemeClr val="bg1">
+                  <a:lumMod val="65000"/>
+                </a:schemeClr>
+              </a:solidFill>
+            </a:endParaRPr>
           </a:p>
         </p:txBody>
       </p:sp>
@@ -14916,8 +15139,8 @@
         </p:nvSpPr>
         <p:spPr>
           <a:xfrm>
-            <a:off x="6785987" y="1027865"/>
-            <a:ext cx="1997249" cy="723495"/>
+            <a:off x="7654380" y="2570832"/>
+            <a:ext cx="2455096" cy="459977"/>
           </a:xfrm>
           <a:prstGeom prst="rect">
             <a:avLst/>
@@ -14925,7 +15148,7 @@
         </p:spPr>
         <p:txBody>
           <a:bodyPr vert="horz" lIns="91440" tIns="45720" rIns="91440" bIns="45720" rtlCol="0">
-            <a:normAutofit lnSpcReduction="10000"/>
+            <a:normAutofit/>
           </a:bodyPr>
           <a:lstStyle>
             <a:lvl1pPr marL="228600" indent="-228600" algn="l" defTabSz="914400" rtl="0" eaLnBrk="1" latinLnBrk="0" hangingPunct="1">
@@ -15098,18 +15321,11 @@
             </a:pPr>
             <a:r>
               <a:rPr lang="fr-FR" sz="2400" b="1" dirty="0" err="1"/>
-              <a:t>Authorization</a:t>
+              <a:t>OpenID</a:t>
             </a:r>
             <a:r>
               <a:rPr lang="fr-FR" sz="2400" b="1" dirty="0"/>
-              <a:t> </a:t>
-            </a:r>
-            <a:br>
-              <a:rPr lang="fr-FR" sz="2400" b="1" dirty="0"/>
-            </a:br>
-            <a:r>
-              <a:rPr lang="fr-FR" sz="2400" b="1" dirty="0"/>
-              <a:t>Server</a:t>
+              <a:t> Server</a:t>
             </a:r>
             <a:endParaRPr lang="fr-FR" sz="2400" dirty="0"/>
           </a:p>
@@ -16157,7 +16373,7 @@
         </p:nvSpPr>
         <p:spPr>
           <a:xfrm>
-            <a:off x="6646165" y="1570952"/>
+            <a:off x="7987106" y="2874971"/>
             <a:ext cx="2455096" cy="400110"/>
           </a:xfrm>
           <a:prstGeom prst="rect">
@@ -16417,6 +16633,395 @@
             <a:endParaRPr lang="fr-FR" sz="2400" dirty="0">
               <a:solidFill>
                 <a:schemeClr val="accent2">
+                  <a:lumMod val="75000"/>
+                </a:schemeClr>
+              </a:solidFill>
+            </a:endParaRPr>
+          </a:p>
+        </p:txBody>
+      </p:sp>
+      <p:pic>
+        <p:nvPicPr>
+          <p:cNvPr id="38" name="Picture 4" descr="Résultat de recherche d'images pour &quot;image serveur&quot;">
+            <a:extLst>
+              <a:ext uri="{FF2B5EF4-FFF2-40B4-BE49-F238E27FC236}">
+                <a16:creationId xmlns:a16="http://schemas.microsoft.com/office/drawing/2014/main" id="{9DD549BD-DB8A-4386-A216-914004A03E53}"/>
+              </a:ext>
+            </a:extLst>
+          </p:cNvPr>
+          <p:cNvPicPr>
+            <a:picLocks noChangeAspect="1" noChangeArrowheads="1"/>
+          </p:cNvPicPr>
+          <p:nvPr/>
+        </p:nvPicPr>
+        <p:blipFill rotWithShape="1">
+          <a:blip r:embed="rId3">
+            <a:extLst>
+              <a:ext uri="{28A0092B-C50C-407E-A947-70E740481C1C}">
+                <a14:useLocalDpi xmlns:a14="http://schemas.microsoft.com/office/drawing/2010/main" val="0"/>
+              </a:ext>
+            </a:extLst>
+          </a:blip>
+          <a:srcRect l="19856" r="18466"/>
+          <a:stretch/>
+        </p:blipFill>
+        <p:spPr bwMode="auto">
+          <a:xfrm>
+            <a:off x="7518186" y="1211861"/>
+            <a:ext cx="275785" cy="447140"/>
+          </a:xfrm>
+          <a:prstGeom prst="rect">
+            <a:avLst/>
+          </a:prstGeom>
+          <a:noFill/>
+          <a:extLst>
+            <a:ext uri="{909E8E84-426E-40DD-AFC4-6F175D3DCCD1}">
+              <a14:hiddenFill xmlns:a14="http://schemas.microsoft.com/office/drawing/2010/main">
+                <a:solidFill>
+                  <a:srgbClr val="FFFFFF"/>
+                </a:solidFill>
+              </a14:hiddenFill>
+            </a:ext>
+          </a:extLst>
+        </p:spPr>
+      </p:pic>
+      <p:cxnSp>
+        <p:nvCxnSpPr>
+          <p:cNvPr id="40" name="Connecteur droit 39">
+            <a:extLst>
+              <a:ext uri="{FF2B5EF4-FFF2-40B4-BE49-F238E27FC236}">
+                <a16:creationId xmlns:a16="http://schemas.microsoft.com/office/drawing/2014/main" id="{1AD1F2DE-01CA-4A22-945E-C223123CD133}"/>
+              </a:ext>
+            </a:extLst>
+          </p:cNvPr>
+          <p:cNvCxnSpPr>
+            <a:cxnSpLocks/>
+            <a:stCxn id="7" idx="0"/>
+            <a:endCxn id="38" idx="2"/>
+          </p:cNvCxnSpPr>
+          <p:nvPr/>
+        </p:nvCxnSpPr>
+        <p:spPr>
+          <a:xfrm flipH="1" flipV="1">
+            <a:off x="7656079" y="1659001"/>
+            <a:ext cx="96614" cy="312061"/>
+          </a:xfrm>
+          <a:prstGeom prst="line">
+            <a:avLst/>
+          </a:prstGeom>
+          <a:ln w="50800">
+            <a:solidFill>
+              <a:srgbClr val="7030A0"/>
+            </a:solidFill>
+            <a:prstDash val="sysDash"/>
+            <a:headEnd type="oval"/>
+            <a:tailEnd type="oval"/>
+          </a:ln>
+        </p:spPr>
+        <p:style>
+          <a:lnRef idx="1">
+            <a:schemeClr val="accent1"/>
+          </a:lnRef>
+          <a:fillRef idx="0">
+            <a:schemeClr val="accent1"/>
+          </a:fillRef>
+          <a:effectRef idx="0">
+            <a:schemeClr val="accent1"/>
+          </a:effectRef>
+          <a:fontRef idx="minor">
+            <a:schemeClr val="tx1"/>
+          </a:fontRef>
+        </p:style>
+      </p:cxnSp>
+      <p:cxnSp>
+        <p:nvCxnSpPr>
+          <p:cNvPr id="41" name="Connecteur droit 40">
+            <a:extLst>
+              <a:ext uri="{FF2B5EF4-FFF2-40B4-BE49-F238E27FC236}">
+                <a16:creationId xmlns:a16="http://schemas.microsoft.com/office/drawing/2014/main" id="{3FC8BDD9-C7E1-4CBE-8486-B14DC88BC1ED}"/>
+              </a:ext>
+            </a:extLst>
+          </p:cNvPr>
+          <p:cNvCxnSpPr>
+            <a:cxnSpLocks/>
+            <a:stCxn id="38" idx="1"/>
+            <a:endCxn id="17" idx="3"/>
+          </p:cNvCxnSpPr>
+          <p:nvPr/>
+        </p:nvCxnSpPr>
+        <p:spPr>
+          <a:xfrm flipH="1">
+            <a:off x="5407135" y="1435431"/>
+            <a:ext cx="2111051" cy="2078593"/>
+          </a:xfrm>
+          <a:prstGeom prst="line">
+            <a:avLst/>
+          </a:prstGeom>
+          <a:ln w="50800">
+            <a:headEnd type="oval"/>
+            <a:tailEnd type="oval"/>
+          </a:ln>
+        </p:spPr>
+        <p:style>
+          <a:lnRef idx="1">
+            <a:schemeClr val="accent1"/>
+          </a:lnRef>
+          <a:fillRef idx="0">
+            <a:schemeClr val="accent1"/>
+          </a:fillRef>
+          <a:effectRef idx="0">
+            <a:schemeClr val="accent1"/>
+          </a:effectRef>
+          <a:fontRef idx="minor">
+            <a:schemeClr val="tx1"/>
+          </a:fontRef>
+        </p:style>
+      </p:cxnSp>
+      <p:sp>
+        <p:nvSpPr>
+          <p:cNvPr id="42" name="Espace réservé du contenu 2">
+            <a:extLst>
+              <a:ext uri="{FF2B5EF4-FFF2-40B4-BE49-F238E27FC236}">
+                <a16:creationId xmlns:a16="http://schemas.microsoft.com/office/drawing/2014/main" id="{181F7B5E-EBE4-47C9-AADC-7543DA68B737}"/>
+              </a:ext>
+            </a:extLst>
+          </p:cNvPr>
+          <p:cNvSpPr txBox="1">
+            <a:spLocks/>
+          </p:cNvSpPr>
+          <p:nvPr/>
+        </p:nvSpPr>
+        <p:spPr>
+          <a:xfrm>
+            <a:off x="7716085" y="779745"/>
+            <a:ext cx="1997249" cy="420804"/>
+          </a:xfrm>
+          <a:prstGeom prst="rect">
+            <a:avLst/>
+          </a:prstGeom>
+        </p:spPr>
+        <p:txBody>
+          <a:bodyPr vert="horz" lIns="91440" tIns="45720" rIns="91440" bIns="45720" rtlCol="0">
+            <a:normAutofit/>
+          </a:bodyPr>
+          <a:lstStyle>
+            <a:lvl1pPr marL="228600" indent="-228600" algn="l" defTabSz="914400" rtl="0" eaLnBrk="1" latinLnBrk="0" hangingPunct="1">
+              <a:lnSpc>
+                <a:spcPct val="90000"/>
+              </a:lnSpc>
+              <a:spcBef>
+                <a:spcPts val="1000"/>
+              </a:spcBef>
+              <a:buFont typeface="Arial" panose="020B0604020202020204" pitchFamily="34" charset="0"/>
+              <a:buChar char="•"/>
+              <a:defRPr sz="2800" kern="1200">
+                <a:solidFill>
+                  <a:schemeClr val="tx1"/>
+                </a:solidFill>
+                <a:latin typeface="+mn-lt"/>
+                <a:ea typeface="+mn-ea"/>
+                <a:cs typeface="+mn-cs"/>
+              </a:defRPr>
+            </a:lvl1pPr>
+            <a:lvl2pPr marL="685800" indent="-228600" algn="l" defTabSz="914400" rtl="0" eaLnBrk="1" latinLnBrk="0" hangingPunct="1">
+              <a:lnSpc>
+                <a:spcPct val="90000"/>
+              </a:lnSpc>
+              <a:spcBef>
+                <a:spcPts val="500"/>
+              </a:spcBef>
+              <a:buFont typeface="Arial" panose="020B0604020202020204" pitchFamily="34" charset="0"/>
+              <a:buChar char="•"/>
+              <a:defRPr sz="2400" kern="1200">
+                <a:solidFill>
+                  <a:schemeClr val="tx1"/>
+                </a:solidFill>
+                <a:latin typeface="+mn-lt"/>
+                <a:ea typeface="+mn-ea"/>
+                <a:cs typeface="+mn-cs"/>
+              </a:defRPr>
+            </a:lvl2pPr>
+            <a:lvl3pPr marL="1143000" indent="-228600" algn="l" defTabSz="914400" rtl="0" eaLnBrk="1" latinLnBrk="0" hangingPunct="1">
+              <a:lnSpc>
+                <a:spcPct val="90000"/>
+              </a:lnSpc>
+              <a:spcBef>
+                <a:spcPts val="500"/>
+              </a:spcBef>
+              <a:buFont typeface="Arial" panose="020B0604020202020204" pitchFamily="34" charset="0"/>
+              <a:buChar char="•"/>
+              <a:defRPr sz="2000" kern="1200">
+                <a:solidFill>
+                  <a:schemeClr val="tx1"/>
+                </a:solidFill>
+                <a:latin typeface="+mn-lt"/>
+                <a:ea typeface="+mn-ea"/>
+                <a:cs typeface="+mn-cs"/>
+              </a:defRPr>
+            </a:lvl3pPr>
+            <a:lvl4pPr marL="1600200" indent="-228600" algn="l" defTabSz="914400" rtl="0" eaLnBrk="1" latinLnBrk="0" hangingPunct="1">
+              <a:lnSpc>
+                <a:spcPct val="90000"/>
+              </a:lnSpc>
+              <a:spcBef>
+                <a:spcPts val="500"/>
+              </a:spcBef>
+              <a:buFont typeface="Arial" panose="020B0604020202020204" pitchFamily="34" charset="0"/>
+              <a:buChar char="•"/>
+              <a:defRPr sz="1800" kern="1200">
+                <a:solidFill>
+                  <a:schemeClr val="tx1"/>
+                </a:solidFill>
+                <a:latin typeface="+mn-lt"/>
+                <a:ea typeface="+mn-ea"/>
+                <a:cs typeface="+mn-cs"/>
+              </a:defRPr>
+            </a:lvl4pPr>
+            <a:lvl5pPr marL="2057400" indent="-228600" algn="l" defTabSz="914400" rtl="0" eaLnBrk="1" latinLnBrk="0" hangingPunct="1">
+              <a:lnSpc>
+                <a:spcPct val="90000"/>
+              </a:lnSpc>
+              <a:spcBef>
+                <a:spcPts val="500"/>
+              </a:spcBef>
+              <a:buFont typeface="Arial" panose="020B0604020202020204" pitchFamily="34" charset="0"/>
+              <a:buChar char="•"/>
+              <a:defRPr sz="1800" kern="1200">
+                <a:solidFill>
+                  <a:schemeClr val="tx1"/>
+                </a:solidFill>
+                <a:latin typeface="+mn-lt"/>
+                <a:ea typeface="+mn-ea"/>
+                <a:cs typeface="+mn-cs"/>
+              </a:defRPr>
+            </a:lvl5pPr>
+            <a:lvl6pPr marL="2514600" indent="-228600" algn="l" defTabSz="914400" rtl="0" eaLnBrk="1" latinLnBrk="0" hangingPunct="1">
+              <a:lnSpc>
+                <a:spcPct val="90000"/>
+              </a:lnSpc>
+              <a:spcBef>
+                <a:spcPts val="500"/>
+              </a:spcBef>
+              <a:buFont typeface="Arial" panose="020B0604020202020204" pitchFamily="34" charset="0"/>
+              <a:buChar char="•"/>
+              <a:defRPr sz="1800" kern="1200">
+                <a:solidFill>
+                  <a:schemeClr val="tx1"/>
+                </a:solidFill>
+                <a:latin typeface="+mn-lt"/>
+                <a:ea typeface="+mn-ea"/>
+                <a:cs typeface="+mn-cs"/>
+              </a:defRPr>
+            </a:lvl6pPr>
+            <a:lvl7pPr marL="2971800" indent="-228600" algn="l" defTabSz="914400" rtl="0" eaLnBrk="1" latinLnBrk="0" hangingPunct="1">
+              <a:lnSpc>
+                <a:spcPct val="90000"/>
+              </a:lnSpc>
+              <a:spcBef>
+                <a:spcPts val="500"/>
+              </a:spcBef>
+              <a:buFont typeface="Arial" panose="020B0604020202020204" pitchFamily="34" charset="0"/>
+              <a:buChar char="•"/>
+              <a:defRPr sz="1800" kern="1200">
+                <a:solidFill>
+                  <a:schemeClr val="tx1"/>
+                </a:solidFill>
+                <a:latin typeface="+mn-lt"/>
+                <a:ea typeface="+mn-ea"/>
+                <a:cs typeface="+mn-cs"/>
+              </a:defRPr>
+            </a:lvl7pPr>
+            <a:lvl8pPr marL="3429000" indent="-228600" algn="l" defTabSz="914400" rtl="0" eaLnBrk="1" latinLnBrk="0" hangingPunct="1">
+              <a:lnSpc>
+                <a:spcPct val="90000"/>
+              </a:lnSpc>
+              <a:spcBef>
+                <a:spcPts val="500"/>
+              </a:spcBef>
+              <a:buFont typeface="Arial" panose="020B0604020202020204" pitchFamily="34" charset="0"/>
+              <a:buChar char="•"/>
+              <a:defRPr sz="1800" kern="1200">
+                <a:solidFill>
+                  <a:schemeClr val="tx1"/>
+                </a:solidFill>
+                <a:latin typeface="+mn-lt"/>
+                <a:ea typeface="+mn-ea"/>
+                <a:cs typeface="+mn-cs"/>
+              </a:defRPr>
+            </a:lvl8pPr>
+            <a:lvl9pPr marL="3886200" indent="-228600" algn="l" defTabSz="914400" rtl="0" eaLnBrk="1" latinLnBrk="0" hangingPunct="1">
+              <a:lnSpc>
+                <a:spcPct val="90000"/>
+              </a:lnSpc>
+              <a:spcBef>
+                <a:spcPts val="500"/>
+              </a:spcBef>
+              <a:buFont typeface="Arial" panose="020B0604020202020204" pitchFamily="34" charset="0"/>
+              <a:buChar char="•"/>
+              <a:defRPr sz="1800" kern="1200">
+                <a:solidFill>
+                  <a:schemeClr val="tx1"/>
+                </a:solidFill>
+                <a:latin typeface="+mn-lt"/>
+                <a:ea typeface="+mn-ea"/>
+                <a:cs typeface="+mn-cs"/>
+              </a:defRPr>
+            </a:lvl9pPr>
+          </a:lstStyle>
+          <a:p>
+            <a:pPr marL="0" indent="0" algn="ctr">
+              <a:buFont typeface="Arial" panose="020B0604020202020204" pitchFamily="34" charset="0"/>
+              <a:buNone/>
+            </a:pPr>
+            <a:r>
+              <a:rPr lang="fr-FR" sz="2400" b="1" dirty="0"/>
+              <a:t>Login Server</a:t>
+            </a:r>
+            <a:endParaRPr lang="fr-FR" sz="2400" dirty="0"/>
+          </a:p>
+        </p:txBody>
+      </p:sp>
+      <p:sp>
+        <p:nvSpPr>
+          <p:cNvPr id="16" name="Rectangle 15">
+            <a:extLst>
+              <a:ext uri="{FF2B5EF4-FFF2-40B4-BE49-F238E27FC236}">
+                <a16:creationId xmlns:a16="http://schemas.microsoft.com/office/drawing/2014/main" id="{3D75F21C-F944-4B63-9A6E-1FF446BA9D8D}"/>
+              </a:ext>
+            </a:extLst>
+          </p:cNvPr>
+          <p:cNvSpPr/>
+          <p:nvPr/>
+        </p:nvSpPr>
+        <p:spPr>
+          <a:xfrm>
+            <a:off x="7873906" y="1139169"/>
+            <a:ext cx="2455096" cy="400110"/>
+          </a:xfrm>
+          <a:prstGeom prst="rect">
+            <a:avLst/>
+          </a:prstGeom>
+        </p:spPr>
+        <p:txBody>
+          <a:bodyPr wrap="none">
+            <a:spAutoFit/>
+          </a:bodyPr>
+          <a:lstStyle/>
+          <a:p>
+            <a:r>
+              <a:rPr lang="fr-FR" sz="2000" i="1" dirty="0">
+                <a:solidFill>
+                  <a:schemeClr val="accent1">
+                    <a:lumMod val="75000"/>
+                  </a:schemeClr>
+                </a:solidFill>
+                <a:hlinkClick r:id="rId9"/>
+              </a:rPr>
+              <a:t>https://connect.axa.fr</a:t>
+            </a:r>
+            <a:endParaRPr lang="fr-FR" sz="2000" i="1" dirty="0">
+              <a:solidFill>
+                <a:schemeClr val="accent1">
                   <a:lumMod val="75000"/>
                 </a:schemeClr>
               </a:solidFill>
